--- a/Les1/Wat is Data Science.pptx
+++ b/Les1/Wat is Data Science.pptx
@@ -2,10 +2,12 @@
 <file path=ppt/presentation.xml><?xml version="1.0" encoding="utf-8"?>
 <p:presentation xmlns:a="http://schemas.openxmlformats.org/drawingml/2006/main" xmlns:r="http://schemas.openxmlformats.org/officeDocument/2006/relationships" xmlns:p="http://schemas.openxmlformats.org/presentationml/2006/main" saveSubsetFonts="1">
   <p:sldMasterIdLst>
-    <p:sldMasterId id="2147483660" r:id="rId1"/>
+    <p:sldMasterId id="2147483672" r:id="rId1"/>
   </p:sldMasterIdLst>
   <p:sldIdLst>
     <p:sldId id="257" r:id="rId2"/>
+    <p:sldId id="259" r:id="rId3"/>
+    <p:sldId id="258" r:id="rId4"/>
   </p:sldIdLst>
   <p:sldSz cx="12192000" cy="6858000"/>
   <p:notesSz cx="6858000" cy="9144000"/>
@@ -108,7 +110,7 @@
 </file>
 
 <file path=ppt/slideLayouts/slideLayout1.xml><?xml version="1.0" encoding="utf-8"?>
-<p:sldLayout xmlns:a="http://schemas.openxmlformats.org/drawingml/2006/main" xmlns:r="http://schemas.openxmlformats.org/officeDocument/2006/relationships" xmlns:p="http://schemas.openxmlformats.org/presentationml/2006/main" showMasterSp="0" type="title" preserve="1">
+<p:sldLayout xmlns:a="http://schemas.openxmlformats.org/drawingml/2006/main" xmlns:r="http://schemas.openxmlformats.org/officeDocument/2006/relationships" xmlns:p="http://schemas.openxmlformats.org/presentationml/2006/main" type="title" preserve="1">
   <p:cSld name="Titeldia">
     <p:spTree>
       <p:nvGrpSpPr>
@@ -124,84 +126,36 @@
           <a:chExt cx="0" cy="0"/>
         </a:xfrm>
       </p:grpSpPr>
-      <p:sp>
-        <p:nvSpPr>
-          <p:cNvPr id="7" name="Rectangle 6"/>
-          <p:cNvSpPr/>
+      <p:pic>
+        <p:nvPicPr>
+          <p:cNvPr id="7" name="Picture 6" descr="C0-HD-BTM.png"/>
+          <p:cNvPicPr>
+            <a:picLocks noChangeAspect="1"/>
+          </p:cNvPicPr>
           <p:nvPr/>
-        </p:nvSpPr>
-        <p:spPr>
-          <a:xfrm>
-            <a:off x="0" y="761999"/>
-            <a:ext cx="9141619" cy="5334001"/>
+        </p:nvPicPr>
+        <p:blipFill>
+          <a:blip r:embed="rId2">
+            <a:extLst>
+              <a:ext uri="{28A0092B-C50C-407E-A947-70E740481C1C}">
+                <a14:useLocalDpi xmlns:a14="http://schemas.microsoft.com/office/drawing/2010/main" val="0"/>
+              </a:ext>
+            </a:extLst>
+          </a:blip>
+          <a:stretch>
+            <a:fillRect/>
+          </a:stretch>
+        </p:blipFill>
+        <p:spPr>
+          <a:xfrm>
+            <a:off x="0" y="4375150"/>
+            <a:ext cx="12192000" cy="2482850"/>
           </a:xfrm>
           <a:prstGeom prst="rect">
             <a:avLst/>
           </a:prstGeom>
-          <a:solidFill>
-            <a:schemeClr val="accent1"/>
-          </a:solidFill>
-          <a:ln>
-            <a:noFill/>
-          </a:ln>
-        </p:spPr>
-        <p:style>
-          <a:lnRef idx="2">
-            <a:schemeClr val="accent1">
-              <a:shade val="50000"/>
-            </a:schemeClr>
-          </a:lnRef>
-          <a:fillRef idx="1">
-            <a:schemeClr val="accent1"/>
-          </a:fillRef>
-          <a:effectRef idx="0">
-            <a:schemeClr val="accent1"/>
-          </a:effectRef>
-          <a:fontRef idx="minor">
-            <a:schemeClr val="lt1"/>
-          </a:fontRef>
-        </p:style>
-      </p:sp>
-      <p:sp>
-        <p:nvSpPr>
-          <p:cNvPr id="8" name="Rectangle 7"/>
-          <p:cNvSpPr/>
-          <p:nvPr/>
-        </p:nvSpPr>
-        <p:spPr>
-          <a:xfrm>
-            <a:off x="9270263" y="761999"/>
-            <a:ext cx="2925318" cy="5334001"/>
-          </a:xfrm>
-          <a:prstGeom prst="rect">
-            <a:avLst/>
-          </a:prstGeom>
-          <a:solidFill>
-            <a:srgbClr val="C8C8C8">
-              <a:alpha val="49804"/>
-            </a:srgbClr>
-          </a:solidFill>
-          <a:ln>
-            <a:noFill/>
-          </a:ln>
-        </p:spPr>
-        <p:style>
-          <a:lnRef idx="2">
-            <a:schemeClr val="accent1">
-              <a:shade val="50000"/>
-            </a:schemeClr>
-          </a:lnRef>
-          <a:fillRef idx="1">
-            <a:schemeClr val="accent1"/>
-          </a:fillRef>
-          <a:effectRef idx="0">
-            <a:schemeClr val="accent1"/>
-          </a:effectRef>
-          <a:fontRef idx="minor">
-            <a:schemeClr val="lt1"/>
-          </a:fontRef>
-        </p:style>
-      </p:sp>
+        </p:spPr>
+      </p:pic>
       <p:sp>
         <p:nvSpPr>
           <p:cNvPr id="2" name="Title 1"/>
@@ -214,8 +168,8 @@
         </p:nvSpPr>
         <p:spPr>
           <a:xfrm>
-            <a:off x="1069848" y="1298448"/>
-            <a:ext cx="7315200" cy="3255264"/>
+            <a:off x="1371600" y="1803405"/>
+            <a:ext cx="9448800" cy="1825096"/>
           </a:xfrm>
         </p:spPr>
         <p:txBody>
@@ -224,11 +178,7 @@
           </a:bodyPr>
           <a:lstStyle>
             <a:lvl1pPr algn="l">
-              <a:defRPr sz="5900" spc="-100" baseline="0">
-                <a:solidFill>
-                  <a:srgbClr val="FFFFFF"/>
-                </a:solidFill>
-              </a:defRPr>
+              <a:defRPr sz="6000"/>
             </a:lvl1pPr>
           </a:lstStyle>
           <a:p>
@@ -252,57 +202,50 @@
         </p:nvSpPr>
         <p:spPr>
           <a:xfrm>
-            <a:off x="1100015" y="4670246"/>
-            <a:ext cx="7315200" cy="914400"/>
-          </a:xfrm>
-        </p:spPr>
-        <p:txBody>
-          <a:bodyPr anchor="t">
+            <a:off x="1371600" y="3632201"/>
+            <a:ext cx="9448800" cy="685800"/>
+          </a:xfrm>
+        </p:spPr>
+        <p:txBody>
+          <a:bodyPr>
             <a:normAutofit/>
           </a:bodyPr>
           <a:lstStyle>
             <a:lvl1pPr marL="0" indent="0" algn="l">
               <a:buNone/>
-              <a:defRPr sz="2200" cap="none" spc="0" baseline="0">
-                <a:solidFill>
-                  <a:schemeClr val="accent1">
-                    <a:lumMod val="20000"/>
-                    <a:lumOff val="80000"/>
-                  </a:schemeClr>
-                </a:solidFill>
-              </a:defRPr>
+              <a:defRPr sz="2000"/>
             </a:lvl1pPr>
             <a:lvl2pPr marL="457200" indent="0" algn="ctr">
               <a:buNone/>
-              <a:defRPr sz="2200"/>
+              <a:defRPr sz="2000"/>
             </a:lvl2pPr>
             <a:lvl3pPr marL="914400" indent="0" algn="ctr">
               <a:buNone/>
-              <a:defRPr sz="2200"/>
+              <a:defRPr sz="1800"/>
             </a:lvl3pPr>
             <a:lvl4pPr marL="1371600" indent="0" algn="ctr">
               <a:buNone/>
-              <a:defRPr sz="2000"/>
+              <a:defRPr sz="1600"/>
             </a:lvl4pPr>
             <a:lvl5pPr marL="1828800" indent="0" algn="ctr">
               <a:buNone/>
-              <a:defRPr sz="2000"/>
+              <a:defRPr sz="1600"/>
             </a:lvl5pPr>
             <a:lvl6pPr marL="2286000" indent="0" algn="ctr">
               <a:buNone/>
-              <a:defRPr sz="2000"/>
+              <a:defRPr sz="1600"/>
             </a:lvl6pPr>
             <a:lvl7pPr marL="2743200" indent="0" algn="ctr">
               <a:buNone/>
-              <a:defRPr sz="2000"/>
+              <a:defRPr sz="1600"/>
             </a:lvl7pPr>
             <a:lvl8pPr marL="3200400" indent="0" algn="ctr">
               <a:buNone/>
-              <a:defRPr sz="2000"/>
+              <a:defRPr sz="1600"/>
             </a:lvl8pPr>
             <a:lvl9pPr marL="3657600" indent="0" algn="ctr">
               <a:buNone/>
-              <a:defRPr sz="2000"/>
+              <a:defRPr sz="1600"/>
             </a:lvl9pPr>
           </a:lstStyle>
           <a:p>
@@ -324,7 +267,12 @@
             <p:ph type="dt" sz="half" idx="10"/>
           </p:nvPr>
         </p:nvSpPr>
-        <p:spPr/>
+        <p:spPr>
+          <a:xfrm>
+            <a:off x="7909561" y="4314328"/>
+            <a:ext cx="2910840" cy="374642"/>
+          </a:xfrm>
+        </p:spPr>
         <p:txBody>
           <a:bodyPr/>
           <a:lstStyle/>
@@ -347,7 +295,12 @@
             <p:ph type="ftr" sz="quarter" idx="11"/>
           </p:nvPr>
         </p:nvSpPr>
-        <p:spPr/>
+        <p:spPr>
+          <a:xfrm>
+            <a:off x="1371600" y="4323845"/>
+            <a:ext cx="6400800" cy="365125"/>
+          </a:xfrm>
+        </p:spPr>
         <p:txBody>
           <a:bodyPr/>
           <a:lstStyle/>
@@ -366,7 +319,12 @@
             <p:ph type="sldNum" sz="quarter" idx="12"/>
           </p:nvPr>
         </p:nvSpPr>
-        <p:spPr/>
+        <p:spPr>
+          <a:xfrm>
+            <a:off x="8077200" y="1430866"/>
+            <a:ext cx="2743200" cy="365125"/>
+          </a:xfrm>
+        </p:spPr>
         <p:txBody>
           <a:bodyPr/>
           <a:lstStyle/>
@@ -382,7 +340,7 @@
     </p:spTree>
     <p:extLst>
       <p:ext uri="{BB962C8B-B14F-4D97-AF65-F5344CB8AC3E}">
-        <p14:creationId xmlns:p14="http://schemas.microsoft.com/office/powerpoint/2010/main" val="3271545455"/>
+        <p14:creationId xmlns:p14="http://schemas.microsoft.com/office/powerpoint/2010/main" val="2258491838"/>
       </p:ext>
     </p:extLst>
   </p:cSld>
@@ -393,6 +351,2598 @@
 </file>
 
 <file path=ppt/slideLayouts/slideLayout10.xml><?xml version="1.0" encoding="utf-8"?>
+<p:sldLayout xmlns:a="http://schemas.openxmlformats.org/drawingml/2006/main" xmlns:r="http://schemas.openxmlformats.org/officeDocument/2006/relationships" xmlns:p="http://schemas.openxmlformats.org/presentationml/2006/main" preserve="1">
+  <p:cSld name="Panoramische afbeelding met bijschrift">
+    <p:spTree>
+      <p:nvGrpSpPr>
+        <p:cNvPr id="1" name=""/>
+        <p:cNvGrpSpPr/>
+        <p:nvPr/>
+      </p:nvGrpSpPr>
+      <p:grpSpPr>
+        <a:xfrm>
+          <a:off x="0" y="0"/>
+          <a:ext cx="0" cy="0"/>
+          <a:chOff x="0" y="0"/>
+          <a:chExt cx="0" cy="0"/>
+        </a:xfrm>
+      </p:grpSpPr>
+      <p:sp>
+        <p:nvSpPr>
+          <p:cNvPr id="2" name="Title 1"/>
+          <p:cNvSpPr>
+            <a:spLocks noGrp="1"/>
+          </p:cNvSpPr>
+          <p:nvPr>
+            <p:ph type="title"/>
+          </p:nvPr>
+        </p:nvSpPr>
+        <p:spPr>
+          <a:xfrm>
+            <a:off x="685777" y="4697360"/>
+            <a:ext cx="10822034" cy="819355"/>
+          </a:xfrm>
+        </p:spPr>
+        <p:txBody>
+          <a:bodyPr anchor="b"/>
+          <a:lstStyle>
+            <a:lvl1pPr algn="l">
+              <a:defRPr sz="3200"/>
+            </a:lvl1pPr>
+          </a:lstStyle>
+          <a:p>
+            <a:r>
+              <a:rPr lang="nl-NL"/>
+              <a:t>Klik om stijl te bewerken</a:t>
+            </a:r>
+            <a:endParaRPr lang="en-US" dirty="0"/>
+          </a:p>
+        </p:txBody>
+      </p:sp>
+      <p:sp>
+        <p:nvSpPr>
+          <p:cNvPr id="3" name="Picture Placeholder 2"/>
+          <p:cNvSpPr>
+            <a:spLocks noGrp="1" noChangeAspect="1"/>
+          </p:cNvSpPr>
+          <p:nvPr>
+            <p:ph type="pic" idx="1"/>
+          </p:nvPr>
+        </p:nvSpPr>
+        <p:spPr>
+          <a:xfrm>
+            <a:off x="681727" y="941439"/>
+            <a:ext cx="10821840" cy="3478161"/>
+          </a:xfrm>
+        </p:spPr>
+        <p:txBody>
+          <a:bodyPr anchor="t"/>
+          <a:lstStyle>
+            <a:lvl1pPr marL="0" indent="0">
+              <a:buNone/>
+              <a:defRPr sz="3200"/>
+            </a:lvl1pPr>
+            <a:lvl2pPr marL="457200" indent="0">
+              <a:buNone/>
+              <a:defRPr sz="2800"/>
+            </a:lvl2pPr>
+            <a:lvl3pPr marL="914400" indent="0">
+              <a:buNone/>
+              <a:defRPr sz="2400"/>
+            </a:lvl3pPr>
+            <a:lvl4pPr marL="1371600" indent="0">
+              <a:buNone/>
+              <a:defRPr sz="2000"/>
+            </a:lvl4pPr>
+            <a:lvl5pPr marL="1828800" indent="0">
+              <a:buNone/>
+              <a:defRPr sz="2000"/>
+            </a:lvl5pPr>
+            <a:lvl6pPr marL="2286000" indent="0">
+              <a:buNone/>
+              <a:defRPr sz="2000"/>
+            </a:lvl6pPr>
+            <a:lvl7pPr marL="2743200" indent="0">
+              <a:buNone/>
+              <a:defRPr sz="2000"/>
+            </a:lvl7pPr>
+            <a:lvl8pPr marL="3200400" indent="0">
+              <a:buNone/>
+              <a:defRPr sz="2000"/>
+            </a:lvl8pPr>
+            <a:lvl9pPr marL="3657600" indent="0">
+              <a:buNone/>
+              <a:defRPr sz="2000"/>
+            </a:lvl9pPr>
+          </a:lstStyle>
+          <a:p>
+            <a:r>
+              <a:rPr lang="nl-NL"/>
+              <a:t>Klik op het pictogram als u een afbeelding wilt toevoegen</a:t>
+            </a:r>
+            <a:endParaRPr lang="en-US" dirty="0"/>
+          </a:p>
+        </p:txBody>
+      </p:sp>
+      <p:sp>
+        <p:nvSpPr>
+          <p:cNvPr id="4" name="Text Placeholder 3"/>
+          <p:cNvSpPr>
+            <a:spLocks noGrp="1"/>
+          </p:cNvSpPr>
+          <p:nvPr>
+            <p:ph type="body" sz="half" idx="2"/>
+          </p:nvPr>
+        </p:nvSpPr>
+        <p:spPr>
+          <a:xfrm>
+            <a:off x="685800" y="5516715"/>
+            <a:ext cx="10820400" cy="701969"/>
+          </a:xfrm>
+        </p:spPr>
+        <p:txBody>
+          <a:bodyPr/>
+          <a:lstStyle>
+            <a:lvl1pPr marL="0" indent="0" algn="l">
+              <a:buNone/>
+              <a:defRPr sz="1600"/>
+            </a:lvl1pPr>
+            <a:lvl2pPr marL="457200" indent="0">
+              <a:buNone/>
+              <a:defRPr sz="1400"/>
+            </a:lvl2pPr>
+            <a:lvl3pPr marL="914400" indent="0">
+              <a:buNone/>
+              <a:defRPr sz="1200"/>
+            </a:lvl3pPr>
+            <a:lvl4pPr marL="1371600" indent="0">
+              <a:buNone/>
+              <a:defRPr sz="1000"/>
+            </a:lvl4pPr>
+            <a:lvl5pPr marL="1828800" indent="0">
+              <a:buNone/>
+              <a:defRPr sz="1000"/>
+            </a:lvl5pPr>
+            <a:lvl6pPr marL="2286000" indent="0">
+              <a:buNone/>
+              <a:defRPr sz="1000"/>
+            </a:lvl6pPr>
+            <a:lvl7pPr marL="2743200" indent="0">
+              <a:buNone/>
+              <a:defRPr sz="1000"/>
+            </a:lvl7pPr>
+            <a:lvl8pPr marL="3200400" indent="0">
+              <a:buNone/>
+              <a:defRPr sz="1000"/>
+            </a:lvl8pPr>
+            <a:lvl9pPr marL="3657600" indent="0">
+              <a:buNone/>
+              <a:defRPr sz="1000"/>
+            </a:lvl9pPr>
+          </a:lstStyle>
+          <a:p>
+            <a:pPr lvl="0"/>
+            <a:r>
+              <a:rPr lang="nl-NL"/>
+              <a:t>Klikken om de tekststijl van het model te bewerken</a:t>
+            </a:r>
+          </a:p>
+        </p:txBody>
+      </p:sp>
+      <p:sp>
+        <p:nvSpPr>
+          <p:cNvPr id="5" name="Date Placeholder 4"/>
+          <p:cNvSpPr>
+            <a:spLocks noGrp="1"/>
+          </p:cNvSpPr>
+          <p:nvPr>
+            <p:ph type="dt" sz="half" idx="10"/>
+          </p:nvPr>
+        </p:nvSpPr>
+        <p:spPr/>
+        <p:txBody>
+          <a:bodyPr/>
+          <a:lstStyle/>
+          <a:p>
+            <a:fld id="{5F439966-7353-4115-A59B-B8C61C53DFA5}" type="datetimeFigureOut">
+              <a:rPr lang="nl-NL" smtClean="0"/>
+              <a:t>1-2-2021</a:t>
+            </a:fld>
+            <a:endParaRPr lang="nl-NL"/>
+          </a:p>
+        </p:txBody>
+      </p:sp>
+      <p:sp>
+        <p:nvSpPr>
+          <p:cNvPr id="6" name="Footer Placeholder 5"/>
+          <p:cNvSpPr>
+            <a:spLocks noGrp="1"/>
+          </p:cNvSpPr>
+          <p:nvPr>
+            <p:ph type="ftr" sz="quarter" idx="11"/>
+          </p:nvPr>
+        </p:nvSpPr>
+        <p:spPr/>
+        <p:txBody>
+          <a:bodyPr/>
+          <a:lstStyle/>
+          <a:p>
+            <a:endParaRPr lang="nl-NL"/>
+          </a:p>
+        </p:txBody>
+      </p:sp>
+      <p:sp>
+        <p:nvSpPr>
+          <p:cNvPr id="7" name="Slide Number Placeholder 6"/>
+          <p:cNvSpPr>
+            <a:spLocks noGrp="1"/>
+          </p:cNvSpPr>
+          <p:nvPr>
+            <p:ph type="sldNum" sz="quarter" idx="12"/>
+          </p:nvPr>
+        </p:nvSpPr>
+        <p:spPr/>
+        <p:txBody>
+          <a:bodyPr/>
+          <a:lstStyle/>
+          <a:p>
+            <a:fld id="{3FF4C070-5BC2-4A2F-95F1-9DADA61BE279}" type="slidenum">
+              <a:rPr lang="nl-NL" smtClean="0"/>
+              <a:t>‹nr.›</a:t>
+            </a:fld>
+            <a:endParaRPr lang="nl-NL"/>
+          </a:p>
+        </p:txBody>
+      </p:sp>
+    </p:spTree>
+    <p:extLst>
+      <p:ext uri="{BB962C8B-B14F-4D97-AF65-F5344CB8AC3E}">
+        <p14:creationId xmlns:p14="http://schemas.microsoft.com/office/powerpoint/2010/main" val="1242078326"/>
+      </p:ext>
+    </p:extLst>
+  </p:cSld>
+  <p:clrMapOvr>
+    <a:masterClrMapping/>
+  </p:clrMapOvr>
+</p:sldLayout>
+</file>
+
+<file path=ppt/slideLayouts/slideLayout11.xml><?xml version="1.0" encoding="utf-8"?>
+<p:sldLayout xmlns:a="http://schemas.openxmlformats.org/drawingml/2006/main" xmlns:r="http://schemas.openxmlformats.org/officeDocument/2006/relationships" xmlns:p="http://schemas.openxmlformats.org/presentationml/2006/main" showMasterSp="0" preserve="1">
+  <p:cSld name="Titel en bijschrift">
+    <p:spTree>
+      <p:nvGrpSpPr>
+        <p:cNvPr id="1" name=""/>
+        <p:cNvGrpSpPr/>
+        <p:nvPr/>
+      </p:nvGrpSpPr>
+      <p:grpSpPr>
+        <a:xfrm>
+          <a:off x="0" y="0"/>
+          <a:ext cx="0" cy="0"/>
+          <a:chOff x="0" y="0"/>
+          <a:chExt cx="0" cy="0"/>
+        </a:xfrm>
+      </p:grpSpPr>
+      <p:pic>
+        <p:nvPicPr>
+          <p:cNvPr id="8" name="Picture 7" descr="C0-HD-BTM.png"/>
+          <p:cNvPicPr>
+            <a:picLocks noChangeAspect="1"/>
+          </p:cNvPicPr>
+          <p:nvPr/>
+        </p:nvPicPr>
+        <p:blipFill>
+          <a:blip r:embed="rId2">
+            <a:extLst>
+              <a:ext uri="{28A0092B-C50C-407E-A947-70E740481C1C}">
+                <a14:useLocalDpi xmlns:a14="http://schemas.microsoft.com/office/drawing/2010/main" val="0"/>
+              </a:ext>
+            </a:extLst>
+          </a:blip>
+          <a:stretch>
+            <a:fillRect/>
+          </a:stretch>
+        </p:blipFill>
+        <p:spPr>
+          <a:xfrm>
+            <a:off x="0" y="4375150"/>
+            <a:ext cx="12192000" cy="2482850"/>
+          </a:xfrm>
+          <a:prstGeom prst="rect">
+            <a:avLst/>
+          </a:prstGeom>
+        </p:spPr>
+      </p:pic>
+      <p:sp>
+        <p:nvSpPr>
+          <p:cNvPr id="2" name="Title 1"/>
+          <p:cNvSpPr>
+            <a:spLocks noGrp="1"/>
+          </p:cNvSpPr>
+          <p:nvPr>
+            <p:ph type="title"/>
+          </p:nvPr>
+        </p:nvSpPr>
+        <p:spPr>
+          <a:xfrm>
+            <a:off x="685800" y="753532"/>
+            <a:ext cx="10820400" cy="2802467"/>
+          </a:xfrm>
+        </p:spPr>
+        <p:txBody>
+          <a:bodyPr anchor="ctr"/>
+          <a:lstStyle>
+            <a:lvl1pPr algn="l">
+              <a:defRPr sz="3200"/>
+            </a:lvl1pPr>
+          </a:lstStyle>
+          <a:p>
+            <a:r>
+              <a:rPr lang="nl-NL"/>
+              <a:t>Klik om stijl te bewerken</a:t>
+            </a:r>
+            <a:endParaRPr lang="en-US" dirty="0"/>
+          </a:p>
+        </p:txBody>
+      </p:sp>
+      <p:sp>
+        <p:nvSpPr>
+          <p:cNvPr id="4" name="Text Placeholder 3"/>
+          <p:cNvSpPr>
+            <a:spLocks noGrp="1"/>
+          </p:cNvSpPr>
+          <p:nvPr>
+            <p:ph type="body" sz="half" idx="2"/>
+          </p:nvPr>
+        </p:nvSpPr>
+        <p:spPr>
+          <a:xfrm>
+            <a:off x="1024467" y="3649133"/>
+            <a:ext cx="10130516" cy="999067"/>
+          </a:xfrm>
+        </p:spPr>
+        <p:txBody>
+          <a:bodyPr anchor="ctr"/>
+          <a:lstStyle>
+            <a:lvl1pPr marL="0" indent="0">
+              <a:buNone/>
+              <a:defRPr sz="1600"/>
+            </a:lvl1pPr>
+            <a:lvl2pPr marL="457200" indent="0">
+              <a:buNone/>
+              <a:defRPr sz="1400"/>
+            </a:lvl2pPr>
+            <a:lvl3pPr marL="914400" indent="0">
+              <a:buNone/>
+              <a:defRPr sz="1200"/>
+            </a:lvl3pPr>
+            <a:lvl4pPr marL="1371600" indent="0">
+              <a:buNone/>
+              <a:defRPr sz="1000"/>
+            </a:lvl4pPr>
+            <a:lvl5pPr marL="1828800" indent="0">
+              <a:buNone/>
+              <a:defRPr sz="1000"/>
+            </a:lvl5pPr>
+            <a:lvl6pPr marL="2286000" indent="0">
+              <a:buNone/>
+              <a:defRPr sz="1000"/>
+            </a:lvl6pPr>
+            <a:lvl7pPr marL="2743200" indent="0">
+              <a:buNone/>
+              <a:defRPr sz="1000"/>
+            </a:lvl7pPr>
+            <a:lvl8pPr marL="3200400" indent="0">
+              <a:buNone/>
+              <a:defRPr sz="1000"/>
+            </a:lvl8pPr>
+            <a:lvl9pPr marL="3657600" indent="0">
+              <a:buNone/>
+              <a:defRPr sz="1000"/>
+            </a:lvl9pPr>
+          </a:lstStyle>
+          <a:p>
+            <a:pPr lvl="0"/>
+            <a:r>
+              <a:rPr lang="nl-NL"/>
+              <a:t>Klikken om de tekststijl van het model te bewerken</a:t>
+            </a:r>
+          </a:p>
+        </p:txBody>
+      </p:sp>
+      <p:sp>
+        <p:nvSpPr>
+          <p:cNvPr id="5" name="Date Placeholder 4"/>
+          <p:cNvSpPr>
+            <a:spLocks noGrp="1"/>
+          </p:cNvSpPr>
+          <p:nvPr>
+            <p:ph type="dt" sz="half" idx="10"/>
+          </p:nvPr>
+        </p:nvSpPr>
+        <p:spPr>
+          <a:xfrm>
+            <a:off x="7814452" y="381000"/>
+            <a:ext cx="2910840" cy="365125"/>
+          </a:xfrm>
+        </p:spPr>
+        <p:txBody>
+          <a:bodyPr/>
+          <a:lstStyle>
+            <a:lvl1pPr algn="r">
+              <a:defRPr/>
+            </a:lvl1pPr>
+          </a:lstStyle>
+          <a:p>
+            <a:fld id="{5F439966-7353-4115-A59B-B8C61C53DFA5}" type="datetimeFigureOut">
+              <a:rPr lang="nl-NL" smtClean="0"/>
+              <a:t>1-2-2021</a:t>
+            </a:fld>
+            <a:endParaRPr lang="nl-NL"/>
+          </a:p>
+        </p:txBody>
+      </p:sp>
+      <p:sp>
+        <p:nvSpPr>
+          <p:cNvPr id="6" name="Footer Placeholder 5"/>
+          <p:cNvSpPr>
+            <a:spLocks noGrp="1"/>
+          </p:cNvSpPr>
+          <p:nvPr>
+            <p:ph type="ftr" sz="quarter" idx="11"/>
+          </p:nvPr>
+        </p:nvSpPr>
+        <p:spPr>
+          <a:xfrm>
+            <a:off x="685800" y="379941"/>
+            <a:ext cx="6991492" cy="365125"/>
+          </a:xfrm>
+        </p:spPr>
+        <p:txBody>
+          <a:bodyPr/>
+          <a:lstStyle/>
+          <a:p>
+            <a:endParaRPr lang="nl-NL"/>
+          </a:p>
+        </p:txBody>
+      </p:sp>
+      <p:sp>
+        <p:nvSpPr>
+          <p:cNvPr id="7" name="Slide Number Placeholder 6"/>
+          <p:cNvSpPr>
+            <a:spLocks noGrp="1"/>
+          </p:cNvSpPr>
+          <p:nvPr>
+            <p:ph type="sldNum" sz="quarter" idx="12"/>
+          </p:nvPr>
+        </p:nvSpPr>
+        <p:spPr>
+          <a:xfrm>
+            <a:off x="10862452" y="381000"/>
+            <a:ext cx="643748" cy="365125"/>
+          </a:xfrm>
+        </p:spPr>
+        <p:txBody>
+          <a:bodyPr/>
+          <a:lstStyle/>
+          <a:p>
+            <a:fld id="{3FF4C070-5BC2-4A2F-95F1-9DADA61BE279}" type="slidenum">
+              <a:rPr lang="nl-NL" smtClean="0"/>
+              <a:t>‹nr.›</a:t>
+            </a:fld>
+            <a:endParaRPr lang="nl-NL"/>
+          </a:p>
+        </p:txBody>
+      </p:sp>
+    </p:spTree>
+    <p:extLst>
+      <p:ext uri="{BB962C8B-B14F-4D97-AF65-F5344CB8AC3E}">
+        <p14:creationId xmlns:p14="http://schemas.microsoft.com/office/powerpoint/2010/main" val="3179721306"/>
+      </p:ext>
+    </p:extLst>
+  </p:cSld>
+  <p:clrMapOvr>
+    <a:masterClrMapping/>
+  </p:clrMapOvr>
+</p:sldLayout>
+</file>
+
+<file path=ppt/slideLayouts/slideLayout12.xml><?xml version="1.0" encoding="utf-8"?>
+<p:sldLayout xmlns:a="http://schemas.openxmlformats.org/drawingml/2006/main" xmlns:r="http://schemas.openxmlformats.org/officeDocument/2006/relationships" xmlns:p="http://schemas.openxmlformats.org/presentationml/2006/main" showMasterSp="0" preserve="1">
+  <p:cSld name="Citeraat met bijschrift">
+    <p:spTree>
+      <p:nvGrpSpPr>
+        <p:cNvPr id="1" name=""/>
+        <p:cNvGrpSpPr/>
+        <p:nvPr/>
+      </p:nvGrpSpPr>
+      <p:grpSpPr>
+        <a:xfrm>
+          <a:off x="0" y="0"/>
+          <a:ext cx="0" cy="0"/>
+          <a:chOff x="0" y="0"/>
+          <a:chExt cx="0" cy="0"/>
+        </a:xfrm>
+      </p:grpSpPr>
+      <p:pic>
+        <p:nvPicPr>
+          <p:cNvPr id="13" name="Picture 12" descr="C0-HD-BTM.png"/>
+          <p:cNvPicPr>
+            <a:picLocks noChangeAspect="1"/>
+          </p:cNvPicPr>
+          <p:nvPr/>
+        </p:nvPicPr>
+        <p:blipFill>
+          <a:blip r:embed="rId2">
+            <a:extLst>
+              <a:ext uri="{28A0092B-C50C-407E-A947-70E740481C1C}">
+                <a14:useLocalDpi xmlns:a14="http://schemas.microsoft.com/office/drawing/2010/main" val="0"/>
+              </a:ext>
+            </a:extLst>
+          </a:blip>
+          <a:stretch>
+            <a:fillRect/>
+          </a:stretch>
+        </p:blipFill>
+        <p:spPr>
+          <a:xfrm>
+            <a:off x="0" y="4375150"/>
+            <a:ext cx="12192000" cy="2482850"/>
+          </a:xfrm>
+          <a:prstGeom prst="rect">
+            <a:avLst/>
+          </a:prstGeom>
+        </p:spPr>
+      </p:pic>
+      <p:sp>
+        <p:nvSpPr>
+          <p:cNvPr id="2" name="Title 1"/>
+          <p:cNvSpPr>
+            <a:spLocks noGrp="1"/>
+          </p:cNvSpPr>
+          <p:nvPr>
+            <p:ph type="title"/>
+          </p:nvPr>
+        </p:nvSpPr>
+        <p:spPr>
+          <a:xfrm>
+            <a:off x="1024467" y="753533"/>
+            <a:ext cx="10151533" cy="2604495"/>
+          </a:xfrm>
+        </p:spPr>
+        <p:txBody>
+          <a:bodyPr anchor="ctr"/>
+          <a:lstStyle>
+            <a:lvl1pPr algn="l">
+              <a:defRPr sz="3200"/>
+            </a:lvl1pPr>
+          </a:lstStyle>
+          <a:p>
+            <a:r>
+              <a:rPr lang="nl-NL"/>
+              <a:t>Klik om stijl te bewerken</a:t>
+            </a:r>
+            <a:endParaRPr lang="en-US" dirty="0"/>
+          </a:p>
+        </p:txBody>
+      </p:sp>
+      <p:sp>
+        <p:nvSpPr>
+          <p:cNvPr id="12" name="Text Placeholder 3"/>
+          <p:cNvSpPr>
+            <a:spLocks noGrp="1"/>
+          </p:cNvSpPr>
+          <p:nvPr>
+            <p:ph type="body" sz="half" idx="13"/>
+          </p:nvPr>
+        </p:nvSpPr>
+        <p:spPr>
+          <a:xfrm>
+            <a:off x="1303865" y="3365556"/>
+            <a:ext cx="9592736" cy="444443"/>
+          </a:xfrm>
+        </p:spPr>
+        <p:txBody>
+          <a:bodyPr anchor="t">
+            <a:normAutofit/>
+          </a:bodyPr>
+          <a:lstStyle>
+            <a:lvl1pPr marL="0" indent="0">
+              <a:buNone/>
+              <a:defRPr sz="1400"/>
+            </a:lvl1pPr>
+            <a:lvl2pPr marL="457200" indent="0">
+              <a:buNone/>
+              <a:defRPr sz="1400"/>
+            </a:lvl2pPr>
+            <a:lvl3pPr marL="914400" indent="0">
+              <a:buNone/>
+              <a:defRPr sz="1200"/>
+            </a:lvl3pPr>
+            <a:lvl4pPr marL="1371600" indent="0">
+              <a:buNone/>
+              <a:defRPr sz="1000"/>
+            </a:lvl4pPr>
+            <a:lvl5pPr marL="1828800" indent="0">
+              <a:buNone/>
+              <a:defRPr sz="1000"/>
+            </a:lvl5pPr>
+            <a:lvl6pPr marL="2286000" indent="0">
+              <a:buNone/>
+              <a:defRPr sz="1000"/>
+            </a:lvl6pPr>
+            <a:lvl7pPr marL="2743200" indent="0">
+              <a:buNone/>
+              <a:defRPr sz="1000"/>
+            </a:lvl7pPr>
+            <a:lvl8pPr marL="3200400" indent="0">
+              <a:buNone/>
+              <a:defRPr sz="1000"/>
+            </a:lvl8pPr>
+            <a:lvl9pPr marL="3657600" indent="0">
+              <a:buNone/>
+              <a:defRPr sz="1000"/>
+            </a:lvl9pPr>
+          </a:lstStyle>
+          <a:p>
+            <a:pPr lvl="0"/>
+            <a:r>
+              <a:rPr lang="nl-NL"/>
+              <a:t>Klikken om de tekststijl van het model te bewerken</a:t>
+            </a:r>
+          </a:p>
+        </p:txBody>
+      </p:sp>
+      <p:sp>
+        <p:nvSpPr>
+          <p:cNvPr id="4" name="Text Placeholder 3"/>
+          <p:cNvSpPr>
+            <a:spLocks noGrp="1"/>
+          </p:cNvSpPr>
+          <p:nvPr>
+            <p:ph type="body" sz="half" idx="2"/>
+          </p:nvPr>
+        </p:nvSpPr>
+        <p:spPr>
+          <a:xfrm>
+            <a:off x="1024467" y="3959862"/>
+            <a:ext cx="10151533" cy="679871"/>
+          </a:xfrm>
+        </p:spPr>
+        <p:txBody>
+          <a:bodyPr anchor="ctr">
+            <a:normAutofit/>
+          </a:bodyPr>
+          <a:lstStyle>
+            <a:lvl1pPr marL="0" indent="0">
+              <a:buNone/>
+              <a:defRPr sz="1600"/>
+            </a:lvl1pPr>
+            <a:lvl2pPr marL="457200" indent="0">
+              <a:buNone/>
+              <a:defRPr sz="1400"/>
+            </a:lvl2pPr>
+            <a:lvl3pPr marL="914400" indent="0">
+              <a:buNone/>
+              <a:defRPr sz="1200"/>
+            </a:lvl3pPr>
+            <a:lvl4pPr marL="1371600" indent="0">
+              <a:buNone/>
+              <a:defRPr sz="1000"/>
+            </a:lvl4pPr>
+            <a:lvl5pPr marL="1828800" indent="0">
+              <a:buNone/>
+              <a:defRPr sz="1000"/>
+            </a:lvl5pPr>
+            <a:lvl6pPr marL="2286000" indent="0">
+              <a:buNone/>
+              <a:defRPr sz="1000"/>
+            </a:lvl6pPr>
+            <a:lvl7pPr marL="2743200" indent="0">
+              <a:buNone/>
+              <a:defRPr sz="1000"/>
+            </a:lvl7pPr>
+            <a:lvl8pPr marL="3200400" indent="0">
+              <a:buNone/>
+              <a:defRPr sz="1000"/>
+            </a:lvl8pPr>
+            <a:lvl9pPr marL="3657600" indent="0">
+              <a:buNone/>
+              <a:defRPr sz="1000"/>
+            </a:lvl9pPr>
+          </a:lstStyle>
+          <a:p>
+            <a:pPr lvl="0"/>
+            <a:r>
+              <a:rPr lang="nl-NL"/>
+              <a:t>Klikken om de tekststijl van het model te bewerken</a:t>
+            </a:r>
+          </a:p>
+        </p:txBody>
+      </p:sp>
+      <p:sp>
+        <p:nvSpPr>
+          <p:cNvPr id="5" name="Date Placeholder 4"/>
+          <p:cNvSpPr>
+            <a:spLocks noGrp="1"/>
+          </p:cNvSpPr>
+          <p:nvPr>
+            <p:ph type="dt" sz="half" idx="10"/>
+          </p:nvPr>
+        </p:nvSpPr>
+        <p:spPr>
+          <a:xfrm>
+            <a:off x="7814452" y="381000"/>
+            <a:ext cx="2910840" cy="365125"/>
+          </a:xfrm>
+        </p:spPr>
+        <p:txBody>
+          <a:bodyPr/>
+          <a:lstStyle>
+            <a:lvl1pPr algn="r">
+              <a:defRPr/>
+            </a:lvl1pPr>
+          </a:lstStyle>
+          <a:p>
+            <a:fld id="{5F439966-7353-4115-A59B-B8C61C53DFA5}" type="datetimeFigureOut">
+              <a:rPr lang="nl-NL" smtClean="0"/>
+              <a:t>1-2-2021</a:t>
+            </a:fld>
+            <a:endParaRPr lang="nl-NL"/>
+          </a:p>
+        </p:txBody>
+      </p:sp>
+      <p:sp>
+        <p:nvSpPr>
+          <p:cNvPr id="6" name="Footer Placeholder 5"/>
+          <p:cNvSpPr>
+            <a:spLocks noGrp="1"/>
+          </p:cNvSpPr>
+          <p:nvPr>
+            <p:ph type="ftr" sz="quarter" idx="11"/>
+          </p:nvPr>
+        </p:nvSpPr>
+        <p:spPr>
+          <a:xfrm>
+            <a:off x="685800" y="379941"/>
+            <a:ext cx="6991492" cy="365125"/>
+          </a:xfrm>
+        </p:spPr>
+        <p:txBody>
+          <a:bodyPr/>
+          <a:lstStyle/>
+          <a:p>
+            <a:endParaRPr lang="nl-NL"/>
+          </a:p>
+        </p:txBody>
+      </p:sp>
+      <p:sp>
+        <p:nvSpPr>
+          <p:cNvPr id="7" name="Slide Number Placeholder 6"/>
+          <p:cNvSpPr>
+            <a:spLocks noGrp="1"/>
+          </p:cNvSpPr>
+          <p:nvPr>
+            <p:ph type="sldNum" sz="quarter" idx="12"/>
+          </p:nvPr>
+        </p:nvSpPr>
+        <p:spPr>
+          <a:xfrm>
+            <a:off x="10862452" y="381000"/>
+            <a:ext cx="643748" cy="365125"/>
+          </a:xfrm>
+        </p:spPr>
+        <p:txBody>
+          <a:bodyPr/>
+          <a:lstStyle/>
+          <a:p>
+            <a:fld id="{3FF4C070-5BC2-4A2F-95F1-9DADA61BE279}" type="slidenum">
+              <a:rPr lang="nl-NL" smtClean="0"/>
+              <a:t>‹nr.›</a:t>
+            </a:fld>
+            <a:endParaRPr lang="nl-NL"/>
+          </a:p>
+        </p:txBody>
+      </p:sp>
+      <p:sp>
+        <p:nvSpPr>
+          <p:cNvPr id="9" name="TextBox 8"/>
+          <p:cNvSpPr txBox="1"/>
+          <p:nvPr/>
+        </p:nvSpPr>
+        <p:spPr>
+          <a:xfrm>
+            <a:off x="476250" y="933450"/>
+            <a:ext cx="609600" cy="584776"/>
+          </a:xfrm>
+          <a:prstGeom prst="rect">
+            <a:avLst/>
+          </a:prstGeom>
+        </p:spPr>
+        <p:txBody>
+          <a:bodyPr vert="horz" lIns="91440" tIns="45720" rIns="91440" bIns="45720" rtlCol="0" anchor="ctr">
+            <a:noAutofit/>
+          </a:bodyPr>
+          <a:lstStyle>
+            <a:lvl1pPr>
+              <a:spcBef>
+                <a:spcPct val="0"/>
+              </a:spcBef>
+              <a:buNone/>
+              <a:defRPr sz="3200" b="0" cap="all">
+                <a:ln w="3175" cmpd="sng">
+                  <a:noFill/>
+                </a:ln>
+                <a:effectLst>
+                  <a:glow rad="38100">
+                    <a:schemeClr val="bg1">
+                      <a:lumMod val="65000"/>
+                      <a:lumOff val="35000"/>
+                      <a:alpha val="40000"/>
+                    </a:schemeClr>
+                  </a:glow>
+                  <a:outerShdw blurRad="28575" dist="38100" dir="14040000" algn="tl" rotWithShape="0">
+                    <a:srgbClr val="000000">
+                      <a:alpha val="25000"/>
+                    </a:srgbClr>
+                  </a:outerShdw>
+                </a:effectLst>
+              </a:defRPr>
+            </a:lvl1pPr>
+            <a:lvl2pPr>
+              <a:defRPr>
+                <a:solidFill>
+                  <a:schemeClr val="tx2"/>
+                </a:solidFill>
+              </a:defRPr>
+            </a:lvl2pPr>
+            <a:lvl3pPr>
+              <a:defRPr>
+                <a:solidFill>
+                  <a:schemeClr val="tx2"/>
+                </a:solidFill>
+              </a:defRPr>
+            </a:lvl3pPr>
+            <a:lvl4pPr>
+              <a:defRPr>
+                <a:solidFill>
+                  <a:schemeClr val="tx2"/>
+                </a:solidFill>
+              </a:defRPr>
+            </a:lvl4pPr>
+            <a:lvl5pPr>
+              <a:defRPr>
+                <a:solidFill>
+                  <a:schemeClr val="tx2"/>
+                </a:solidFill>
+              </a:defRPr>
+            </a:lvl5pPr>
+            <a:lvl6pPr>
+              <a:defRPr>
+                <a:solidFill>
+                  <a:schemeClr val="tx2"/>
+                </a:solidFill>
+              </a:defRPr>
+            </a:lvl6pPr>
+            <a:lvl7pPr>
+              <a:defRPr>
+                <a:solidFill>
+                  <a:schemeClr val="tx2"/>
+                </a:solidFill>
+              </a:defRPr>
+            </a:lvl7pPr>
+            <a:lvl8pPr>
+              <a:defRPr>
+                <a:solidFill>
+                  <a:schemeClr val="tx2"/>
+                </a:solidFill>
+              </a:defRPr>
+            </a:lvl8pPr>
+            <a:lvl9pPr>
+              <a:defRPr>
+                <a:solidFill>
+                  <a:schemeClr val="tx2"/>
+                </a:solidFill>
+              </a:defRPr>
+            </a:lvl9pPr>
+          </a:lstStyle>
+          <a:p>
+            <a:pPr lvl="0"/>
+            <a:r>
+              <a:rPr lang="en-US" sz="8000" dirty="0">
+                <a:solidFill>
+                  <a:schemeClr val="tx1"/>
+                </a:solidFill>
+                <a:effectLst/>
+              </a:rPr>
+              <a:t>“</a:t>
+            </a:r>
+          </a:p>
+        </p:txBody>
+      </p:sp>
+      <p:sp>
+        <p:nvSpPr>
+          <p:cNvPr id="10" name="TextBox 9"/>
+          <p:cNvSpPr txBox="1"/>
+          <p:nvPr/>
+        </p:nvSpPr>
+        <p:spPr>
+          <a:xfrm>
+            <a:off x="10984230" y="2701290"/>
+            <a:ext cx="609600" cy="584776"/>
+          </a:xfrm>
+          <a:prstGeom prst="rect">
+            <a:avLst/>
+          </a:prstGeom>
+        </p:spPr>
+        <p:txBody>
+          <a:bodyPr vert="horz" lIns="91440" tIns="45720" rIns="91440" bIns="45720" rtlCol="0" anchor="ctr">
+            <a:noAutofit/>
+          </a:bodyPr>
+          <a:lstStyle>
+            <a:lvl1pPr>
+              <a:spcBef>
+                <a:spcPct val="0"/>
+              </a:spcBef>
+              <a:buNone/>
+              <a:defRPr sz="3200" b="0" cap="all">
+                <a:ln w="3175" cmpd="sng">
+                  <a:noFill/>
+                </a:ln>
+                <a:effectLst>
+                  <a:glow rad="38100">
+                    <a:schemeClr val="bg1">
+                      <a:lumMod val="65000"/>
+                      <a:lumOff val="35000"/>
+                      <a:alpha val="40000"/>
+                    </a:schemeClr>
+                  </a:glow>
+                  <a:outerShdw blurRad="28575" dist="38100" dir="14040000" algn="tl" rotWithShape="0">
+                    <a:srgbClr val="000000">
+                      <a:alpha val="25000"/>
+                    </a:srgbClr>
+                  </a:outerShdw>
+                </a:effectLst>
+              </a:defRPr>
+            </a:lvl1pPr>
+            <a:lvl2pPr>
+              <a:defRPr>
+                <a:solidFill>
+                  <a:schemeClr val="tx2"/>
+                </a:solidFill>
+              </a:defRPr>
+            </a:lvl2pPr>
+            <a:lvl3pPr>
+              <a:defRPr>
+                <a:solidFill>
+                  <a:schemeClr val="tx2"/>
+                </a:solidFill>
+              </a:defRPr>
+            </a:lvl3pPr>
+            <a:lvl4pPr>
+              <a:defRPr>
+                <a:solidFill>
+                  <a:schemeClr val="tx2"/>
+                </a:solidFill>
+              </a:defRPr>
+            </a:lvl4pPr>
+            <a:lvl5pPr>
+              <a:defRPr>
+                <a:solidFill>
+                  <a:schemeClr val="tx2"/>
+                </a:solidFill>
+              </a:defRPr>
+            </a:lvl5pPr>
+            <a:lvl6pPr>
+              <a:defRPr>
+                <a:solidFill>
+                  <a:schemeClr val="tx2"/>
+                </a:solidFill>
+              </a:defRPr>
+            </a:lvl6pPr>
+            <a:lvl7pPr>
+              <a:defRPr>
+                <a:solidFill>
+                  <a:schemeClr val="tx2"/>
+                </a:solidFill>
+              </a:defRPr>
+            </a:lvl7pPr>
+            <a:lvl8pPr>
+              <a:defRPr>
+                <a:solidFill>
+                  <a:schemeClr val="tx2"/>
+                </a:solidFill>
+              </a:defRPr>
+            </a:lvl8pPr>
+            <a:lvl9pPr>
+              <a:defRPr>
+                <a:solidFill>
+                  <a:schemeClr val="tx2"/>
+                </a:solidFill>
+              </a:defRPr>
+            </a:lvl9pPr>
+          </a:lstStyle>
+          <a:p>
+            <a:pPr lvl="0" algn="r"/>
+            <a:r>
+              <a:rPr lang="en-US" sz="8000" dirty="0">
+                <a:solidFill>
+                  <a:schemeClr val="tx1"/>
+                </a:solidFill>
+                <a:effectLst/>
+              </a:rPr>
+              <a:t>”</a:t>
+            </a:r>
+          </a:p>
+        </p:txBody>
+      </p:sp>
+    </p:spTree>
+    <p:extLst>
+      <p:ext uri="{BB962C8B-B14F-4D97-AF65-F5344CB8AC3E}">
+        <p14:creationId xmlns:p14="http://schemas.microsoft.com/office/powerpoint/2010/main" val="2492289315"/>
+      </p:ext>
+    </p:extLst>
+  </p:cSld>
+  <p:clrMapOvr>
+    <a:masterClrMapping/>
+  </p:clrMapOvr>
+</p:sldLayout>
+</file>
+
+<file path=ppt/slideLayouts/slideLayout13.xml><?xml version="1.0" encoding="utf-8"?>
+<p:sldLayout xmlns:a="http://schemas.openxmlformats.org/drawingml/2006/main" xmlns:r="http://schemas.openxmlformats.org/officeDocument/2006/relationships" xmlns:p="http://schemas.openxmlformats.org/presentationml/2006/main" showMasterSp="0" preserve="1">
+  <p:cSld name="Naamkaartje">
+    <p:spTree>
+      <p:nvGrpSpPr>
+        <p:cNvPr id="1" name=""/>
+        <p:cNvGrpSpPr/>
+        <p:nvPr/>
+      </p:nvGrpSpPr>
+      <p:grpSpPr>
+        <a:xfrm>
+          <a:off x="0" y="0"/>
+          <a:ext cx="0" cy="0"/>
+          <a:chOff x="0" y="0"/>
+          <a:chExt cx="0" cy="0"/>
+        </a:xfrm>
+      </p:grpSpPr>
+      <p:pic>
+        <p:nvPicPr>
+          <p:cNvPr id="9" name="Picture 8" descr="C0-HD-BTM.png"/>
+          <p:cNvPicPr>
+            <a:picLocks noChangeAspect="1"/>
+          </p:cNvPicPr>
+          <p:nvPr/>
+        </p:nvPicPr>
+        <p:blipFill>
+          <a:blip r:embed="rId2">
+            <a:extLst>
+              <a:ext uri="{28A0092B-C50C-407E-A947-70E740481C1C}">
+                <a14:useLocalDpi xmlns:a14="http://schemas.microsoft.com/office/drawing/2010/main" val="0"/>
+              </a:ext>
+            </a:extLst>
+          </a:blip>
+          <a:stretch>
+            <a:fillRect/>
+          </a:stretch>
+        </p:blipFill>
+        <p:spPr>
+          <a:xfrm>
+            <a:off x="0" y="4375150"/>
+            <a:ext cx="12192000" cy="2482850"/>
+          </a:xfrm>
+          <a:prstGeom prst="rect">
+            <a:avLst/>
+          </a:prstGeom>
+        </p:spPr>
+      </p:pic>
+      <p:sp>
+        <p:nvSpPr>
+          <p:cNvPr id="2" name="Title 1"/>
+          <p:cNvSpPr>
+            <a:spLocks noGrp="1"/>
+          </p:cNvSpPr>
+          <p:nvPr>
+            <p:ph type="title"/>
+          </p:nvPr>
+        </p:nvSpPr>
+        <p:spPr>
+          <a:xfrm>
+            <a:off x="1024495" y="1124701"/>
+            <a:ext cx="10146186" cy="2511835"/>
+          </a:xfrm>
+        </p:spPr>
+        <p:txBody>
+          <a:bodyPr anchor="b"/>
+          <a:lstStyle>
+            <a:lvl1pPr algn="l">
+              <a:defRPr sz="3200"/>
+            </a:lvl1pPr>
+          </a:lstStyle>
+          <a:p>
+            <a:r>
+              <a:rPr lang="nl-NL"/>
+              <a:t>Klik om stijl te bewerken</a:t>
+            </a:r>
+            <a:endParaRPr lang="en-US" dirty="0"/>
+          </a:p>
+        </p:txBody>
+      </p:sp>
+      <p:sp>
+        <p:nvSpPr>
+          <p:cNvPr id="4" name="Text Placeholder 3"/>
+          <p:cNvSpPr>
+            <a:spLocks noGrp="1"/>
+          </p:cNvSpPr>
+          <p:nvPr>
+            <p:ph type="body" sz="half" idx="2"/>
+          </p:nvPr>
+        </p:nvSpPr>
+        <p:spPr>
+          <a:xfrm>
+            <a:off x="1024467" y="3648315"/>
+            <a:ext cx="10144654" cy="999885"/>
+          </a:xfrm>
+        </p:spPr>
+        <p:txBody>
+          <a:bodyPr anchor="t"/>
+          <a:lstStyle>
+            <a:lvl1pPr marL="0" indent="0">
+              <a:buNone/>
+              <a:defRPr sz="1600"/>
+            </a:lvl1pPr>
+            <a:lvl2pPr marL="457200" indent="0">
+              <a:buNone/>
+              <a:defRPr sz="1400"/>
+            </a:lvl2pPr>
+            <a:lvl3pPr marL="914400" indent="0">
+              <a:buNone/>
+              <a:defRPr sz="1200"/>
+            </a:lvl3pPr>
+            <a:lvl4pPr marL="1371600" indent="0">
+              <a:buNone/>
+              <a:defRPr sz="1000"/>
+            </a:lvl4pPr>
+            <a:lvl5pPr marL="1828800" indent="0">
+              <a:buNone/>
+              <a:defRPr sz="1000"/>
+            </a:lvl5pPr>
+            <a:lvl6pPr marL="2286000" indent="0">
+              <a:buNone/>
+              <a:defRPr sz="1000"/>
+            </a:lvl6pPr>
+            <a:lvl7pPr marL="2743200" indent="0">
+              <a:buNone/>
+              <a:defRPr sz="1000"/>
+            </a:lvl7pPr>
+            <a:lvl8pPr marL="3200400" indent="0">
+              <a:buNone/>
+              <a:defRPr sz="1000"/>
+            </a:lvl8pPr>
+            <a:lvl9pPr marL="3657600" indent="0">
+              <a:buNone/>
+              <a:defRPr sz="1000"/>
+            </a:lvl9pPr>
+          </a:lstStyle>
+          <a:p>
+            <a:pPr lvl="0"/>
+            <a:r>
+              <a:rPr lang="nl-NL"/>
+              <a:t>Klikken om de tekststijl van het model te bewerken</a:t>
+            </a:r>
+          </a:p>
+        </p:txBody>
+      </p:sp>
+      <p:sp>
+        <p:nvSpPr>
+          <p:cNvPr id="5" name="Date Placeholder 4"/>
+          <p:cNvSpPr>
+            <a:spLocks noGrp="1"/>
+          </p:cNvSpPr>
+          <p:nvPr>
+            <p:ph type="dt" sz="half" idx="10"/>
+          </p:nvPr>
+        </p:nvSpPr>
+        <p:spPr>
+          <a:xfrm>
+            <a:off x="7814452" y="378883"/>
+            <a:ext cx="2910840" cy="365125"/>
+          </a:xfrm>
+        </p:spPr>
+        <p:txBody>
+          <a:bodyPr/>
+          <a:lstStyle>
+            <a:lvl1pPr algn="r">
+              <a:defRPr/>
+            </a:lvl1pPr>
+          </a:lstStyle>
+          <a:p>
+            <a:fld id="{5F439966-7353-4115-A59B-B8C61C53DFA5}" type="datetimeFigureOut">
+              <a:rPr lang="nl-NL" smtClean="0"/>
+              <a:t>1-2-2021</a:t>
+            </a:fld>
+            <a:endParaRPr lang="nl-NL"/>
+          </a:p>
+        </p:txBody>
+      </p:sp>
+      <p:sp>
+        <p:nvSpPr>
+          <p:cNvPr id="6" name="Footer Placeholder 5"/>
+          <p:cNvSpPr>
+            <a:spLocks noGrp="1"/>
+          </p:cNvSpPr>
+          <p:nvPr>
+            <p:ph type="ftr" sz="quarter" idx="11"/>
+          </p:nvPr>
+        </p:nvSpPr>
+        <p:spPr>
+          <a:xfrm>
+            <a:off x="685800" y="378883"/>
+            <a:ext cx="6991492" cy="365125"/>
+          </a:xfrm>
+        </p:spPr>
+        <p:txBody>
+          <a:bodyPr/>
+          <a:lstStyle/>
+          <a:p>
+            <a:endParaRPr lang="nl-NL"/>
+          </a:p>
+        </p:txBody>
+      </p:sp>
+      <p:sp>
+        <p:nvSpPr>
+          <p:cNvPr id="7" name="Slide Number Placeholder 6"/>
+          <p:cNvSpPr>
+            <a:spLocks noGrp="1"/>
+          </p:cNvSpPr>
+          <p:nvPr>
+            <p:ph type="sldNum" sz="quarter" idx="12"/>
+          </p:nvPr>
+        </p:nvSpPr>
+        <p:spPr>
+          <a:xfrm>
+            <a:off x="10862452" y="381000"/>
+            <a:ext cx="643748" cy="365125"/>
+          </a:xfrm>
+        </p:spPr>
+        <p:txBody>
+          <a:bodyPr/>
+          <a:lstStyle/>
+          <a:p>
+            <a:fld id="{3FF4C070-5BC2-4A2F-95F1-9DADA61BE279}" type="slidenum">
+              <a:rPr lang="nl-NL" smtClean="0"/>
+              <a:t>‹nr.›</a:t>
+            </a:fld>
+            <a:endParaRPr lang="nl-NL"/>
+          </a:p>
+        </p:txBody>
+      </p:sp>
+    </p:spTree>
+    <p:extLst>
+      <p:ext uri="{BB962C8B-B14F-4D97-AF65-F5344CB8AC3E}">
+        <p14:creationId xmlns:p14="http://schemas.microsoft.com/office/powerpoint/2010/main" val="3085891043"/>
+      </p:ext>
+    </p:extLst>
+  </p:cSld>
+  <p:clrMapOvr>
+    <a:masterClrMapping/>
+  </p:clrMapOvr>
+</p:sldLayout>
+</file>
+
+<file path=ppt/slideLayouts/slideLayout14.xml><?xml version="1.0" encoding="utf-8"?>
+<p:sldLayout xmlns:a="http://schemas.openxmlformats.org/drawingml/2006/main" xmlns:r="http://schemas.openxmlformats.org/officeDocument/2006/relationships" xmlns:p="http://schemas.openxmlformats.org/presentationml/2006/main" preserve="1">
+  <p:cSld name="3 kolommen">
+    <p:spTree>
+      <p:nvGrpSpPr>
+        <p:cNvPr id="1" name=""/>
+        <p:cNvGrpSpPr/>
+        <p:nvPr/>
+      </p:nvGrpSpPr>
+      <p:grpSpPr>
+        <a:xfrm>
+          <a:off x="0" y="0"/>
+          <a:ext cx="0" cy="0"/>
+          <a:chOff x="0" y="0"/>
+          <a:chExt cx="0" cy="0"/>
+        </a:xfrm>
+      </p:grpSpPr>
+      <p:sp>
+        <p:nvSpPr>
+          <p:cNvPr id="15" name="Title 1"/>
+          <p:cNvSpPr>
+            <a:spLocks noGrp="1"/>
+          </p:cNvSpPr>
+          <p:nvPr>
+            <p:ph type="title"/>
+          </p:nvPr>
+        </p:nvSpPr>
+        <p:spPr>
+          <a:xfrm>
+            <a:off x="2895600" y="761999"/>
+            <a:ext cx="8610599" cy="1303867"/>
+          </a:xfrm>
+        </p:spPr>
+        <p:txBody>
+          <a:bodyPr/>
+          <a:lstStyle/>
+          <a:p>
+            <a:r>
+              <a:rPr lang="nl-NL"/>
+              <a:t>Klik om stijl te bewerken</a:t>
+            </a:r>
+            <a:endParaRPr lang="en-US" dirty="0"/>
+          </a:p>
+        </p:txBody>
+      </p:sp>
+      <p:sp>
+        <p:nvSpPr>
+          <p:cNvPr id="7" name="Text Placeholder 2"/>
+          <p:cNvSpPr>
+            <a:spLocks noGrp="1"/>
+          </p:cNvSpPr>
+          <p:nvPr>
+            <p:ph type="body" idx="1"/>
+          </p:nvPr>
+        </p:nvSpPr>
+        <p:spPr>
+          <a:xfrm>
+            <a:off x="685800" y="2202080"/>
+            <a:ext cx="3456432" cy="617320"/>
+          </a:xfrm>
+        </p:spPr>
+        <p:txBody>
+          <a:bodyPr anchor="b">
+            <a:noAutofit/>
+          </a:bodyPr>
+          <a:lstStyle>
+            <a:lvl1pPr marL="0" indent="0">
+              <a:buNone/>
+              <a:defRPr sz="2400" b="0">
+                <a:solidFill>
+                  <a:schemeClr val="tx1"/>
+                </a:solidFill>
+              </a:defRPr>
+            </a:lvl1pPr>
+            <a:lvl2pPr marL="457200" indent="0">
+              <a:buNone/>
+              <a:defRPr sz="2000" b="1"/>
+            </a:lvl2pPr>
+            <a:lvl3pPr marL="914400" indent="0">
+              <a:buNone/>
+              <a:defRPr sz="1800" b="1"/>
+            </a:lvl3pPr>
+            <a:lvl4pPr marL="1371600" indent="0">
+              <a:buNone/>
+              <a:defRPr sz="1600" b="1"/>
+            </a:lvl4pPr>
+            <a:lvl5pPr marL="1828800" indent="0">
+              <a:buNone/>
+              <a:defRPr sz="1600" b="1"/>
+            </a:lvl5pPr>
+            <a:lvl6pPr marL="2286000" indent="0">
+              <a:buNone/>
+              <a:defRPr sz="1600" b="1"/>
+            </a:lvl6pPr>
+            <a:lvl7pPr marL="2743200" indent="0">
+              <a:buNone/>
+              <a:defRPr sz="1600" b="1"/>
+            </a:lvl7pPr>
+            <a:lvl8pPr marL="3200400" indent="0">
+              <a:buNone/>
+              <a:defRPr sz="1600" b="1"/>
+            </a:lvl8pPr>
+            <a:lvl9pPr marL="3657600" indent="0">
+              <a:buNone/>
+              <a:defRPr sz="1600" b="1"/>
+            </a:lvl9pPr>
+          </a:lstStyle>
+          <a:p>
+            <a:pPr lvl="0"/>
+            <a:r>
+              <a:rPr lang="nl-NL"/>
+              <a:t>Klikken om de tekststijl van het model te bewerken</a:t>
+            </a:r>
+          </a:p>
+        </p:txBody>
+      </p:sp>
+      <p:sp>
+        <p:nvSpPr>
+          <p:cNvPr id="8" name="Text Placeholder 3"/>
+          <p:cNvSpPr>
+            <a:spLocks noGrp="1"/>
+          </p:cNvSpPr>
+          <p:nvPr>
+            <p:ph type="body" sz="half" idx="15"/>
+          </p:nvPr>
+        </p:nvSpPr>
+        <p:spPr>
+          <a:xfrm>
+            <a:off x="685799" y="2904565"/>
+            <a:ext cx="3456432" cy="3314132"/>
+          </a:xfrm>
+        </p:spPr>
+        <p:txBody>
+          <a:bodyPr anchor="t">
+            <a:normAutofit/>
+          </a:bodyPr>
+          <a:lstStyle>
+            <a:lvl1pPr marL="0" indent="0">
+              <a:buNone/>
+              <a:defRPr sz="1400"/>
+            </a:lvl1pPr>
+            <a:lvl2pPr marL="457200" indent="0">
+              <a:buNone/>
+              <a:defRPr sz="1200"/>
+            </a:lvl2pPr>
+            <a:lvl3pPr marL="914400" indent="0">
+              <a:buNone/>
+              <a:defRPr sz="1000"/>
+            </a:lvl3pPr>
+            <a:lvl4pPr marL="1371600" indent="0">
+              <a:buNone/>
+              <a:defRPr sz="900"/>
+            </a:lvl4pPr>
+            <a:lvl5pPr marL="1828800" indent="0">
+              <a:buNone/>
+              <a:defRPr sz="900"/>
+            </a:lvl5pPr>
+            <a:lvl6pPr marL="2286000" indent="0">
+              <a:buNone/>
+              <a:defRPr sz="900"/>
+            </a:lvl6pPr>
+            <a:lvl7pPr marL="2743200" indent="0">
+              <a:buNone/>
+              <a:defRPr sz="900"/>
+            </a:lvl7pPr>
+            <a:lvl8pPr marL="3200400" indent="0">
+              <a:buNone/>
+              <a:defRPr sz="900"/>
+            </a:lvl8pPr>
+            <a:lvl9pPr marL="3657600" indent="0">
+              <a:buNone/>
+              <a:defRPr sz="900"/>
+            </a:lvl9pPr>
+          </a:lstStyle>
+          <a:p>
+            <a:pPr lvl="0"/>
+            <a:r>
+              <a:rPr lang="nl-NL"/>
+              <a:t>Klikken om de tekststijl van het model te bewerken</a:t>
+            </a:r>
+          </a:p>
+        </p:txBody>
+      </p:sp>
+      <p:sp>
+        <p:nvSpPr>
+          <p:cNvPr id="9" name="Text Placeholder 4"/>
+          <p:cNvSpPr>
+            <a:spLocks noGrp="1"/>
+          </p:cNvSpPr>
+          <p:nvPr>
+            <p:ph type="body" sz="quarter" idx="3"/>
+          </p:nvPr>
+        </p:nvSpPr>
+        <p:spPr>
+          <a:xfrm>
+            <a:off x="4368800" y="2201333"/>
+            <a:ext cx="3456432" cy="626534"/>
+          </a:xfrm>
+        </p:spPr>
+        <p:txBody>
+          <a:bodyPr anchor="b">
+            <a:noAutofit/>
+          </a:bodyPr>
+          <a:lstStyle>
+            <a:lvl1pPr marL="0" indent="0">
+              <a:buNone/>
+              <a:defRPr sz="2400" b="0">
+                <a:solidFill>
+                  <a:schemeClr val="tx1"/>
+                </a:solidFill>
+              </a:defRPr>
+            </a:lvl1pPr>
+            <a:lvl2pPr marL="457200" indent="0">
+              <a:buNone/>
+              <a:defRPr sz="2000" b="1"/>
+            </a:lvl2pPr>
+            <a:lvl3pPr marL="914400" indent="0">
+              <a:buNone/>
+              <a:defRPr sz="1800" b="1"/>
+            </a:lvl3pPr>
+            <a:lvl4pPr marL="1371600" indent="0">
+              <a:buNone/>
+              <a:defRPr sz="1600" b="1"/>
+            </a:lvl4pPr>
+            <a:lvl5pPr marL="1828800" indent="0">
+              <a:buNone/>
+              <a:defRPr sz="1600" b="1"/>
+            </a:lvl5pPr>
+            <a:lvl6pPr marL="2286000" indent="0">
+              <a:buNone/>
+              <a:defRPr sz="1600" b="1"/>
+            </a:lvl6pPr>
+            <a:lvl7pPr marL="2743200" indent="0">
+              <a:buNone/>
+              <a:defRPr sz="1600" b="1"/>
+            </a:lvl7pPr>
+            <a:lvl8pPr marL="3200400" indent="0">
+              <a:buNone/>
+              <a:defRPr sz="1600" b="1"/>
+            </a:lvl8pPr>
+            <a:lvl9pPr marL="3657600" indent="0">
+              <a:buNone/>
+              <a:defRPr sz="1600" b="1"/>
+            </a:lvl9pPr>
+          </a:lstStyle>
+          <a:p>
+            <a:pPr lvl="0"/>
+            <a:r>
+              <a:rPr lang="nl-NL"/>
+              <a:t>Klikken om de tekststijl van het model te bewerken</a:t>
+            </a:r>
+          </a:p>
+        </p:txBody>
+      </p:sp>
+      <p:sp>
+        <p:nvSpPr>
+          <p:cNvPr id="10" name="Text Placeholder 3"/>
+          <p:cNvSpPr>
+            <a:spLocks noGrp="1"/>
+          </p:cNvSpPr>
+          <p:nvPr>
+            <p:ph type="body" sz="half" idx="16"/>
+          </p:nvPr>
+        </p:nvSpPr>
+        <p:spPr>
+          <a:xfrm>
+            <a:off x="4366858" y="2904067"/>
+            <a:ext cx="3456432" cy="3314618"/>
+          </a:xfrm>
+        </p:spPr>
+        <p:txBody>
+          <a:bodyPr anchor="t">
+            <a:normAutofit/>
+          </a:bodyPr>
+          <a:lstStyle>
+            <a:lvl1pPr marL="0" indent="0">
+              <a:buNone/>
+              <a:defRPr sz="1400"/>
+            </a:lvl1pPr>
+            <a:lvl2pPr marL="457200" indent="0">
+              <a:buNone/>
+              <a:defRPr sz="1200"/>
+            </a:lvl2pPr>
+            <a:lvl3pPr marL="914400" indent="0">
+              <a:buNone/>
+              <a:defRPr sz="1000"/>
+            </a:lvl3pPr>
+            <a:lvl4pPr marL="1371600" indent="0">
+              <a:buNone/>
+              <a:defRPr sz="900"/>
+            </a:lvl4pPr>
+            <a:lvl5pPr marL="1828800" indent="0">
+              <a:buNone/>
+              <a:defRPr sz="900"/>
+            </a:lvl5pPr>
+            <a:lvl6pPr marL="2286000" indent="0">
+              <a:buNone/>
+              <a:defRPr sz="900"/>
+            </a:lvl6pPr>
+            <a:lvl7pPr marL="2743200" indent="0">
+              <a:buNone/>
+              <a:defRPr sz="900"/>
+            </a:lvl7pPr>
+            <a:lvl8pPr marL="3200400" indent="0">
+              <a:buNone/>
+              <a:defRPr sz="900"/>
+            </a:lvl8pPr>
+            <a:lvl9pPr marL="3657600" indent="0">
+              <a:buNone/>
+              <a:defRPr sz="900"/>
+            </a:lvl9pPr>
+          </a:lstStyle>
+          <a:p>
+            <a:pPr lvl="0"/>
+            <a:r>
+              <a:rPr lang="nl-NL"/>
+              <a:t>Klikken om de tekststijl van het model te bewerken</a:t>
+            </a:r>
+          </a:p>
+        </p:txBody>
+      </p:sp>
+      <p:sp>
+        <p:nvSpPr>
+          <p:cNvPr id="11" name="Text Placeholder 4"/>
+          <p:cNvSpPr>
+            <a:spLocks noGrp="1"/>
+          </p:cNvSpPr>
+          <p:nvPr>
+            <p:ph type="body" sz="quarter" idx="13"/>
+          </p:nvPr>
+        </p:nvSpPr>
+        <p:spPr>
+          <a:xfrm>
+            <a:off x="8051800" y="2192866"/>
+            <a:ext cx="3456432" cy="626534"/>
+          </a:xfrm>
+        </p:spPr>
+        <p:txBody>
+          <a:bodyPr anchor="b">
+            <a:noAutofit/>
+          </a:bodyPr>
+          <a:lstStyle>
+            <a:lvl1pPr marL="0" indent="0">
+              <a:buNone/>
+              <a:defRPr sz="2400" b="0">
+                <a:solidFill>
+                  <a:schemeClr val="tx1"/>
+                </a:solidFill>
+              </a:defRPr>
+            </a:lvl1pPr>
+            <a:lvl2pPr marL="457200" indent="0">
+              <a:buNone/>
+              <a:defRPr sz="2000" b="1"/>
+            </a:lvl2pPr>
+            <a:lvl3pPr marL="914400" indent="0">
+              <a:buNone/>
+              <a:defRPr sz="1800" b="1"/>
+            </a:lvl3pPr>
+            <a:lvl4pPr marL="1371600" indent="0">
+              <a:buNone/>
+              <a:defRPr sz="1600" b="1"/>
+            </a:lvl4pPr>
+            <a:lvl5pPr marL="1828800" indent="0">
+              <a:buNone/>
+              <a:defRPr sz="1600" b="1"/>
+            </a:lvl5pPr>
+            <a:lvl6pPr marL="2286000" indent="0">
+              <a:buNone/>
+              <a:defRPr sz="1600" b="1"/>
+            </a:lvl6pPr>
+            <a:lvl7pPr marL="2743200" indent="0">
+              <a:buNone/>
+              <a:defRPr sz="1600" b="1"/>
+            </a:lvl7pPr>
+            <a:lvl8pPr marL="3200400" indent="0">
+              <a:buNone/>
+              <a:defRPr sz="1600" b="1"/>
+            </a:lvl8pPr>
+            <a:lvl9pPr marL="3657600" indent="0">
+              <a:buNone/>
+              <a:defRPr sz="1600" b="1"/>
+            </a:lvl9pPr>
+          </a:lstStyle>
+          <a:p>
+            <a:pPr lvl="0"/>
+            <a:r>
+              <a:rPr lang="nl-NL"/>
+              <a:t>Klikken om de tekststijl van het model te bewerken</a:t>
+            </a:r>
+          </a:p>
+        </p:txBody>
+      </p:sp>
+      <p:sp>
+        <p:nvSpPr>
+          <p:cNvPr id="12" name="Text Placeholder 3"/>
+          <p:cNvSpPr>
+            <a:spLocks noGrp="1"/>
+          </p:cNvSpPr>
+          <p:nvPr>
+            <p:ph type="body" sz="half" idx="17"/>
+          </p:nvPr>
+        </p:nvSpPr>
+        <p:spPr>
+          <a:xfrm>
+            <a:off x="8051801" y="2904565"/>
+            <a:ext cx="3456432" cy="3314132"/>
+          </a:xfrm>
+        </p:spPr>
+        <p:txBody>
+          <a:bodyPr anchor="t">
+            <a:normAutofit/>
+          </a:bodyPr>
+          <a:lstStyle>
+            <a:lvl1pPr marL="0" indent="0">
+              <a:buNone/>
+              <a:defRPr sz="1400"/>
+            </a:lvl1pPr>
+            <a:lvl2pPr marL="457200" indent="0">
+              <a:buNone/>
+              <a:defRPr sz="1200"/>
+            </a:lvl2pPr>
+            <a:lvl3pPr marL="914400" indent="0">
+              <a:buNone/>
+              <a:defRPr sz="1000"/>
+            </a:lvl3pPr>
+            <a:lvl4pPr marL="1371600" indent="0">
+              <a:buNone/>
+              <a:defRPr sz="900"/>
+            </a:lvl4pPr>
+            <a:lvl5pPr marL="1828800" indent="0">
+              <a:buNone/>
+              <a:defRPr sz="900"/>
+            </a:lvl5pPr>
+            <a:lvl6pPr marL="2286000" indent="0">
+              <a:buNone/>
+              <a:defRPr sz="900"/>
+            </a:lvl6pPr>
+            <a:lvl7pPr marL="2743200" indent="0">
+              <a:buNone/>
+              <a:defRPr sz="900"/>
+            </a:lvl7pPr>
+            <a:lvl8pPr marL="3200400" indent="0">
+              <a:buNone/>
+              <a:defRPr sz="900"/>
+            </a:lvl8pPr>
+            <a:lvl9pPr marL="3657600" indent="0">
+              <a:buNone/>
+              <a:defRPr sz="900"/>
+            </a:lvl9pPr>
+          </a:lstStyle>
+          <a:p>
+            <a:pPr lvl="0"/>
+            <a:r>
+              <a:rPr lang="nl-NL"/>
+              <a:t>Klikken om de tekststijl van het model te bewerken</a:t>
+            </a:r>
+          </a:p>
+        </p:txBody>
+      </p:sp>
+      <p:sp>
+        <p:nvSpPr>
+          <p:cNvPr id="3" name="Date Placeholder 2"/>
+          <p:cNvSpPr>
+            <a:spLocks noGrp="1"/>
+          </p:cNvSpPr>
+          <p:nvPr>
+            <p:ph type="dt" sz="half" idx="10"/>
+          </p:nvPr>
+        </p:nvSpPr>
+        <p:spPr/>
+        <p:txBody>
+          <a:bodyPr/>
+          <a:lstStyle/>
+          <a:p>
+            <a:fld id="{5F439966-7353-4115-A59B-B8C61C53DFA5}" type="datetimeFigureOut">
+              <a:rPr lang="nl-NL" smtClean="0"/>
+              <a:t>1-2-2021</a:t>
+            </a:fld>
+            <a:endParaRPr lang="nl-NL"/>
+          </a:p>
+        </p:txBody>
+      </p:sp>
+      <p:sp>
+        <p:nvSpPr>
+          <p:cNvPr id="4" name="Footer Placeholder 3"/>
+          <p:cNvSpPr>
+            <a:spLocks noGrp="1"/>
+          </p:cNvSpPr>
+          <p:nvPr>
+            <p:ph type="ftr" sz="quarter" idx="11"/>
+          </p:nvPr>
+        </p:nvSpPr>
+        <p:spPr/>
+        <p:txBody>
+          <a:bodyPr/>
+          <a:lstStyle/>
+          <a:p>
+            <a:endParaRPr lang="nl-NL"/>
+          </a:p>
+        </p:txBody>
+      </p:sp>
+      <p:sp>
+        <p:nvSpPr>
+          <p:cNvPr id="5" name="Slide Number Placeholder 4"/>
+          <p:cNvSpPr>
+            <a:spLocks noGrp="1"/>
+          </p:cNvSpPr>
+          <p:nvPr>
+            <p:ph type="sldNum" sz="quarter" idx="12"/>
+          </p:nvPr>
+        </p:nvSpPr>
+        <p:spPr/>
+        <p:txBody>
+          <a:bodyPr/>
+          <a:lstStyle/>
+          <a:p>
+            <a:fld id="{3FF4C070-5BC2-4A2F-95F1-9DADA61BE279}" type="slidenum">
+              <a:rPr lang="nl-NL" smtClean="0"/>
+              <a:t>‹nr.›</a:t>
+            </a:fld>
+            <a:endParaRPr lang="nl-NL"/>
+          </a:p>
+        </p:txBody>
+      </p:sp>
+    </p:spTree>
+    <p:extLst>
+      <p:ext uri="{BB962C8B-B14F-4D97-AF65-F5344CB8AC3E}">
+        <p14:creationId xmlns:p14="http://schemas.microsoft.com/office/powerpoint/2010/main" val="3555005454"/>
+      </p:ext>
+    </p:extLst>
+  </p:cSld>
+  <p:clrMapOvr>
+    <a:masterClrMapping/>
+  </p:clrMapOvr>
+</p:sldLayout>
+</file>
+
+<file path=ppt/slideLayouts/slideLayout15.xml><?xml version="1.0" encoding="utf-8"?>
+<p:sldLayout xmlns:a="http://schemas.openxmlformats.org/drawingml/2006/main" xmlns:r="http://schemas.openxmlformats.org/officeDocument/2006/relationships" xmlns:p="http://schemas.openxmlformats.org/presentationml/2006/main" preserve="1">
+  <p:cSld name="3 Afbeelding-kolom">
+    <p:spTree>
+      <p:nvGrpSpPr>
+        <p:cNvPr id="1" name=""/>
+        <p:cNvGrpSpPr/>
+        <p:nvPr/>
+      </p:nvGrpSpPr>
+      <p:grpSpPr>
+        <a:xfrm>
+          <a:off x="0" y="0"/>
+          <a:ext cx="0" cy="0"/>
+          <a:chOff x="0" y="0"/>
+          <a:chExt cx="0" cy="0"/>
+        </a:xfrm>
+      </p:grpSpPr>
+      <p:sp>
+        <p:nvSpPr>
+          <p:cNvPr id="30" name="Title 1"/>
+          <p:cNvSpPr>
+            <a:spLocks noGrp="1"/>
+          </p:cNvSpPr>
+          <p:nvPr>
+            <p:ph type="title"/>
+          </p:nvPr>
+        </p:nvSpPr>
+        <p:spPr>
+          <a:xfrm>
+            <a:off x="2895600" y="762000"/>
+            <a:ext cx="8610599" cy="1295400"/>
+          </a:xfrm>
+        </p:spPr>
+        <p:txBody>
+          <a:bodyPr/>
+          <a:lstStyle/>
+          <a:p>
+            <a:r>
+              <a:rPr lang="nl-NL"/>
+              <a:t>Klik om stijl te bewerken</a:t>
+            </a:r>
+            <a:endParaRPr lang="en-US" dirty="0"/>
+          </a:p>
+        </p:txBody>
+      </p:sp>
+      <p:sp>
+        <p:nvSpPr>
+          <p:cNvPr id="19" name="Text Placeholder 2"/>
+          <p:cNvSpPr>
+            <a:spLocks noGrp="1"/>
+          </p:cNvSpPr>
+          <p:nvPr>
+            <p:ph type="body" idx="1"/>
+          </p:nvPr>
+        </p:nvSpPr>
+        <p:spPr>
+          <a:xfrm>
+            <a:off x="688618" y="4191000"/>
+            <a:ext cx="3451582" cy="682765"/>
+          </a:xfrm>
+        </p:spPr>
+        <p:txBody>
+          <a:bodyPr anchor="b">
+            <a:noAutofit/>
+          </a:bodyPr>
+          <a:lstStyle>
+            <a:lvl1pPr marL="0" indent="0">
+              <a:buNone/>
+              <a:defRPr sz="2400" b="0">
+                <a:solidFill>
+                  <a:schemeClr val="tx1"/>
+                </a:solidFill>
+              </a:defRPr>
+            </a:lvl1pPr>
+            <a:lvl2pPr marL="457200" indent="0">
+              <a:buNone/>
+              <a:defRPr sz="2000" b="1"/>
+            </a:lvl2pPr>
+            <a:lvl3pPr marL="914400" indent="0">
+              <a:buNone/>
+              <a:defRPr sz="1800" b="1"/>
+            </a:lvl3pPr>
+            <a:lvl4pPr marL="1371600" indent="0">
+              <a:buNone/>
+              <a:defRPr sz="1600" b="1"/>
+            </a:lvl4pPr>
+            <a:lvl5pPr marL="1828800" indent="0">
+              <a:buNone/>
+              <a:defRPr sz="1600" b="1"/>
+            </a:lvl5pPr>
+            <a:lvl6pPr marL="2286000" indent="0">
+              <a:buNone/>
+              <a:defRPr sz="1600" b="1"/>
+            </a:lvl6pPr>
+            <a:lvl7pPr marL="2743200" indent="0">
+              <a:buNone/>
+              <a:defRPr sz="1600" b="1"/>
+            </a:lvl7pPr>
+            <a:lvl8pPr marL="3200400" indent="0">
+              <a:buNone/>
+              <a:defRPr sz="1600" b="1"/>
+            </a:lvl8pPr>
+            <a:lvl9pPr marL="3657600" indent="0">
+              <a:buNone/>
+              <a:defRPr sz="1600" b="1"/>
+            </a:lvl9pPr>
+          </a:lstStyle>
+          <a:p>
+            <a:pPr lvl="0"/>
+            <a:r>
+              <a:rPr lang="nl-NL"/>
+              <a:t>Klikken om de tekststijl van het model te bewerken</a:t>
+            </a:r>
+          </a:p>
+        </p:txBody>
+      </p:sp>
+      <p:sp>
+        <p:nvSpPr>
+          <p:cNvPr id="20" name="Picture Placeholder 2"/>
+          <p:cNvSpPr>
+            <a:spLocks noGrp="1" noChangeAspect="1"/>
+          </p:cNvSpPr>
+          <p:nvPr>
+            <p:ph type="pic" idx="15"/>
+          </p:nvPr>
+        </p:nvSpPr>
+        <p:spPr>
+          <a:xfrm>
+            <a:off x="688618" y="2362200"/>
+            <a:ext cx="3451582" cy="1524000"/>
+          </a:xfrm>
+          <a:prstGeom prst="roundRect">
+            <a:avLst>
+              <a:gd name="adj" fmla="val 0"/>
+            </a:avLst>
+          </a:prstGeom>
+          <a:effectLst>
+            <a:outerShdw blurRad="50800" dist="50800" dir="5400000" algn="tl" rotWithShape="0">
+              <a:srgbClr val="000000">
+                <a:alpha val="43000"/>
+              </a:srgbClr>
+            </a:outerShdw>
+          </a:effectLst>
+        </p:spPr>
+        <p:txBody>
+          <a:bodyPr anchor="t">
+            <a:normAutofit/>
+          </a:bodyPr>
+          <a:lstStyle>
+            <a:lvl1pPr marL="0" indent="0" algn="ctr">
+              <a:buNone/>
+              <a:defRPr sz="1600"/>
+            </a:lvl1pPr>
+            <a:lvl2pPr marL="457200" indent="0">
+              <a:buNone/>
+              <a:defRPr sz="1600"/>
+            </a:lvl2pPr>
+            <a:lvl3pPr marL="914400" indent="0">
+              <a:buNone/>
+              <a:defRPr sz="1600"/>
+            </a:lvl3pPr>
+            <a:lvl4pPr marL="1371600" indent="0">
+              <a:buNone/>
+              <a:defRPr sz="1600"/>
+            </a:lvl4pPr>
+            <a:lvl5pPr marL="1828800" indent="0">
+              <a:buNone/>
+              <a:defRPr sz="1600"/>
+            </a:lvl5pPr>
+            <a:lvl6pPr marL="2286000" indent="0">
+              <a:buNone/>
+              <a:defRPr sz="1600"/>
+            </a:lvl6pPr>
+            <a:lvl7pPr marL="2743200" indent="0">
+              <a:buNone/>
+              <a:defRPr sz="1600"/>
+            </a:lvl7pPr>
+            <a:lvl8pPr marL="3200400" indent="0">
+              <a:buNone/>
+              <a:defRPr sz="1600"/>
+            </a:lvl8pPr>
+            <a:lvl9pPr marL="3657600" indent="0">
+              <a:buNone/>
+              <a:defRPr sz="1600"/>
+            </a:lvl9pPr>
+          </a:lstStyle>
+          <a:p>
+            <a:r>
+              <a:rPr lang="nl-NL"/>
+              <a:t>Klik op het pictogram als u een afbeelding wilt toevoegen</a:t>
+            </a:r>
+            <a:endParaRPr lang="en-US" dirty="0"/>
+          </a:p>
+        </p:txBody>
+      </p:sp>
+      <p:sp>
+        <p:nvSpPr>
+          <p:cNvPr id="21" name="Text Placeholder 3"/>
+          <p:cNvSpPr>
+            <a:spLocks noGrp="1"/>
+          </p:cNvSpPr>
+          <p:nvPr>
+            <p:ph type="body" sz="half" idx="18"/>
+          </p:nvPr>
+        </p:nvSpPr>
+        <p:spPr>
+          <a:xfrm>
+            <a:off x="688618" y="4873764"/>
+            <a:ext cx="3451582" cy="1344921"/>
+          </a:xfrm>
+        </p:spPr>
+        <p:txBody>
+          <a:bodyPr anchor="t">
+            <a:normAutofit/>
+          </a:bodyPr>
+          <a:lstStyle>
+            <a:lvl1pPr marL="0" indent="0">
+              <a:buNone/>
+              <a:defRPr sz="1400"/>
+            </a:lvl1pPr>
+            <a:lvl2pPr marL="457200" indent="0">
+              <a:buNone/>
+              <a:defRPr sz="1200"/>
+            </a:lvl2pPr>
+            <a:lvl3pPr marL="914400" indent="0">
+              <a:buNone/>
+              <a:defRPr sz="1000"/>
+            </a:lvl3pPr>
+            <a:lvl4pPr marL="1371600" indent="0">
+              <a:buNone/>
+              <a:defRPr sz="900"/>
+            </a:lvl4pPr>
+            <a:lvl5pPr marL="1828800" indent="0">
+              <a:buNone/>
+              <a:defRPr sz="900"/>
+            </a:lvl5pPr>
+            <a:lvl6pPr marL="2286000" indent="0">
+              <a:buNone/>
+              <a:defRPr sz="900"/>
+            </a:lvl6pPr>
+            <a:lvl7pPr marL="2743200" indent="0">
+              <a:buNone/>
+              <a:defRPr sz="900"/>
+            </a:lvl7pPr>
+            <a:lvl8pPr marL="3200400" indent="0">
+              <a:buNone/>
+              <a:defRPr sz="900"/>
+            </a:lvl8pPr>
+            <a:lvl9pPr marL="3657600" indent="0">
+              <a:buNone/>
+              <a:defRPr sz="900"/>
+            </a:lvl9pPr>
+          </a:lstStyle>
+          <a:p>
+            <a:pPr lvl="0"/>
+            <a:r>
+              <a:rPr lang="nl-NL"/>
+              <a:t>Klikken om de tekststijl van het model te bewerken</a:t>
+            </a:r>
+          </a:p>
+        </p:txBody>
+      </p:sp>
+      <p:sp>
+        <p:nvSpPr>
+          <p:cNvPr id="22" name="Text Placeholder 4"/>
+          <p:cNvSpPr>
+            <a:spLocks noGrp="1"/>
+          </p:cNvSpPr>
+          <p:nvPr>
+            <p:ph type="body" sz="quarter" idx="3"/>
+          </p:nvPr>
+        </p:nvSpPr>
+        <p:spPr>
+          <a:xfrm>
+            <a:off x="4374263" y="4191000"/>
+            <a:ext cx="3448935" cy="682765"/>
+          </a:xfrm>
+        </p:spPr>
+        <p:txBody>
+          <a:bodyPr anchor="b">
+            <a:noAutofit/>
+          </a:bodyPr>
+          <a:lstStyle>
+            <a:lvl1pPr marL="0" indent="0">
+              <a:buNone/>
+              <a:defRPr sz="2400" b="0">
+                <a:solidFill>
+                  <a:schemeClr val="tx1"/>
+                </a:solidFill>
+              </a:defRPr>
+            </a:lvl1pPr>
+            <a:lvl2pPr marL="457200" indent="0">
+              <a:buNone/>
+              <a:defRPr sz="2000" b="1"/>
+            </a:lvl2pPr>
+            <a:lvl3pPr marL="914400" indent="0">
+              <a:buNone/>
+              <a:defRPr sz="1800" b="1"/>
+            </a:lvl3pPr>
+            <a:lvl4pPr marL="1371600" indent="0">
+              <a:buNone/>
+              <a:defRPr sz="1600" b="1"/>
+            </a:lvl4pPr>
+            <a:lvl5pPr marL="1828800" indent="0">
+              <a:buNone/>
+              <a:defRPr sz="1600" b="1"/>
+            </a:lvl5pPr>
+            <a:lvl6pPr marL="2286000" indent="0">
+              <a:buNone/>
+              <a:defRPr sz="1600" b="1"/>
+            </a:lvl6pPr>
+            <a:lvl7pPr marL="2743200" indent="0">
+              <a:buNone/>
+              <a:defRPr sz="1600" b="1"/>
+            </a:lvl7pPr>
+            <a:lvl8pPr marL="3200400" indent="0">
+              <a:buNone/>
+              <a:defRPr sz="1600" b="1"/>
+            </a:lvl8pPr>
+            <a:lvl9pPr marL="3657600" indent="0">
+              <a:buNone/>
+              <a:defRPr sz="1600" b="1"/>
+            </a:lvl9pPr>
+          </a:lstStyle>
+          <a:p>
+            <a:pPr lvl="0"/>
+            <a:r>
+              <a:rPr lang="nl-NL"/>
+              <a:t>Klikken om de tekststijl van het model te bewerken</a:t>
+            </a:r>
+          </a:p>
+        </p:txBody>
+      </p:sp>
+      <p:sp>
+        <p:nvSpPr>
+          <p:cNvPr id="23" name="Picture Placeholder 2"/>
+          <p:cNvSpPr>
+            <a:spLocks noGrp="1" noChangeAspect="1"/>
+          </p:cNvSpPr>
+          <p:nvPr>
+            <p:ph type="pic" idx="21"/>
+          </p:nvPr>
+        </p:nvSpPr>
+        <p:spPr>
+          <a:xfrm>
+            <a:off x="4374263" y="2362200"/>
+            <a:ext cx="3448936" cy="1524000"/>
+          </a:xfrm>
+          <a:prstGeom prst="roundRect">
+            <a:avLst>
+              <a:gd name="adj" fmla="val 0"/>
+            </a:avLst>
+          </a:prstGeom>
+          <a:effectLst>
+            <a:outerShdw blurRad="50800" dist="50800" dir="5400000" algn="tl" rotWithShape="0">
+              <a:srgbClr val="000000">
+                <a:alpha val="43000"/>
+              </a:srgbClr>
+            </a:outerShdw>
+          </a:effectLst>
+        </p:spPr>
+        <p:txBody>
+          <a:bodyPr anchor="t">
+            <a:normAutofit/>
+          </a:bodyPr>
+          <a:lstStyle>
+            <a:lvl1pPr marL="0" indent="0" algn="ctr">
+              <a:buNone/>
+              <a:defRPr sz="1600"/>
+            </a:lvl1pPr>
+            <a:lvl2pPr marL="457200" indent="0">
+              <a:buNone/>
+              <a:defRPr sz="1600"/>
+            </a:lvl2pPr>
+            <a:lvl3pPr marL="914400" indent="0">
+              <a:buNone/>
+              <a:defRPr sz="1600"/>
+            </a:lvl3pPr>
+            <a:lvl4pPr marL="1371600" indent="0">
+              <a:buNone/>
+              <a:defRPr sz="1600"/>
+            </a:lvl4pPr>
+            <a:lvl5pPr marL="1828800" indent="0">
+              <a:buNone/>
+              <a:defRPr sz="1600"/>
+            </a:lvl5pPr>
+            <a:lvl6pPr marL="2286000" indent="0">
+              <a:buNone/>
+              <a:defRPr sz="1600"/>
+            </a:lvl6pPr>
+            <a:lvl7pPr marL="2743200" indent="0">
+              <a:buNone/>
+              <a:defRPr sz="1600"/>
+            </a:lvl7pPr>
+            <a:lvl8pPr marL="3200400" indent="0">
+              <a:buNone/>
+              <a:defRPr sz="1600"/>
+            </a:lvl8pPr>
+            <a:lvl9pPr marL="3657600" indent="0">
+              <a:buNone/>
+              <a:defRPr sz="1600"/>
+            </a:lvl9pPr>
+          </a:lstStyle>
+          <a:p>
+            <a:r>
+              <a:rPr lang="nl-NL"/>
+              <a:t>Klik op het pictogram als u een afbeelding wilt toevoegen</a:t>
+            </a:r>
+            <a:endParaRPr lang="en-US" dirty="0"/>
+          </a:p>
+        </p:txBody>
+      </p:sp>
+      <p:sp>
+        <p:nvSpPr>
+          <p:cNvPr id="24" name="Text Placeholder 3"/>
+          <p:cNvSpPr>
+            <a:spLocks noGrp="1"/>
+          </p:cNvSpPr>
+          <p:nvPr>
+            <p:ph type="body" sz="half" idx="19"/>
+          </p:nvPr>
+        </p:nvSpPr>
+        <p:spPr>
+          <a:xfrm>
+            <a:off x="4374264" y="4873763"/>
+            <a:ext cx="3448935" cy="1344921"/>
+          </a:xfrm>
+        </p:spPr>
+        <p:txBody>
+          <a:bodyPr anchor="t">
+            <a:normAutofit/>
+          </a:bodyPr>
+          <a:lstStyle>
+            <a:lvl1pPr marL="0" indent="0">
+              <a:buNone/>
+              <a:defRPr sz="1400"/>
+            </a:lvl1pPr>
+            <a:lvl2pPr marL="457200" indent="0">
+              <a:buNone/>
+              <a:defRPr sz="1200"/>
+            </a:lvl2pPr>
+            <a:lvl3pPr marL="914400" indent="0">
+              <a:buNone/>
+              <a:defRPr sz="1000"/>
+            </a:lvl3pPr>
+            <a:lvl4pPr marL="1371600" indent="0">
+              <a:buNone/>
+              <a:defRPr sz="900"/>
+            </a:lvl4pPr>
+            <a:lvl5pPr marL="1828800" indent="0">
+              <a:buNone/>
+              <a:defRPr sz="900"/>
+            </a:lvl5pPr>
+            <a:lvl6pPr marL="2286000" indent="0">
+              <a:buNone/>
+              <a:defRPr sz="900"/>
+            </a:lvl6pPr>
+            <a:lvl7pPr marL="2743200" indent="0">
+              <a:buNone/>
+              <a:defRPr sz="900"/>
+            </a:lvl7pPr>
+            <a:lvl8pPr marL="3200400" indent="0">
+              <a:buNone/>
+              <a:defRPr sz="900"/>
+            </a:lvl8pPr>
+            <a:lvl9pPr marL="3657600" indent="0">
+              <a:buNone/>
+              <a:defRPr sz="900"/>
+            </a:lvl9pPr>
+          </a:lstStyle>
+          <a:p>
+            <a:pPr lvl="0"/>
+            <a:r>
+              <a:rPr lang="nl-NL"/>
+              <a:t>Klikken om de tekststijl van het model te bewerken</a:t>
+            </a:r>
+          </a:p>
+        </p:txBody>
+      </p:sp>
+      <p:sp>
+        <p:nvSpPr>
+          <p:cNvPr id="25" name="Text Placeholder 4"/>
+          <p:cNvSpPr>
+            <a:spLocks noGrp="1"/>
+          </p:cNvSpPr>
+          <p:nvPr>
+            <p:ph type="body" sz="quarter" idx="13"/>
+          </p:nvPr>
+        </p:nvSpPr>
+        <p:spPr>
+          <a:xfrm>
+            <a:off x="8049731" y="4191000"/>
+            <a:ext cx="3456469" cy="682765"/>
+          </a:xfrm>
+        </p:spPr>
+        <p:txBody>
+          <a:bodyPr anchor="b">
+            <a:noAutofit/>
+          </a:bodyPr>
+          <a:lstStyle>
+            <a:lvl1pPr marL="0" indent="0">
+              <a:buNone/>
+              <a:defRPr sz="2400" b="0">
+                <a:solidFill>
+                  <a:schemeClr val="tx1"/>
+                </a:solidFill>
+              </a:defRPr>
+            </a:lvl1pPr>
+            <a:lvl2pPr marL="457200" indent="0">
+              <a:buNone/>
+              <a:defRPr sz="2000" b="1"/>
+            </a:lvl2pPr>
+            <a:lvl3pPr marL="914400" indent="0">
+              <a:buNone/>
+              <a:defRPr sz="1800" b="1"/>
+            </a:lvl3pPr>
+            <a:lvl4pPr marL="1371600" indent="0">
+              <a:buNone/>
+              <a:defRPr sz="1600" b="1"/>
+            </a:lvl4pPr>
+            <a:lvl5pPr marL="1828800" indent="0">
+              <a:buNone/>
+              <a:defRPr sz="1600" b="1"/>
+            </a:lvl5pPr>
+            <a:lvl6pPr marL="2286000" indent="0">
+              <a:buNone/>
+              <a:defRPr sz="1600" b="1"/>
+            </a:lvl6pPr>
+            <a:lvl7pPr marL="2743200" indent="0">
+              <a:buNone/>
+              <a:defRPr sz="1600" b="1"/>
+            </a:lvl7pPr>
+            <a:lvl8pPr marL="3200400" indent="0">
+              <a:buNone/>
+              <a:defRPr sz="1600" b="1"/>
+            </a:lvl8pPr>
+            <a:lvl9pPr marL="3657600" indent="0">
+              <a:buNone/>
+              <a:defRPr sz="1600" b="1"/>
+            </a:lvl9pPr>
+          </a:lstStyle>
+          <a:p>
+            <a:pPr lvl="0"/>
+            <a:r>
+              <a:rPr lang="nl-NL"/>
+              <a:t>Klikken om de tekststijl van het model te bewerken</a:t>
+            </a:r>
+          </a:p>
+        </p:txBody>
+      </p:sp>
+      <p:sp>
+        <p:nvSpPr>
+          <p:cNvPr id="26" name="Picture Placeholder 2"/>
+          <p:cNvSpPr>
+            <a:spLocks noGrp="1" noChangeAspect="1"/>
+          </p:cNvSpPr>
+          <p:nvPr>
+            <p:ph type="pic" idx="22"/>
+          </p:nvPr>
+        </p:nvSpPr>
+        <p:spPr>
+          <a:xfrm>
+            <a:off x="8049855" y="2362200"/>
+            <a:ext cx="3447878" cy="1524000"/>
+          </a:xfrm>
+          <a:prstGeom prst="roundRect">
+            <a:avLst>
+              <a:gd name="adj" fmla="val 0"/>
+            </a:avLst>
+          </a:prstGeom>
+          <a:effectLst>
+            <a:outerShdw blurRad="50800" dist="50800" dir="5400000" algn="tl" rotWithShape="0">
+              <a:srgbClr val="000000">
+                <a:alpha val="43000"/>
+              </a:srgbClr>
+            </a:outerShdw>
+          </a:effectLst>
+        </p:spPr>
+        <p:txBody>
+          <a:bodyPr anchor="t">
+            <a:normAutofit/>
+          </a:bodyPr>
+          <a:lstStyle>
+            <a:lvl1pPr marL="0" indent="0" algn="ctr">
+              <a:buNone/>
+              <a:defRPr sz="1600"/>
+            </a:lvl1pPr>
+            <a:lvl2pPr marL="457200" indent="0">
+              <a:buNone/>
+              <a:defRPr sz="1600"/>
+            </a:lvl2pPr>
+            <a:lvl3pPr marL="914400" indent="0">
+              <a:buNone/>
+              <a:defRPr sz="1600"/>
+            </a:lvl3pPr>
+            <a:lvl4pPr marL="1371600" indent="0">
+              <a:buNone/>
+              <a:defRPr sz="1600"/>
+            </a:lvl4pPr>
+            <a:lvl5pPr marL="1828800" indent="0">
+              <a:buNone/>
+              <a:defRPr sz="1600"/>
+            </a:lvl5pPr>
+            <a:lvl6pPr marL="2286000" indent="0">
+              <a:buNone/>
+              <a:defRPr sz="1600"/>
+            </a:lvl6pPr>
+            <a:lvl7pPr marL="2743200" indent="0">
+              <a:buNone/>
+              <a:defRPr sz="1600"/>
+            </a:lvl7pPr>
+            <a:lvl8pPr marL="3200400" indent="0">
+              <a:buNone/>
+              <a:defRPr sz="1600"/>
+            </a:lvl8pPr>
+            <a:lvl9pPr marL="3657600" indent="0">
+              <a:buNone/>
+              <a:defRPr sz="1600"/>
+            </a:lvl9pPr>
+          </a:lstStyle>
+          <a:p>
+            <a:r>
+              <a:rPr lang="nl-NL"/>
+              <a:t>Klik op het pictogram als u een afbeelding wilt toevoegen</a:t>
+            </a:r>
+            <a:endParaRPr lang="en-US" dirty="0"/>
+          </a:p>
+        </p:txBody>
+      </p:sp>
+      <p:sp>
+        <p:nvSpPr>
+          <p:cNvPr id="27" name="Text Placeholder 3"/>
+          <p:cNvSpPr>
+            <a:spLocks noGrp="1"/>
+          </p:cNvSpPr>
+          <p:nvPr>
+            <p:ph type="body" sz="half" idx="20"/>
+          </p:nvPr>
+        </p:nvSpPr>
+        <p:spPr>
+          <a:xfrm>
+            <a:off x="8049731" y="4873761"/>
+            <a:ext cx="3452445" cy="1344921"/>
+          </a:xfrm>
+        </p:spPr>
+        <p:txBody>
+          <a:bodyPr anchor="t">
+            <a:normAutofit/>
+          </a:bodyPr>
+          <a:lstStyle>
+            <a:lvl1pPr marL="0" indent="0">
+              <a:buNone/>
+              <a:defRPr sz="1400"/>
+            </a:lvl1pPr>
+            <a:lvl2pPr marL="457200" indent="0">
+              <a:buNone/>
+              <a:defRPr sz="1200"/>
+            </a:lvl2pPr>
+            <a:lvl3pPr marL="914400" indent="0">
+              <a:buNone/>
+              <a:defRPr sz="1000"/>
+            </a:lvl3pPr>
+            <a:lvl4pPr marL="1371600" indent="0">
+              <a:buNone/>
+              <a:defRPr sz="900"/>
+            </a:lvl4pPr>
+            <a:lvl5pPr marL="1828800" indent="0">
+              <a:buNone/>
+              <a:defRPr sz="900"/>
+            </a:lvl5pPr>
+            <a:lvl6pPr marL="2286000" indent="0">
+              <a:buNone/>
+              <a:defRPr sz="900"/>
+            </a:lvl6pPr>
+            <a:lvl7pPr marL="2743200" indent="0">
+              <a:buNone/>
+              <a:defRPr sz="900"/>
+            </a:lvl7pPr>
+            <a:lvl8pPr marL="3200400" indent="0">
+              <a:buNone/>
+              <a:defRPr sz="900"/>
+            </a:lvl8pPr>
+            <a:lvl9pPr marL="3657600" indent="0">
+              <a:buNone/>
+              <a:defRPr sz="900"/>
+            </a:lvl9pPr>
+          </a:lstStyle>
+          <a:p>
+            <a:pPr lvl="0"/>
+            <a:r>
+              <a:rPr lang="nl-NL"/>
+              <a:t>Klikken om de tekststijl van het model te bewerken</a:t>
+            </a:r>
+          </a:p>
+        </p:txBody>
+      </p:sp>
+      <p:sp>
+        <p:nvSpPr>
+          <p:cNvPr id="3" name="Date Placeholder 2"/>
+          <p:cNvSpPr>
+            <a:spLocks noGrp="1"/>
+          </p:cNvSpPr>
+          <p:nvPr>
+            <p:ph type="dt" sz="half" idx="10"/>
+          </p:nvPr>
+        </p:nvSpPr>
+        <p:spPr/>
+        <p:txBody>
+          <a:bodyPr/>
+          <a:lstStyle/>
+          <a:p>
+            <a:fld id="{5F439966-7353-4115-A59B-B8C61C53DFA5}" type="datetimeFigureOut">
+              <a:rPr lang="nl-NL" smtClean="0"/>
+              <a:t>1-2-2021</a:t>
+            </a:fld>
+            <a:endParaRPr lang="nl-NL"/>
+          </a:p>
+        </p:txBody>
+      </p:sp>
+      <p:sp>
+        <p:nvSpPr>
+          <p:cNvPr id="4" name="Footer Placeholder 3"/>
+          <p:cNvSpPr>
+            <a:spLocks noGrp="1"/>
+          </p:cNvSpPr>
+          <p:nvPr>
+            <p:ph type="ftr" sz="quarter" idx="11"/>
+          </p:nvPr>
+        </p:nvSpPr>
+        <p:spPr/>
+        <p:txBody>
+          <a:bodyPr/>
+          <a:lstStyle/>
+          <a:p>
+            <a:endParaRPr lang="nl-NL"/>
+          </a:p>
+        </p:txBody>
+      </p:sp>
+      <p:sp>
+        <p:nvSpPr>
+          <p:cNvPr id="5" name="Slide Number Placeholder 4"/>
+          <p:cNvSpPr>
+            <a:spLocks noGrp="1"/>
+          </p:cNvSpPr>
+          <p:nvPr>
+            <p:ph type="sldNum" sz="quarter" idx="12"/>
+          </p:nvPr>
+        </p:nvSpPr>
+        <p:spPr/>
+        <p:txBody>
+          <a:bodyPr/>
+          <a:lstStyle/>
+          <a:p>
+            <a:fld id="{3FF4C070-5BC2-4A2F-95F1-9DADA61BE279}" type="slidenum">
+              <a:rPr lang="nl-NL" smtClean="0"/>
+              <a:t>‹nr.›</a:t>
+            </a:fld>
+            <a:endParaRPr lang="nl-NL"/>
+          </a:p>
+        </p:txBody>
+      </p:sp>
+    </p:spTree>
+    <p:extLst>
+      <p:ext uri="{BB962C8B-B14F-4D97-AF65-F5344CB8AC3E}">
+        <p14:creationId xmlns:p14="http://schemas.microsoft.com/office/powerpoint/2010/main" val="3290346858"/>
+      </p:ext>
+    </p:extLst>
+  </p:cSld>
+  <p:clrMapOvr>
+    <a:masterClrMapping/>
+  </p:clrMapOvr>
+</p:sldLayout>
+</file>
+
+<file path=ppt/slideLayouts/slideLayout16.xml><?xml version="1.0" encoding="utf-8"?>
 <p:sldLayout xmlns:a="http://schemas.openxmlformats.org/drawingml/2006/main" xmlns:r="http://schemas.openxmlformats.org/officeDocument/2006/relationships" xmlns:p="http://schemas.openxmlformats.org/presentationml/2006/main" type="vertTx" preserve="1">
   <p:cSld name="Titel en verticale tekst">
     <p:spTree>
@@ -442,9 +2992,14 @@
             <p:ph type="body" orient="vert" idx="1"/>
           </p:nvPr>
         </p:nvSpPr>
-        <p:spPr/>
-        <p:txBody>
-          <a:bodyPr vert="eaVert" anchor="t"/>
+        <p:spPr>
+          <a:xfrm>
+            <a:off x="685800" y="2194559"/>
+            <a:ext cx="10820400" cy="4024125"/>
+          </a:xfrm>
+        </p:spPr>
+        <p:txBody>
+          <a:bodyPr vert="eaVert"/>
           <a:lstStyle/>
           <a:p>
             <a:pPr lvl="0"/>
@@ -486,7 +3041,7 @@
       </p:sp>
       <p:sp>
         <p:nvSpPr>
-          <p:cNvPr id="7" name="Date Placeholder 6"/>
+          <p:cNvPr id="4" name="Date Placeholder 3"/>
           <p:cNvSpPr>
             <a:spLocks noGrp="1"/>
           </p:cNvSpPr>
@@ -509,7 +3064,7 @@
       </p:sp>
       <p:sp>
         <p:nvSpPr>
-          <p:cNvPr id="8" name="Footer Placeholder 7"/>
+          <p:cNvPr id="5" name="Footer Placeholder 4"/>
           <p:cNvSpPr>
             <a:spLocks noGrp="1"/>
           </p:cNvSpPr>
@@ -528,7 +3083,7 @@
       </p:sp>
       <p:sp>
         <p:nvSpPr>
-          <p:cNvPr id="9" name="Slide Number Placeholder 8"/>
+          <p:cNvPr id="6" name="Slide Number Placeholder 5"/>
           <p:cNvSpPr>
             <a:spLocks noGrp="1"/>
           </p:cNvSpPr>
@@ -552,7 +3107,7 @@
     </p:spTree>
     <p:extLst>
       <p:ext uri="{BB962C8B-B14F-4D97-AF65-F5344CB8AC3E}">
-        <p14:creationId xmlns:p14="http://schemas.microsoft.com/office/powerpoint/2010/main" val="4040959038"/>
+        <p14:creationId xmlns:p14="http://schemas.microsoft.com/office/powerpoint/2010/main" val="2312970298"/>
       </p:ext>
     </p:extLst>
   </p:cSld>
@@ -562,8 +3117,8 @@
 </p:sldLayout>
 </file>
 
-<file path=ppt/slideLayouts/slideLayout11.xml><?xml version="1.0" encoding="utf-8"?>
-<p:sldLayout xmlns:a="http://schemas.openxmlformats.org/drawingml/2006/main" xmlns:r="http://schemas.openxmlformats.org/officeDocument/2006/relationships" xmlns:p="http://schemas.openxmlformats.org/presentationml/2006/main" type="vertTitleAndTx" preserve="1">
+<file path=ppt/slideLayouts/slideLayout17.xml><?xml version="1.0" encoding="utf-8"?>
+<p:sldLayout xmlns:a="http://schemas.openxmlformats.org/drawingml/2006/main" xmlns:r="http://schemas.openxmlformats.org/officeDocument/2006/relationships" xmlns:p="http://schemas.openxmlformats.org/presentationml/2006/main" showMasterSp="0" type="vertTitleAndTx" preserve="1">
   <p:cSld name="Verticale titel en tekst">
     <p:spTree>
       <p:nvGrpSpPr>
@@ -579,6 +3134,36 @@
           <a:chExt cx="0" cy="0"/>
         </a:xfrm>
       </p:grpSpPr>
+      <p:pic>
+        <p:nvPicPr>
+          <p:cNvPr id="8" name="Picture 7" descr="C0-HD-BTM.png"/>
+          <p:cNvPicPr>
+            <a:picLocks noChangeAspect="1"/>
+          </p:cNvPicPr>
+          <p:nvPr/>
+        </p:nvPicPr>
+        <p:blipFill>
+          <a:blip r:embed="rId2">
+            <a:extLst>
+              <a:ext uri="{28A0092B-C50C-407E-A947-70E740481C1C}">
+                <a14:useLocalDpi xmlns:a14="http://schemas.microsoft.com/office/drawing/2010/main" val="0"/>
+              </a:ext>
+            </a:extLst>
+          </a:blip>
+          <a:stretch>
+            <a:fillRect/>
+          </a:stretch>
+        </p:blipFill>
+        <p:spPr>
+          <a:xfrm>
+            <a:off x="0" y="4375150"/>
+            <a:ext cx="12192000" cy="2482850"/>
+          </a:xfrm>
+          <a:prstGeom prst="rect">
+            <a:avLst/>
+          </a:prstGeom>
+        </p:spPr>
+      </p:pic>
       <p:sp>
         <p:nvSpPr>
           <p:cNvPr id="2" name="Vertical Title 1"/>
@@ -591,17 +3176,78 @@
         </p:nvSpPr>
         <p:spPr>
           <a:xfrm>
-            <a:off x="381000" y="990600"/>
-            <a:ext cx="2819400" cy="4953000"/>
+            <a:off x="9448800" y="745066"/>
+            <a:ext cx="2057400" cy="3903133"/>
+          </a:xfrm>
+        </p:spPr>
+        <p:txBody>
+          <a:bodyPr vert="eaVert"/>
+          <a:lstStyle>
+            <a:lvl1pPr algn="l">
+              <a:defRPr/>
+            </a:lvl1pPr>
+          </a:lstStyle>
+          <a:p>
+            <a:r>
+              <a:rPr lang="nl-NL"/>
+              <a:t>Klik om stijl te bewerken</a:t>
+            </a:r>
+            <a:endParaRPr lang="en-US" dirty="0"/>
+          </a:p>
+        </p:txBody>
+      </p:sp>
+      <p:sp>
+        <p:nvSpPr>
+          <p:cNvPr id="3" name="Vertical Text Placeholder 2"/>
+          <p:cNvSpPr>
+            <a:spLocks noGrp="1"/>
+          </p:cNvSpPr>
+          <p:nvPr>
+            <p:ph type="body" orient="vert" idx="1"/>
+          </p:nvPr>
+        </p:nvSpPr>
+        <p:spPr>
+          <a:xfrm>
+            <a:off x="1024466" y="745067"/>
+            <a:ext cx="8204201" cy="3903133"/>
           </a:xfrm>
         </p:spPr>
         <p:txBody>
           <a:bodyPr vert="eaVert"/>
           <a:lstStyle/>
           <a:p>
-            <a:r>
-              <a:rPr lang="nl-NL"/>
-              <a:t>Klik om stijl te bewerken</a:t>
+            <a:pPr lvl="0"/>
+            <a:r>
+              <a:rPr lang="nl-NL"/>
+              <a:t>Klikken om de tekststijl van het model te bewerken</a:t>
+            </a:r>
+          </a:p>
+          <a:p>
+            <a:pPr lvl="1"/>
+            <a:r>
+              <a:rPr lang="nl-NL"/>
+              <a:t>Tweede niveau</a:t>
+            </a:r>
+          </a:p>
+          <a:p>
+            <a:pPr lvl="2"/>
+            <a:r>
+              <a:rPr lang="nl-NL"/>
+              <a:t>Derde niveau</a:t>
+            </a:r>
+          </a:p>
+          <a:p>
+            <a:pPr lvl="3"/>
+            <a:r>
+              <a:rPr lang="nl-NL"/>
+              <a:t>Vierde niveau</a:t>
+            </a:r>
+          </a:p>
+          <a:p>
+            <a:pPr lvl="4"/>
+            <a:r>
+              <a:rPr lang="nl-NL"/>
+              <a:t>Vijfde niveau</a:t>
             </a:r>
             <a:endParaRPr lang="en-US" dirty="0"/>
           </a:p>
@@ -609,64 +3255,7 @@
       </p:sp>
       <p:sp>
         <p:nvSpPr>
-          <p:cNvPr id="3" name="Vertical Text Placeholder 2"/>
-          <p:cNvSpPr>
-            <a:spLocks noGrp="1"/>
-          </p:cNvSpPr>
-          <p:nvPr>
-            <p:ph type="body" orient="vert" idx="1"/>
-          </p:nvPr>
-        </p:nvSpPr>
-        <p:spPr>
-          <a:xfrm>
-            <a:off x="3867912" y="868680"/>
-            <a:ext cx="7315200" cy="5120640"/>
-          </a:xfrm>
-        </p:spPr>
-        <p:txBody>
-          <a:bodyPr vert="eaVert" anchor="t"/>
-          <a:lstStyle/>
-          <a:p>
-            <a:pPr lvl="0"/>
-            <a:r>
-              <a:rPr lang="nl-NL"/>
-              <a:t>Klikken om de tekststijl van het model te bewerken</a:t>
-            </a:r>
-          </a:p>
-          <a:p>
-            <a:pPr lvl="1"/>
-            <a:r>
-              <a:rPr lang="nl-NL"/>
-              <a:t>Tweede niveau</a:t>
-            </a:r>
-          </a:p>
-          <a:p>
-            <a:pPr lvl="2"/>
-            <a:r>
-              <a:rPr lang="nl-NL"/>
-              <a:t>Derde niveau</a:t>
-            </a:r>
-          </a:p>
-          <a:p>
-            <a:pPr lvl="3"/>
-            <a:r>
-              <a:rPr lang="nl-NL"/>
-              <a:t>Vierde niveau</a:t>
-            </a:r>
-          </a:p>
-          <a:p>
-            <a:pPr lvl="4"/>
-            <a:r>
-              <a:rPr lang="nl-NL"/>
-              <a:t>Vijfde niveau</a:t>
-            </a:r>
-            <a:endParaRPr lang="en-US" dirty="0"/>
-          </a:p>
-        </p:txBody>
-      </p:sp>
-      <p:sp>
-        <p:nvSpPr>
-          <p:cNvPr id="7" name="Date Placeholder 6"/>
+          <p:cNvPr id="4" name="Date Placeholder 3"/>
           <p:cNvSpPr>
             <a:spLocks noGrp="1"/>
           </p:cNvSpPr>
@@ -674,10 +3263,19 @@
             <p:ph type="dt" sz="half" idx="10"/>
           </p:nvPr>
         </p:nvSpPr>
-        <p:spPr/>
+        <p:spPr>
+          <a:xfrm>
+            <a:off x="7814452" y="379941"/>
+            <a:ext cx="2910840" cy="365125"/>
+          </a:xfrm>
+        </p:spPr>
         <p:txBody>
           <a:bodyPr/>
-          <a:lstStyle/>
+          <a:lstStyle>
+            <a:lvl1pPr algn="r">
+              <a:defRPr/>
+            </a:lvl1pPr>
+          </a:lstStyle>
           <a:p>
             <a:fld id="{5F439966-7353-4115-A59B-B8C61C53DFA5}" type="datetimeFigureOut">
               <a:rPr lang="nl-NL" smtClean="0"/>
@@ -689,7 +3287,7 @@
       </p:sp>
       <p:sp>
         <p:nvSpPr>
-          <p:cNvPr id="8" name="Footer Placeholder 7"/>
+          <p:cNvPr id="5" name="Footer Placeholder 4"/>
           <p:cNvSpPr>
             <a:spLocks noGrp="1"/>
           </p:cNvSpPr>
@@ -697,7 +3295,12 @@
             <p:ph type="ftr" sz="quarter" idx="11"/>
           </p:nvPr>
         </p:nvSpPr>
-        <p:spPr/>
+        <p:spPr>
+          <a:xfrm>
+            <a:off x="685800" y="381000"/>
+            <a:ext cx="6991492" cy="365125"/>
+          </a:xfrm>
+        </p:spPr>
         <p:txBody>
           <a:bodyPr/>
           <a:lstStyle/>
@@ -708,7 +3311,7 @@
       </p:sp>
       <p:sp>
         <p:nvSpPr>
-          <p:cNvPr id="9" name="Slide Number Placeholder 8"/>
+          <p:cNvPr id="6" name="Slide Number Placeholder 5"/>
           <p:cNvSpPr>
             <a:spLocks noGrp="1"/>
           </p:cNvSpPr>
@@ -716,7 +3319,12 @@
             <p:ph type="sldNum" sz="quarter" idx="12"/>
           </p:nvPr>
         </p:nvSpPr>
-        <p:spPr/>
+        <p:spPr>
+          <a:xfrm>
+            <a:off x="10862452" y="381000"/>
+            <a:ext cx="643748" cy="365125"/>
+          </a:xfrm>
+        </p:spPr>
         <p:txBody>
           <a:bodyPr/>
           <a:lstStyle/>
@@ -732,7 +3340,7 @@
     </p:spTree>
     <p:extLst>
       <p:ext uri="{BB962C8B-B14F-4D97-AF65-F5344CB8AC3E}">
-        <p14:creationId xmlns:p14="http://schemas.microsoft.com/office/powerpoint/2010/main" val="1260777439"/>
+        <p14:creationId xmlns:p14="http://schemas.microsoft.com/office/powerpoint/2010/main" val="2661268081"/>
       </p:ext>
     </p:extLst>
   </p:cSld>
@@ -902,7 +3510,7 @@
     </p:spTree>
     <p:extLst>
       <p:ext uri="{BB962C8B-B14F-4D97-AF65-F5344CB8AC3E}">
-        <p14:creationId xmlns:p14="http://schemas.microsoft.com/office/powerpoint/2010/main" val="3537989341"/>
+        <p14:creationId xmlns:p14="http://schemas.microsoft.com/office/powerpoint/2010/main" val="2744683627"/>
       </p:ext>
     </p:extLst>
   </p:cSld>
@@ -913,7 +3521,7 @@
 </file>
 
 <file path=ppt/slideLayouts/slideLayout3.xml><?xml version="1.0" encoding="utf-8"?>
-<p:sldLayout xmlns:a="http://schemas.openxmlformats.org/drawingml/2006/main" xmlns:r="http://schemas.openxmlformats.org/officeDocument/2006/relationships" xmlns:p="http://schemas.openxmlformats.org/presentationml/2006/main" type="secHead" preserve="1">
+<p:sldLayout xmlns:a="http://schemas.openxmlformats.org/drawingml/2006/main" xmlns:r="http://schemas.openxmlformats.org/officeDocument/2006/relationships" xmlns:p="http://schemas.openxmlformats.org/presentationml/2006/main" showMasterSp="0" type="secHead" preserve="1">
   <p:cSld name="Sectiekop">
     <p:spTree>
       <p:nvGrpSpPr>
@@ -929,6 +3537,36 @@
           <a:chExt cx="0" cy="0"/>
         </a:xfrm>
       </p:grpSpPr>
+      <p:pic>
+        <p:nvPicPr>
+          <p:cNvPr id="9" name="Picture 8" descr="C0-HD-BTM.png"/>
+          <p:cNvPicPr>
+            <a:picLocks noChangeAspect="1"/>
+          </p:cNvPicPr>
+          <p:nvPr/>
+        </p:nvPicPr>
+        <p:blipFill>
+          <a:blip r:embed="rId2">
+            <a:extLst>
+              <a:ext uri="{28A0092B-C50C-407E-A947-70E740481C1C}">
+                <a14:useLocalDpi xmlns:a14="http://schemas.microsoft.com/office/drawing/2010/main" val="0"/>
+              </a:ext>
+            </a:extLst>
+          </a:blip>
+          <a:stretch>
+            <a:fillRect/>
+          </a:stretch>
+        </p:blipFill>
+        <p:spPr>
+          <a:xfrm>
+            <a:off x="0" y="4375150"/>
+            <a:ext cx="12192000" cy="2482850"/>
+          </a:xfrm>
+          <a:prstGeom prst="rect">
+            <a:avLst/>
+          </a:prstGeom>
+        </p:spPr>
+      </p:pic>
       <p:sp>
         <p:nvSpPr>
           <p:cNvPr id="2" name="Title 1"/>
@@ -941,8 +3579,8 @@
         </p:nvSpPr>
         <p:spPr>
           <a:xfrm>
-            <a:off x="3867912" y="1298448"/>
-            <a:ext cx="7315200" cy="3255264"/>
+            <a:off x="685800" y="753533"/>
+            <a:ext cx="10820399" cy="2801935"/>
           </a:xfrm>
         </p:spPr>
         <p:txBody>
@@ -950,15 +3588,8 @@
             <a:normAutofit/>
           </a:bodyPr>
           <a:lstStyle>
-            <a:lvl1pPr>
-              <a:defRPr sz="5900" b="0" spc="-100" baseline="0">
-                <a:solidFill>
-                  <a:schemeClr val="tx1">
-                    <a:lumMod val="65000"/>
-                    <a:lumOff val="35000"/>
-                  </a:schemeClr>
-                </a:solidFill>
-              </a:defRPr>
+            <a:lvl1pPr algn="r">
+              <a:defRPr sz="4000"/>
             </a:lvl1pPr>
           </a:lstStyle>
           <a:p>
@@ -982,29 +3613,28 @@
         </p:nvSpPr>
         <p:spPr>
           <a:xfrm>
-            <a:off x="3886200" y="4672584"/>
-            <a:ext cx="7315200" cy="914400"/>
-          </a:xfrm>
-        </p:spPr>
-        <p:txBody>
-          <a:bodyPr anchor="t">
+            <a:off x="1024467" y="3641725"/>
+            <a:ext cx="10490200" cy="955675"/>
+          </a:xfrm>
+        </p:spPr>
+        <p:txBody>
+          <a:bodyPr>
             <a:normAutofit/>
           </a:bodyPr>
           <a:lstStyle>
-            <a:lvl1pPr marL="0" indent="0">
-              <a:buNone/>
-              <a:defRPr sz="2200" cap="none" spc="0" baseline="0">
+            <a:lvl1pPr marL="0" indent="0" algn="r">
+              <a:buNone/>
+              <a:defRPr sz="2200">
                 <a:solidFill>
                   <a:schemeClr val="tx1">
-                    <a:lumMod val="65000"/>
-                    <a:lumOff val="35000"/>
+                    <a:tint val="75000"/>
                   </a:schemeClr>
                 </a:solidFill>
               </a:defRPr>
             </a:lvl1pPr>
             <a:lvl2pPr marL="457200" indent="0">
               <a:buNone/>
-              <a:defRPr sz="1800">
+              <a:defRPr sz="2000">
                 <a:solidFill>
                   <a:schemeClr val="tx1">
                     <a:tint val="75000"/>
@@ -1014,7 +3644,7 @@
             </a:lvl2pPr>
             <a:lvl3pPr marL="914400" indent="0">
               <a:buNone/>
-              <a:defRPr sz="1600">
+              <a:defRPr sz="1800">
                 <a:solidFill>
                   <a:schemeClr val="tx1">
                     <a:tint val="75000"/>
@@ -1024,7 +3654,7 @@
             </a:lvl3pPr>
             <a:lvl4pPr marL="1371600" indent="0">
               <a:buNone/>
-              <a:defRPr sz="1400">
+              <a:defRPr sz="1600">
                 <a:solidFill>
                   <a:schemeClr val="tx1">
                     <a:tint val="75000"/>
@@ -1034,7 +3664,7 @@
             </a:lvl4pPr>
             <a:lvl5pPr marL="1828800" indent="0">
               <a:buNone/>
-              <a:defRPr sz="1400">
+              <a:defRPr sz="1600">
                 <a:solidFill>
                   <a:schemeClr val="tx1">
                     <a:tint val="75000"/>
@@ -1044,7 +3674,7 @@
             </a:lvl5pPr>
             <a:lvl6pPr marL="2286000" indent="0">
               <a:buNone/>
-              <a:defRPr sz="1400">
+              <a:defRPr sz="1600">
                 <a:solidFill>
                   <a:schemeClr val="tx1">
                     <a:tint val="75000"/>
@@ -1054,7 +3684,7 @@
             </a:lvl6pPr>
             <a:lvl7pPr marL="2743200" indent="0">
               <a:buNone/>
-              <a:defRPr sz="1400">
+              <a:defRPr sz="1600">
                 <a:solidFill>
                   <a:schemeClr val="tx1">
                     <a:tint val="75000"/>
@@ -1064,7 +3694,7 @@
             </a:lvl7pPr>
             <a:lvl8pPr marL="3200400" indent="0">
               <a:buNone/>
-              <a:defRPr sz="1400">
+              <a:defRPr sz="1600">
                 <a:solidFill>
                   <a:schemeClr val="tx1">
                     <a:tint val="75000"/>
@@ -1074,7 +3704,7 @@
             </a:lvl8pPr>
             <a:lvl9pPr marL="3657600" indent="0">
               <a:buNone/>
-              <a:defRPr sz="1400">
+              <a:defRPr sz="1600">
                 <a:solidFill>
                   <a:schemeClr val="tx1">
                     <a:tint val="75000"/>
@@ -1102,10 +3732,19 @@
             <p:ph type="dt" sz="half" idx="10"/>
           </p:nvPr>
         </p:nvSpPr>
-        <p:spPr/>
+        <p:spPr>
+          <a:xfrm>
+            <a:off x="7814452" y="381000"/>
+            <a:ext cx="2910840" cy="365125"/>
+          </a:xfrm>
+        </p:spPr>
         <p:txBody>
           <a:bodyPr/>
-          <a:lstStyle/>
+          <a:lstStyle>
+            <a:lvl1pPr algn="r">
+              <a:defRPr/>
+            </a:lvl1pPr>
+          </a:lstStyle>
           <a:p>
             <a:fld id="{5F439966-7353-4115-A59B-B8C61C53DFA5}" type="datetimeFigureOut">
               <a:rPr lang="nl-NL" smtClean="0"/>
@@ -1125,7 +3764,12 @@
             <p:ph type="ftr" sz="quarter" idx="11"/>
           </p:nvPr>
         </p:nvSpPr>
-        <p:spPr/>
+        <p:spPr>
+          <a:xfrm>
+            <a:off x="685800" y="381001"/>
+            <a:ext cx="6991492" cy="364065"/>
+          </a:xfrm>
+        </p:spPr>
         <p:txBody>
           <a:bodyPr/>
           <a:lstStyle/>
@@ -1144,7 +3788,12 @@
             <p:ph type="sldNum" sz="quarter" idx="12"/>
           </p:nvPr>
         </p:nvSpPr>
-        <p:spPr/>
+        <p:spPr>
+          <a:xfrm>
+            <a:off x="10862452" y="381000"/>
+            <a:ext cx="643748" cy="365125"/>
+          </a:xfrm>
+        </p:spPr>
         <p:txBody>
           <a:bodyPr/>
           <a:lstStyle/>
@@ -1160,7 +3809,7 @@
     </p:spTree>
     <p:extLst>
       <p:ext uri="{BB962C8B-B14F-4D97-AF65-F5344CB8AC3E}">
-        <p14:creationId xmlns:p14="http://schemas.microsoft.com/office/powerpoint/2010/main" val="2389267719"/>
+        <p14:creationId xmlns:p14="http://schemas.microsoft.com/office/powerpoint/2010/main" val="2407142880"/>
       </p:ext>
     </p:extLst>
   </p:cSld>
@@ -1222,41 +3871,13 @@
         </p:nvSpPr>
         <p:spPr>
           <a:xfrm>
-            <a:off x="3867912" y="868680"/>
-            <a:ext cx="3474720" cy="5120640"/>
+            <a:off x="685800" y="2194559"/>
+            <a:ext cx="5334000" cy="4024125"/>
           </a:xfrm>
         </p:spPr>
         <p:txBody>
           <a:bodyPr/>
-          <a:lstStyle>
-            <a:lvl1pPr>
-              <a:defRPr sz="2000"/>
-            </a:lvl1pPr>
-            <a:lvl2pPr>
-              <a:defRPr sz="1800"/>
-            </a:lvl2pPr>
-            <a:lvl3pPr>
-              <a:defRPr sz="1600"/>
-            </a:lvl3pPr>
-            <a:lvl4pPr>
-              <a:defRPr sz="1400"/>
-            </a:lvl4pPr>
-            <a:lvl5pPr>
-              <a:defRPr sz="1400"/>
-            </a:lvl5pPr>
-            <a:lvl6pPr>
-              <a:defRPr sz="1400"/>
-            </a:lvl6pPr>
-            <a:lvl7pPr>
-              <a:defRPr sz="1400"/>
-            </a:lvl7pPr>
-            <a:lvl8pPr>
-              <a:defRPr sz="1400"/>
-            </a:lvl8pPr>
-            <a:lvl9pPr>
-              <a:defRPr sz="1400"/>
-            </a:lvl9pPr>
-          </a:lstStyle>
+          <a:lstStyle/>
           <a:p>
             <a:pPr lvl="0"/>
             <a:r>
@@ -1307,41 +3928,13 @@
         </p:nvSpPr>
         <p:spPr>
           <a:xfrm>
-            <a:off x="7818120" y="868680"/>
-            <a:ext cx="3474720" cy="5120640"/>
+            <a:off x="6172200" y="2194559"/>
+            <a:ext cx="5334000" cy="4024125"/>
           </a:xfrm>
         </p:spPr>
         <p:txBody>
           <a:bodyPr/>
-          <a:lstStyle>
-            <a:lvl1pPr>
-              <a:defRPr sz="2000"/>
-            </a:lvl1pPr>
-            <a:lvl2pPr>
-              <a:defRPr sz="1800"/>
-            </a:lvl2pPr>
-            <a:lvl3pPr>
-              <a:defRPr sz="1600"/>
-            </a:lvl3pPr>
-            <a:lvl4pPr>
-              <a:defRPr sz="1400"/>
-            </a:lvl4pPr>
-            <a:lvl5pPr>
-              <a:defRPr sz="1400"/>
-            </a:lvl5pPr>
-            <a:lvl6pPr>
-              <a:defRPr sz="1400"/>
-            </a:lvl6pPr>
-            <a:lvl7pPr>
-              <a:defRPr sz="1400"/>
-            </a:lvl7pPr>
-            <a:lvl8pPr>
-              <a:defRPr sz="1400"/>
-            </a:lvl8pPr>
-            <a:lvl9pPr>
-              <a:defRPr sz="1400"/>
-            </a:lvl9pPr>
-          </a:lstStyle>
+          <a:lstStyle/>
           <a:p>
             <a:pPr lvl="0"/>
             <a:r>
@@ -1382,7 +3975,7 @@
       </p:sp>
       <p:sp>
         <p:nvSpPr>
-          <p:cNvPr id="8" name="Date Placeholder 7"/>
+          <p:cNvPr id="5" name="Date Placeholder 4"/>
           <p:cNvSpPr>
             <a:spLocks noGrp="1"/>
           </p:cNvSpPr>
@@ -1405,7 +3998,7 @@
       </p:sp>
       <p:sp>
         <p:nvSpPr>
-          <p:cNvPr id="9" name="Footer Placeholder 8"/>
+          <p:cNvPr id="6" name="Footer Placeholder 5"/>
           <p:cNvSpPr>
             <a:spLocks noGrp="1"/>
           </p:cNvSpPr>
@@ -1424,7 +4017,7 @@
       </p:sp>
       <p:sp>
         <p:nvSpPr>
-          <p:cNvPr id="10" name="Slide Number Placeholder 9"/>
+          <p:cNvPr id="7" name="Slide Number Placeholder 6"/>
           <p:cNvSpPr>
             <a:spLocks noGrp="1"/>
           </p:cNvSpPr>
@@ -1448,7 +4041,7 @@
     </p:spTree>
     <p:extLst>
       <p:ext uri="{BB962C8B-B14F-4D97-AF65-F5344CB8AC3E}">
-        <p14:creationId xmlns:p14="http://schemas.microsoft.com/office/powerpoint/2010/main" val="2693682498"/>
+        <p14:creationId xmlns:p14="http://schemas.microsoft.com/office/powerpoint/2010/main" val="3566173171"/>
       </p:ext>
     </p:extLst>
   </p:cSld>
@@ -1477,7 +4070,7 @@
       </p:grpSpPr>
       <p:sp>
         <p:nvSpPr>
-          <p:cNvPr id="10" name="Title 9"/>
+          <p:cNvPr id="2" name="Title 1"/>
           <p:cNvSpPr>
             <a:spLocks noGrp="1"/>
           </p:cNvSpPr>
@@ -1485,7 +4078,12 @@
             <p:ph type="title"/>
           </p:nvPr>
         </p:nvSpPr>
-        <p:spPr/>
+        <p:spPr>
+          <a:xfrm>
+            <a:off x="2895600" y="762000"/>
+            <a:ext cx="8610600" cy="1295400"/>
+          </a:xfrm>
+        </p:spPr>
         <p:txBody>
           <a:bodyPr/>
           <a:lstStyle/>
@@ -1510,8 +4108,8 @@
         </p:nvSpPr>
         <p:spPr>
           <a:xfrm>
-            <a:off x="3867912" y="1023586"/>
-            <a:ext cx="3474720" cy="807720"/>
+            <a:off x="914409" y="2183802"/>
+            <a:ext cx="5079991" cy="823912"/>
           </a:xfrm>
         </p:spPr>
         <p:txBody>
@@ -1520,16 +4118,10 @@
           </a:bodyPr>
           <a:lstStyle>
             <a:lvl1pPr marL="0" indent="0">
-              <a:spcBef>
-                <a:spcPts val="0"/>
-              </a:spcBef>
-              <a:buNone/>
-              <a:defRPr sz="2000" b="1">
+              <a:buNone/>
+              <a:defRPr sz="2800" b="0">
                 <a:solidFill>
-                  <a:schemeClr val="tx1">
-                    <a:lumMod val="65000"/>
-                    <a:lumOff val="35000"/>
-                  </a:schemeClr>
+                  <a:schemeClr val="tx1"/>
                 </a:solidFill>
               </a:defRPr>
             </a:lvl1pPr>
@@ -1587,41 +4179,13 @@
         </p:nvSpPr>
         <p:spPr>
           <a:xfrm>
-            <a:off x="3867912" y="1930936"/>
-            <a:ext cx="3474720" cy="4023360"/>
+            <a:off x="685800" y="3132666"/>
+            <a:ext cx="5311775" cy="3086019"/>
           </a:xfrm>
         </p:spPr>
         <p:txBody>
           <a:bodyPr/>
-          <a:lstStyle>
-            <a:lvl1pPr>
-              <a:defRPr sz="2000"/>
-            </a:lvl1pPr>
-            <a:lvl2pPr>
-              <a:defRPr sz="1800"/>
-            </a:lvl2pPr>
-            <a:lvl3pPr>
-              <a:defRPr sz="1600"/>
-            </a:lvl3pPr>
-            <a:lvl4pPr>
-              <a:defRPr sz="1400"/>
-            </a:lvl4pPr>
-            <a:lvl5pPr>
-              <a:defRPr sz="1400"/>
-            </a:lvl5pPr>
-            <a:lvl6pPr>
-              <a:defRPr sz="1400"/>
-            </a:lvl6pPr>
-            <a:lvl7pPr>
-              <a:defRPr sz="1400"/>
-            </a:lvl7pPr>
-            <a:lvl8pPr>
-              <a:defRPr sz="1400"/>
-            </a:lvl8pPr>
-            <a:lvl9pPr>
-              <a:defRPr sz="1400"/>
-            </a:lvl9pPr>
-          </a:lstStyle>
+          <a:lstStyle/>
           <a:p>
             <a:pPr lvl="0"/>
             <a:r>
@@ -1672,8 +4236,8 @@
         </p:nvSpPr>
         <p:spPr>
           <a:xfrm>
-            <a:off x="7818463" y="1023586"/>
-            <a:ext cx="3474720" cy="813171"/>
+            <a:off x="6400800" y="2183802"/>
+            <a:ext cx="5105400" cy="823912"/>
           </a:xfrm>
         </p:spPr>
         <p:txBody>
@@ -1682,16 +4246,10 @@
           </a:bodyPr>
           <a:lstStyle>
             <a:lvl1pPr marL="0" indent="0">
-              <a:spcBef>
-                <a:spcPts val="0"/>
-              </a:spcBef>
-              <a:buNone/>
-              <a:defRPr sz="2000" b="1">
+              <a:buNone/>
+              <a:defRPr sz="2800" b="0">
                 <a:solidFill>
-                  <a:schemeClr val="tx1">
-                    <a:lumMod val="65000"/>
-                    <a:lumOff val="35000"/>
-                  </a:schemeClr>
+                  <a:schemeClr val="tx1"/>
                 </a:solidFill>
               </a:defRPr>
             </a:lvl1pPr>
@@ -1749,41 +4307,13 @@
         </p:nvSpPr>
         <p:spPr>
           <a:xfrm>
-            <a:off x="7818463" y="1930936"/>
-            <a:ext cx="3474720" cy="4023360"/>
+            <a:off x="6172200" y="3132666"/>
+            <a:ext cx="5334000" cy="3086019"/>
           </a:xfrm>
         </p:spPr>
         <p:txBody>
           <a:bodyPr/>
-          <a:lstStyle>
-            <a:lvl1pPr>
-              <a:defRPr sz="2000"/>
-            </a:lvl1pPr>
-            <a:lvl2pPr>
-              <a:defRPr sz="1800"/>
-            </a:lvl2pPr>
-            <a:lvl3pPr>
-              <a:defRPr sz="1600"/>
-            </a:lvl3pPr>
-            <a:lvl4pPr>
-              <a:defRPr sz="1400"/>
-            </a:lvl4pPr>
-            <a:lvl5pPr>
-              <a:defRPr sz="1400"/>
-            </a:lvl5pPr>
-            <a:lvl6pPr>
-              <a:defRPr sz="1400"/>
-            </a:lvl6pPr>
-            <a:lvl7pPr>
-              <a:defRPr sz="1400"/>
-            </a:lvl7pPr>
-            <a:lvl8pPr>
-              <a:defRPr sz="1400"/>
-            </a:lvl8pPr>
-            <a:lvl9pPr>
-              <a:defRPr sz="1400"/>
-            </a:lvl9pPr>
-          </a:lstStyle>
+          <a:lstStyle/>
           <a:p>
             <a:pPr lvl="0"/>
             <a:r>
@@ -1824,7 +4354,7 @@
       </p:sp>
       <p:sp>
         <p:nvSpPr>
-          <p:cNvPr id="2" name="Date Placeholder 1"/>
+          <p:cNvPr id="7" name="Date Placeholder 6"/>
           <p:cNvSpPr>
             <a:spLocks noGrp="1"/>
           </p:cNvSpPr>
@@ -1847,7 +4377,7 @@
       </p:sp>
       <p:sp>
         <p:nvSpPr>
-          <p:cNvPr id="11" name="Footer Placeholder 10"/>
+          <p:cNvPr id="8" name="Footer Placeholder 7"/>
           <p:cNvSpPr>
             <a:spLocks noGrp="1"/>
           </p:cNvSpPr>
@@ -1866,7 +4396,7 @@
       </p:sp>
       <p:sp>
         <p:nvSpPr>
-          <p:cNvPr id="12" name="Slide Number Placeholder 11"/>
+          <p:cNvPr id="9" name="Slide Number Placeholder 8"/>
           <p:cNvSpPr>
             <a:spLocks noGrp="1"/>
           </p:cNvSpPr>
@@ -1890,7 +4420,7 @@
     </p:spTree>
     <p:extLst>
       <p:ext uri="{BB962C8B-B14F-4D97-AF65-F5344CB8AC3E}">
-        <p14:creationId xmlns:p14="http://schemas.microsoft.com/office/powerpoint/2010/main" val="2522825942"/>
+        <p14:creationId xmlns:p14="http://schemas.microsoft.com/office/powerpoint/2010/main" val="3810216224"/>
       </p:ext>
     </p:extLst>
   </p:cSld>
@@ -1919,7 +4449,7 @@
       </p:grpSpPr>
       <p:sp>
         <p:nvSpPr>
-          <p:cNvPr id="6" name="Title 5"/>
+          <p:cNvPr id="2" name="Title 1"/>
           <p:cNvSpPr>
             <a:spLocks noGrp="1"/>
           </p:cNvSpPr>
@@ -1942,7 +4472,7 @@
       </p:sp>
       <p:sp>
         <p:nvSpPr>
-          <p:cNvPr id="2" name="Date Placeholder 1"/>
+          <p:cNvPr id="3" name="Date Placeholder 2"/>
           <p:cNvSpPr>
             <a:spLocks noGrp="1"/>
           </p:cNvSpPr>
@@ -1965,7 +4495,7 @@
       </p:sp>
       <p:sp>
         <p:nvSpPr>
-          <p:cNvPr id="7" name="Footer Placeholder 6"/>
+          <p:cNvPr id="4" name="Footer Placeholder 3"/>
           <p:cNvSpPr>
             <a:spLocks noGrp="1"/>
           </p:cNvSpPr>
@@ -1984,7 +4514,7 @@
       </p:sp>
       <p:sp>
         <p:nvSpPr>
-          <p:cNvPr id="8" name="Slide Number Placeholder 7"/>
+          <p:cNvPr id="5" name="Slide Number Placeholder 4"/>
           <p:cNvSpPr>
             <a:spLocks noGrp="1"/>
           </p:cNvSpPr>
@@ -2008,7 +4538,7 @@
     </p:spTree>
     <p:extLst>
       <p:ext uri="{BB962C8B-B14F-4D97-AF65-F5344CB8AC3E}">
-        <p14:creationId xmlns:p14="http://schemas.microsoft.com/office/powerpoint/2010/main" val="914816806"/>
+        <p14:creationId xmlns:p14="http://schemas.microsoft.com/office/powerpoint/2010/main" val="801083126"/>
       </p:ext>
     </p:extLst>
   </p:cSld>
@@ -2019,7 +4549,7 @@
 </file>
 
 <file path=ppt/slideLayouts/slideLayout7.xml><?xml version="1.0" encoding="utf-8"?>
-<p:sldLayout xmlns:a="http://schemas.openxmlformats.org/drawingml/2006/main" xmlns:r="http://schemas.openxmlformats.org/officeDocument/2006/relationships" xmlns:p="http://schemas.openxmlformats.org/presentationml/2006/main" showMasterSp="0" type="blank" preserve="1">
+<p:sldLayout xmlns:a="http://schemas.openxmlformats.org/drawingml/2006/main" xmlns:r="http://schemas.openxmlformats.org/officeDocument/2006/relationships" xmlns:p="http://schemas.openxmlformats.org/presentationml/2006/main" type="blank" preserve="1">
   <p:cSld name="Leeg">
     <p:spTree>
       <p:nvGrpSpPr>
@@ -2037,7 +4567,7 @@
       </p:grpSpPr>
       <p:sp>
         <p:nvSpPr>
-          <p:cNvPr id="5" name="Date Placeholder 4"/>
+          <p:cNvPr id="2" name="Date Placeholder 1"/>
           <p:cNvSpPr>
             <a:spLocks noGrp="1"/>
           </p:cNvSpPr>
@@ -2060,7 +4590,7 @@
       </p:sp>
       <p:sp>
         <p:nvSpPr>
-          <p:cNvPr id="6" name="Footer Placeholder 5"/>
+          <p:cNvPr id="3" name="Footer Placeholder 2"/>
           <p:cNvSpPr>
             <a:spLocks noGrp="1"/>
           </p:cNvSpPr>
@@ -2079,7 +4609,7 @@
       </p:sp>
       <p:sp>
         <p:nvSpPr>
-          <p:cNvPr id="7" name="Slide Number Placeholder 6"/>
+          <p:cNvPr id="4" name="Slide Number Placeholder 3"/>
           <p:cNvSpPr>
             <a:spLocks noGrp="1"/>
           </p:cNvSpPr>
@@ -2103,7 +4633,7 @@
     </p:spTree>
     <p:extLst>
       <p:ext uri="{BB962C8B-B14F-4D97-AF65-F5344CB8AC3E}">
-        <p14:creationId xmlns:p14="http://schemas.microsoft.com/office/powerpoint/2010/main" val="3426347373"/>
+        <p14:creationId xmlns:p14="http://schemas.microsoft.com/office/powerpoint/2010/main" val="3008888725"/>
       </p:ext>
     </p:extLst>
   </p:cSld>
@@ -2142,17 +4672,15 @@
         </p:nvSpPr>
         <p:spPr>
           <a:xfrm>
-            <a:off x="256032" y="1143000"/>
-            <a:ext cx="2834640" cy="2377440"/>
-          </a:xfrm>
-        </p:spPr>
-        <p:txBody>
-          <a:bodyPr anchor="b">
-            <a:normAutofit/>
-          </a:bodyPr>
+            <a:off x="685800" y="1524000"/>
+            <a:ext cx="4114800" cy="1600200"/>
+          </a:xfrm>
+        </p:spPr>
+        <p:txBody>
+          <a:bodyPr anchor="b"/>
           <a:lstStyle>
-            <a:lvl1pPr>
-              <a:defRPr sz="3200" b="0" baseline="0"/>
+            <a:lvl1pPr algn="l">
+              <a:defRPr sz="3200"/>
             </a:lvl1pPr>
           </a:lstStyle>
           <a:p>
@@ -2176,39 +4704,105 @@
         </p:nvSpPr>
         <p:spPr>
           <a:xfrm>
-            <a:off x="3867912" y="868680"/>
-            <a:ext cx="7315200" cy="5120640"/>
+            <a:off x="4995582" y="746759"/>
+            <a:ext cx="6510618" cy="5471925"/>
+          </a:xfrm>
+        </p:spPr>
+        <p:txBody>
+          <a:bodyPr anchor="ctr"/>
+          <a:lstStyle/>
+          <a:p>
+            <a:pPr lvl="0"/>
+            <a:r>
+              <a:rPr lang="nl-NL"/>
+              <a:t>Klikken om de tekststijl van het model te bewerken</a:t>
+            </a:r>
+          </a:p>
+          <a:p>
+            <a:pPr lvl="1"/>
+            <a:r>
+              <a:rPr lang="nl-NL"/>
+              <a:t>Tweede niveau</a:t>
+            </a:r>
+          </a:p>
+          <a:p>
+            <a:pPr lvl="2"/>
+            <a:r>
+              <a:rPr lang="nl-NL"/>
+              <a:t>Derde niveau</a:t>
+            </a:r>
+          </a:p>
+          <a:p>
+            <a:pPr lvl="3"/>
+            <a:r>
+              <a:rPr lang="nl-NL"/>
+              <a:t>Vierde niveau</a:t>
+            </a:r>
+          </a:p>
+          <a:p>
+            <a:pPr lvl="4"/>
+            <a:r>
+              <a:rPr lang="nl-NL"/>
+              <a:t>Vijfde niveau</a:t>
+            </a:r>
+            <a:endParaRPr lang="en-US" dirty="0"/>
+          </a:p>
+        </p:txBody>
+      </p:sp>
+      <p:sp>
+        <p:nvSpPr>
+          <p:cNvPr id="4" name="Text Placeholder 3"/>
+          <p:cNvSpPr>
+            <a:spLocks noGrp="1"/>
+          </p:cNvSpPr>
+          <p:nvPr>
+            <p:ph type="body" sz="half" idx="2"/>
+          </p:nvPr>
+        </p:nvSpPr>
+        <p:spPr>
+          <a:xfrm>
+            <a:off x="685800" y="3124199"/>
+            <a:ext cx="4114800" cy="3094485"/>
           </a:xfrm>
         </p:spPr>
         <p:txBody>
           <a:bodyPr/>
           <a:lstStyle>
-            <a:lvl1pPr>
-              <a:defRPr sz="2000"/>
+            <a:lvl1pPr marL="0" indent="0">
+              <a:buNone/>
+              <a:defRPr sz="1600"/>
             </a:lvl1pPr>
-            <a:lvl2pPr>
-              <a:defRPr sz="1800"/>
+            <a:lvl2pPr marL="457200" indent="0">
+              <a:buNone/>
+              <a:defRPr sz="1400"/>
             </a:lvl2pPr>
-            <a:lvl3pPr>
-              <a:defRPr sz="1600"/>
+            <a:lvl3pPr marL="914400" indent="0">
+              <a:buNone/>
+              <a:defRPr sz="1200"/>
             </a:lvl3pPr>
-            <a:lvl4pPr>
-              <a:defRPr sz="1400"/>
+            <a:lvl4pPr marL="1371600" indent="0">
+              <a:buNone/>
+              <a:defRPr sz="1000"/>
             </a:lvl4pPr>
-            <a:lvl5pPr>
-              <a:defRPr sz="1400"/>
+            <a:lvl5pPr marL="1828800" indent="0">
+              <a:buNone/>
+              <a:defRPr sz="1000"/>
             </a:lvl5pPr>
-            <a:lvl6pPr>
-              <a:defRPr sz="1400"/>
+            <a:lvl6pPr marL="2286000" indent="0">
+              <a:buNone/>
+              <a:defRPr sz="1000"/>
             </a:lvl6pPr>
-            <a:lvl7pPr>
-              <a:defRPr sz="1400"/>
+            <a:lvl7pPr marL="2743200" indent="0">
+              <a:buNone/>
+              <a:defRPr sz="1000"/>
             </a:lvl7pPr>
-            <a:lvl8pPr>
-              <a:defRPr sz="1400"/>
+            <a:lvl8pPr marL="3200400" indent="0">
+              <a:buNone/>
+              <a:defRPr sz="1000"/>
             </a:lvl8pPr>
-            <a:lvl9pPr>
-              <a:defRPr sz="1400"/>
+            <a:lvl9pPr marL="3657600" indent="0">
+              <a:buNone/>
+              <a:defRPr sz="1000"/>
             </a:lvl9pPr>
           </a:lstStyle>
           <a:p>
@@ -2218,114 +4812,11 @@
               <a:t>Klikken om de tekststijl van het model te bewerken</a:t>
             </a:r>
           </a:p>
-          <a:p>
-            <a:pPr lvl="1"/>
-            <a:r>
-              <a:rPr lang="nl-NL"/>
-              <a:t>Tweede niveau</a:t>
-            </a:r>
-          </a:p>
-          <a:p>
-            <a:pPr lvl="2"/>
-            <a:r>
-              <a:rPr lang="nl-NL"/>
-              <a:t>Derde niveau</a:t>
-            </a:r>
-          </a:p>
-          <a:p>
-            <a:pPr lvl="3"/>
-            <a:r>
-              <a:rPr lang="nl-NL"/>
-              <a:t>Vierde niveau</a:t>
-            </a:r>
-          </a:p>
-          <a:p>
-            <a:pPr lvl="4"/>
-            <a:r>
-              <a:rPr lang="nl-NL"/>
-              <a:t>Vijfde niveau</a:t>
-            </a:r>
-            <a:endParaRPr lang="en-US" dirty="0"/>
-          </a:p>
-        </p:txBody>
-      </p:sp>
-      <p:sp>
-        <p:nvSpPr>
-          <p:cNvPr id="4" name="Text Placeholder 3"/>
-          <p:cNvSpPr>
-            <a:spLocks noGrp="1"/>
-          </p:cNvSpPr>
-          <p:nvPr>
-            <p:ph type="body" sz="half" idx="2"/>
-          </p:nvPr>
-        </p:nvSpPr>
-        <p:spPr>
-          <a:xfrm>
-            <a:off x="256032" y="3494176"/>
-            <a:ext cx="2834640" cy="2321990"/>
-          </a:xfrm>
-        </p:spPr>
-        <p:txBody>
-          <a:bodyPr anchor="t">
-            <a:normAutofit/>
-          </a:bodyPr>
-          <a:lstStyle>
-            <a:lvl1pPr marL="0" indent="0">
-              <a:lnSpc>
-                <a:spcPct val="100000"/>
-              </a:lnSpc>
-              <a:buNone/>
-              <a:defRPr sz="1400">
-                <a:solidFill>
-                  <a:srgbClr val="FFFFFF"/>
-                </a:solidFill>
-              </a:defRPr>
-            </a:lvl1pPr>
-            <a:lvl2pPr marL="457200" indent="0">
-              <a:buNone/>
-              <a:defRPr sz="1200"/>
-            </a:lvl2pPr>
-            <a:lvl3pPr marL="914400" indent="0">
-              <a:buNone/>
-              <a:defRPr sz="1000"/>
-            </a:lvl3pPr>
-            <a:lvl4pPr marL="1371600" indent="0">
-              <a:buNone/>
-              <a:defRPr sz="900"/>
-            </a:lvl4pPr>
-            <a:lvl5pPr marL="1828800" indent="0">
-              <a:buNone/>
-              <a:defRPr sz="900"/>
-            </a:lvl5pPr>
-            <a:lvl6pPr marL="2286000" indent="0">
-              <a:buNone/>
-              <a:defRPr sz="900"/>
-            </a:lvl6pPr>
-            <a:lvl7pPr marL="2743200" indent="0">
-              <a:buNone/>
-              <a:defRPr sz="900"/>
-            </a:lvl7pPr>
-            <a:lvl8pPr marL="3200400" indent="0">
-              <a:buNone/>
-              <a:defRPr sz="900"/>
-            </a:lvl8pPr>
-            <a:lvl9pPr marL="3657600" indent="0">
-              <a:buNone/>
-              <a:defRPr sz="900"/>
-            </a:lvl9pPr>
-          </a:lstStyle>
-          <a:p>
-            <a:pPr lvl="0"/>
-            <a:r>
-              <a:rPr lang="nl-NL"/>
-              <a:t>Klikken om de tekststijl van het model te bewerken</a:t>
-            </a:r>
-          </a:p>
-        </p:txBody>
-      </p:sp>
-      <p:sp>
-        <p:nvSpPr>
-          <p:cNvPr id="8" name="Date Placeholder 7"/>
+        </p:txBody>
+      </p:sp>
+      <p:sp>
+        <p:nvSpPr>
+          <p:cNvPr id="5" name="Date Placeholder 4"/>
           <p:cNvSpPr>
             <a:spLocks noGrp="1"/>
           </p:cNvSpPr>
@@ -2348,7 +4839,7 @@
       </p:sp>
       <p:sp>
         <p:nvSpPr>
-          <p:cNvPr id="9" name="Footer Placeholder 8"/>
+          <p:cNvPr id="6" name="Footer Placeholder 5"/>
           <p:cNvSpPr>
             <a:spLocks noGrp="1"/>
           </p:cNvSpPr>
@@ -2367,7 +4858,7 @@
       </p:sp>
       <p:sp>
         <p:nvSpPr>
-          <p:cNvPr id="10" name="Slide Number Placeholder 9"/>
+          <p:cNvPr id="7" name="Slide Number Placeholder 6"/>
           <p:cNvSpPr>
             <a:spLocks noGrp="1"/>
           </p:cNvSpPr>
@@ -2391,7 +4882,7 @@
     </p:spTree>
     <p:extLst>
       <p:ext uri="{BB962C8B-B14F-4D97-AF65-F5344CB8AC3E}">
-        <p14:creationId xmlns:p14="http://schemas.microsoft.com/office/powerpoint/2010/main" val="3381133221"/>
+        <p14:creationId xmlns:p14="http://schemas.microsoft.com/office/powerpoint/2010/main" val="4182816637"/>
       </p:ext>
     </p:extLst>
   </p:cSld>
@@ -2430,17 +4921,15 @@
         </p:nvSpPr>
         <p:spPr>
           <a:xfrm>
-            <a:off x="256032" y="1143000"/>
-            <a:ext cx="2834640" cy="2377440"/>
-          </a:xfrm>
-        </p:spPr>
-        <p:txBody>
-          <a:bodyPr anchor="b">
-            <a:normAutofit/>
-          </a:bodyPr>
+            <a:off x="685800" y="1524000"/>
+            <a:ext cx="6873240" cy="1600200"/>
+          </a:xfrm>
+        </p:spPr>
+        <p:txBody>
+          <a:bodyPr anchor="b"/>
           <a:lstStyle>
-            <a:lvl1pPr>
-              <a:defRPr sz="3200" b="0"/>
+            <a:lvl1pPr algn="l">
+              <a:defRPr sz="3200"/>
             </a:lvl1pPr>
           </a:lstStyle>
           <a:p>
@@ -2464,14 +4953,9 @@
         </p:nvSpPr>
         <p:spPr>
           <a:xfrm>
-            <a:off x="3570644" y="767419"/>
-            <a:ext cx="8115230" cy="5330952"/>
-          </a:xfrm>
-          <a:solidFill>
-            <a:schemeClr val="bg1">
-              <a:lumMod val="75000"/>
-            </a:schemeClr>
-          </a:solidFill>
+            <a:off x="7861238" y="751241"/>
+            <a:ext cx="3644962" cy="5467443"/>
+          </a:xfrm>
         </p:spPr>
         <p:txBody>
           <a:bodyPr anchor="t"/>
@@ -2534,57 +5018,48 @@
         </p:nvSpPr>
         <p:spPr>
           <a:xfrm>
-            <a:off x="256032" y="3493008"/>
-            <a:ext cx="2834640" cy="2322576"/>
-          </a:xfrm>
-        </p:spPr>
-        <p:txBody>
-          <a:bodyPr anchor="t">
-            <a:normAutofit/>
-          </a:bodyPr>
+            <a:off x="685800" y="3124199"/>
+            <a:ext cx="6873240" cy="3094485"/>
+          </a:xfrm>
+        </p:spPr>
+        <p:txBody>
+          <a:bodyPr/>
           <a:lstStyle>
             <a:lvl1pPr marL="0" indent="0">
-              <a:lnSpc>
-                <a:spcPct val="100000"/>
-              </a:lnSpc>
-              <a:buNone/>
-              <a:defRPr sz="1400">
-                <a:solidFill>
-                  <a:srgbClr val="FFFFFF"/>
-                </a:solidFill>
-              </a:defRPr>
+              <a:buNone/>
+              <a:defRPr sz="1600"/>
             </a:lvl1pPr>
             <a:lvl2pPr marL="457200" indent="0">
               <a:buNone/>
-              <a:defRPr sz="1200"/>
+              <a:defRPr sz="1400"/>
             </a:lvl2pPr>
             <a:lvl3pPr marL="914400" indent="0">
               <a:buNone/>
-              <a:defRPr sz="1000"/>
+              <a:defRPr sz="1200"/>
             </a:lvl3pPr>
             <a:lvl4pPr marL="1371600" indent="0">
               <a:buNone/>
-              <a:defRPr sz="900"/>
+              <a:defRPr sz="1000"/>
             </a:lvl4pPr>
             <a:lvl5pPr marL="1828800" indent="0">
               <a:buNone/>
-              <a:defRPr sz="900"/>
+              <a:defRPr sz="1000"/>
             </a:lvl5pPr>
             <a:lvl6pPr marL="2286000" indent="0">
               <a:buNone/>
-              <a:defRPr sz="900"/>
+              <a:defRPr sz="1000"/>
             </a:lvl6pPr>
             <a:lvl7pPr marL="2743200" indent="0">
               <a:buNone/>
-              <a:defRPr sz="900"/>
+              <a:defRPr sz="1000"/>
             </a:lvl7pPr>
             <a:lvl8pPr marL="3200400" indent="0">
               <a:buNone/>
-              <a:defRPr sz="900"/>
+              <a:defRPr sz="1000"/>
             </a:lvl8pPr>
             <a:lvl9pPr marL="3657600" indent="0">
               <a:buNone/>
-              <a:defRPr sz="900"/>
+              <a:defRPr sz="1000"/>
             </a:lvl9pPr>
           </a:lstStyle>
           <a:p>
@@ -2598,7 +5073,7 @@
       </p:sp>
       <p:sp>
         <p:nvSpPr>
-          <p:cNvPr id="8" name="Date Placeholder 7"/>
+          <p:cNvPr id="5" name="Date Placeholder 4"/>
           <p:cNvSpPr>
             <a:spLocks noGrp="1"/>
           </p:cNvSpPr>
@@ -2621,7 +5096,7 @@
       </p:sp>
       <p:sp>
         <p:nvSpPr>
-          <p:cNvPr id="9" name="Footer Placeholder 8"/>
+          <p:cNvPr id="6" name="Footer Placeholder 5"/>
           <p:cNvSpPr>
             <a:spLocks noGrp="1"/>
           </p:cNvSpPr>
@@ -2629,12 +5104,7 @@
             <p:ph type="ftr" sz="quarter" idx="11"/>
           </p:nvPr>
         </p:nvSpPr>
-        <p:spPr>
-          <a:xfrm>
-            <a:off x="3499101" y="6356350"/>
-            <a:ext cx="5911517" cy="365125"/>
-          </a:xfrm>
-        </p:spPr>
+        <p:spPr/>
         <p:txBody>
           <a:bodyPr/>
           <a:lstStyle/>
@@ -2645,7 +5115,7 @@
       </p:sp>
       <p:sp>
         <p:nvSpPr>
-          <p:cNvPr id="10" name="Slide Number Placeholder 9"/>
+          <p:cNvPr id="7" name="Slide Number Placeholder 6"/>
           <p:cNvSpPr>
             <a:spLocks noGrp="1"/>
           </p:cNvSpPr>
@@ -2669,7 +5139,7 @@
     </p:spTree>
     <p:extLst>
       <p:ext uri="{BB962C8B-B14F-4D97-AF65-F5344CB8AC3E}">
-        <p14:creationId xmlns:p14="http://schemas.microsoft.com/office/powerpoint/2010/main" val="3893709544"/>
+        <p14:creationId xmlns:p14="http://schemas.microsoft.com/office/powerpoint/2010/main" val="2275808236"/>
       </p:ext>
     </p:extLst>
   </p:cSld>
@@ -2701,44 +5171,36 @@
           <a:chExt cx="0" cy="0"/>
         </a:xfrm>
       </p:grpSpPr>
-      <p:sp>
-        <p:nvSpPr>
-          <p:cNvPr id="7" name="Rectangle 6"/>
-          <p:cNvSpPr/>
+      <p:pic>
+        <p:nvPicPr>
+          <p:cNvPr id="7" name="Picture 6" descr="C0-HD-TOP.png"/>
+          <p:cNvPicPr>
+            <a:picLocks noChangeAspect="1"/>
+          </p:cNvPicPr>
           <p:nvPr/>
-        </p:nvSpPr>
-        <p:spPr>
-          <a:xfrm>
-            <a:off x="1" y="758952"/>
-            <a:ext cx="3443590" cy="5330952"/>
+        </p:nvPicPr>
+        <p:blipFill>
+          <a:blip r:embed="rId19">
+            <a:extLst>
+              <a:ext uri="{28A0092B-C50C-407E-A947-70E740481C1C}">
+                <a14:useLocalDpi xmlns:a14="http://schemas.microsoft.com/office/drawing/2010/main" val="0"/>
+              </a:ext>
+            </a:extLst>
+          </a:blip>
+          <a:stretch>
+            <a:fillRect/>
+          </a:stretch>
+        </p:blipFill>
+        <p:spPr>
+          <a:xfrm>
+            <a:off x="0" y="0"/>
+            <a:ext cx="12192000" cy="1441450"/>
           </a:xfrm>
           <a:prstGeom prst="rect">
             <a:avLst/>
           </a:prstGeom>
-          <a:solidFill>
-            <a:schemeClr val="accent1"/>
-          </a:solidFill>
-          <a:ln>
-            <a:noFill/>
-          </a:ln>
-        </p:spPr>
-        <p:style>
-          <a:lnRef idx="2">
-            <a:schemeClr val="accent1">
-              <a:shade val="50000"/>
-            </a:schemeClr>
-          </a:lnRef>
-          <a:fillRef idx="1">
-            <a:schemeClr val="accent1"/>
-          </a:fillRef>
-          <a:effectRef idx="0">
-            <a:schemeClr val="accent1"/>
-          </a:effectRef>
-          <a:fontRef idx="minor">
-            <a:schemeClr val="lt1"/>
-          </a:fontRef>
-        </p:style>
-      </p:sp>
+        </p:spPr>
+      </p:pic>
       <p:sp>
         <p:nvSpPr>
           <p:cNvPr id="2" name="Title Placeholder 1"/>
@@ -2751,8 +5213,8 @@
         </p:nvSpPr>
         <p:spPr>
           <a:xfrm>
-            <a:off x="252919" y="1123837"/>
-            <a:ext cx="2947482" cy="4601183"/>
+            <a:off x="2895600" y="764373"/>
+            <a:ext cx="8610600" cy="1293028"/>
           </a:xfrm>
           <a:prstGeom prst="rect">
             <a:avLst/>
@@ -2774,134 +5236,93 @@
       </p:sp>
       <p:sp>
         <p:nvSpPr>
-          <p:cNvPr id="38" name="Rectangle 37"/>
-          <p:cNvSpPr/>
-          <p:nvPr/>
-        </p:nvSpPr>
-        <p:spPr>
-          <a:xfrm>
-            <a:off x="11815864" y="758952"/>
-            <a:ext cx="384048" cy="5330952"/>
+          <p:cNvPr id="3" name="Text Placeholder 2"/>
+          <p:cNvSpPr>
+            <a:spLocks noGrp="1"/>
+          </p:cNvSpPr>
+          <p:nvPr>
+            <p:ph type="body" idx="1"/>
+          </p:nvPr>
+        </p:nvSpPr>
+        <p:spPr>
+          <a:xfrm>
+            <a:off x="685800" y="2194560"/>
+            <a:ext cx="10820400" cy="4024125"/>
           </a:xfrm>
           <a:prstGeom prst="rect">
             <a:avLst/>
           </a:prstGeom>
-          <a:solidFill>
-            <a:srgbClr val="C8C8C8">
-              <a:alpha val="49804"/>
-            </a:srgbClr>
-          </a:solidFill>
-          <a:ln>
-            <a:noFill/>
-          </a:ln>
-        </p:spPr>
-        <p:style>
-          <a:lnRef idx="2">
-            <a:schemeClr val="accent1">
-              <a:shade val="50000"/>
-            </a:schemeClr>
-          </a:lnRef>
-          <a:fillRef idx="1">
-            <a:schemeClr val="accent1"/>
-          </a:fillRef>
-          <a:effectRef idx="0">
-            <a:schemeClr val="accent1"/>
-          </a:effectRef>
-          <a:fontRef idx="minor">
-            <a:schemeClr val="lt1"/>
-          </a:fontRef>
-        </p:style>
-      </p:sp>
-      <p:sp>
-        <p:nvSpPr>
-          <p:cNvPr id="3" name="Text Placeholder 2"/>
-          <p:cNvSpPr>
-            <a:spLocks noGrp="1"/>
-          </p:cNvSpPr>
-          <p:nvPr>
-            <p:ph type="body" idx="1"/>
-          </p:nvPr>
-        </p:nvSpPr>
-        <p:spPr>
-          <a:xfrm>
-            <a:off x="3869268" y="864108"/>
-            <a:ext cx="7315200" cy="5120640"/>
+        </p:spPr>
+        <p:txBody>
+          <a:bodyPr vert="horz" lIns="91440" tIns="45720" rIns="91440" bIns="45720" rtlCol="0">
+            <a:normAutofit/>
+          </a:bodyPr>
+          <a:lstStyle/>
+          <a:p>
+            <a:pPr lvl="0"/>
+            <a:r>
+              <a:rPr lang="nl-NL"/>
+              <a:t>Klikken om de tekststijl van het model te bewerken</a:t>
+            </a:r>
+          </a:p>
+          <a:p>
+            <a:pPr lvl="1"/>
+            <a:r>
+              <a:rPr lang="nl-NL"/>
+              <a:t>Tweede niveau</a:t>
+            </a:r>
+          </a:p>
+          <a:p>
+            <a:pPr lvl="2"/>
+            <a:r>
+              <a:rPr lang="nl-NL"/>
+              <a:t>Derde niveau</a:t>
+            </a:r>
+          </a:p>
+          <a:p>
+            <a:pPr lvl="3"/>
+            <a:r>
+              <a:rPr lang="nl-NL"/>
+              <a:t>Vierde niveau</a:t>
+            </a:r>
+          </a:p>
+          <a:p>
+            <a:pPr lvl="4"/>
+            <a:r>
+              <a:rPr lang="nl-NL"/>
+              <a:t>Vijfde niveau</a:t>
+            </a:r>
+            <a:endParaRPr lang="en-US" dirty="0"/>
+          </a:p>
+        </p:txBody>
+      </p:sp>
+      <p:sp>
+        <p:nvSpPr>
+          <p:cNvPr id="4" name="Date Placeholder 3"/>
+          <p:cNvSpPr>
+            <a:spLocks noGrp="1"/>
+          </p:cNvSpPr>
+          <p:nvPr>
+            <p:ph type="dt" sz="half" idx="2"/>
+          </p:nvPr>
+        </p:nvSpPr>
+        <p:spPr>
+          <a:xfrm>
+            <a:off x="8595360" y="6356350"/>
+            <a:ext cx="2910840" cy="365125"/>
           </a:xfrm>
           <a:prstGeom prst="rect">
             <a:avLst/>
           </a:prstGeom>
         </p:spPr>
         <p:txBody>
-          <a:bodyPr vert="horz" lIns="91440" tIns="45720" rIns="91440" bIns="45720" rtlCol="0" anchor="ctr">
-            <a:normAutofit/>
-          </a:bodyPr>
-          <a:lstStyle/>
-          <a:p>
-            <a:pPr lvl="0"/>
-            <a:r>
-              <a:rPr lang="nl-NL"/>
-              <a:t>Klikken om de tekststijl van het model te bewerken</a:t>
-            </a:r>
-          </a:p>
-          <a:p>
-            <a:pPr lvl="1"/>
-            <a:r>
-              <a:rPr lang="nl-NL"/>
-              <a:t>Tweede niveau</a:t>
-            </a:r>
-          </a:p>
-          <a:p>
-            <a:pPr lvl="2"/>
-            <a:r>
-              <a:rPr lang="nl-NL"/>
-              <a:t>Derde niveau</a:t>
-            </a:r>
-          </a:p>
-          <a:p>
-            <a:pPr lvl="3"/>
-            <a:r>
-              <a:rPr lang="nl-NL"/>
-              <a:t>Vierde niveau</a:t>
-            </a:r>
-          </a:p>
-          <a:p>
-            <a:pPr lvl="4"/>
-            <a:r>
-              <a:rPr lang="nl-NL"/>
-              <a:t>Vijfde niveau</a:t>
-            </a:r>
-            <a:endParaRPr lang="en-US" dirty="0"/>
-          </a:p>
-        </p:txBody>
-      </p:sp>
-      <p:sp>
-        <p:nvSpPr>
-          <p:cNvPr id="4" name="Date Placeholder 3"/>
-          <p:cNvSpPr>
-            <a:spLocks noGrp="1"/>
-          </p:cNvSpPr>
-          <p:nvPr>
-            <p:ph type="dt" sz="half" idx="2"/>
-          </p:nvPr>
-        </p:nvSpPr>
-        <p:spPr>
-          <a:xfrm>
-            <a:off x="262465" y="6356350"/>
-            <a:ext cx="2743200" cy="365125"/>
-          </a:xfrm>
-          <a:prstGeom prst="rect">
-            <a:avLst/>
-          </a:prstGeom>
-        </p:spPr>
-        <p:txBody>
           <a:bodyPr vert="horz" lIns="91440" tIns="45720" rIns="91440" bIns="45720" rtlCol="0" anchor="ctr"/>
           <a:lstStyle>
-            <a:lvl1pPr algn="l">
-              <a:defRPr sz="1100">
+            <a:lvl1pPr algn="r">
+              <a:defRPr sz="1050">
                 <a:solidFill>
                   <a:schemeClr val="tx1">
-                    <a:lumMod val="50000"/>
-                    <a:lumOff val="50000"/>
+                    <a:tint val="75000"/>
                   </a:schemeClr>
                 </a:solidFill>
               </a:defRPr>
@@ -2928,8 +5349,8 @@
         </p:nvSpPr>
         <p:spPr>
           <a:xfrm>
-            <a:off x="3869268" y="6356350"/>
-            <a:ext cx="5911517" cy="365125"/>
+            <a:off x="685800" y="6355845"/>
+            <a:ext cx="7772400" cy="365125"/>
           </a:xfrm>
           <a:prstGeom prst="rect">
             <a:avLst/>
@@ -2939,11 +5360,10 @@
           <a:bodyPr vert="horz" lIns="91440" tIns="45720" rIns="91440" bIns="45720" rtlCol="0" anchor="ctr"/>
           <a:lstStyle>
             <a:lvl1pPr algn="l">
-              <a:defRPr sz="1100">
+              <a:defRPr sz="1050">
                 <a:solidFill>
                   <a:schemeClr val="tx1">
-                    <a:lumMod val="50000"/>
-                    <a:lumOff val="50000"/>
+                    <a:tint val="75000"/>
                   </a:schemeClr>
                 </a:solidFill>
               </a:defRPr>
@@ -2966,8 +5386,8 @@
         </p:nvSpPr>
         <p:spPr>
           <a:xfrm>
-            <a:off x="10634135" y="6356350"/>
-            <a:ext cx="1530927" cy="365125"/>
+            <a:off x="8763000" y="381000"/>
+            <a:ext cx="2743200" cy="365125"/>
           </a:xfrm>
           <a:prstGeom prst="rect">
             <a:avLst/>
@@ -2977,9 +5397,11 @@
           <a:bodyPr vert="horz" lIns="91440" tIns="45720" rIns="91440" bIns="45720" rtlCol="0" anchor="ctr"/>
           <a:lstStyle>
             <a:lvl1pPr algn="r">
-              <a:defRPr sz="1200" b="1">
+              <a:defRPr sz="1050">
                 <a:solidFill>
-                  <a:schemeClr val="accent1"/>
+                  <a:schemeClr val="tx1">
+                    <a:tint val="75000"/>
+                  </a:schemeClr>
                 </a:solidFill>
               </a:defRPr>
             </a:lvl1pPr>
@@ -2996,27 +5418,33 @@
     </p:spTree>
     <p:extLst>
       <p:ext uri="{BB962C8B-B14F-4D97-AF65-F5344CB8AC3E}">
-        <p14:creationId xmlns:p14="http://schemas.microsoft.com/office/powerpoint/2010/main" val="2661546120"/>
+        <p14:creationId xmlns:p14="http://schemas.microsoft.com/office/powerpoint/2010/main" val="4065442804"/>
       </p:ext>
     </p:extLst>
   </p:cSld>
-  <p:clrMap bg1="lt1" tx1="dk1" bg2="lt2" tx2="dk2" accent1="accent1" accent2="accent2" accent3="accent3" accent4="accent4" accent5="accent5" accent6="accent6" hlink="hlink" folHlink="folHlink"/>
+  <p:clrMap bg1="dk1" tx1="lt1" bg2="dk2" tx2="lt2" accent1="accent1" accent2="accent2" accent3="accent3" accent4="accent4" accent5="accent5" accent6="accent6" hlink="hlink" folHlink="folHlink"/>
   <p:sldLayoutIdLst>
-    <p:sldLayoutId id="2147483661" r:id="rId1"/>
-    <p:sldLayoutId id="2147483662" r:id="rId2"/>
-    <p:sldLayoutId id="2147483663" r:id="rId3"/>
-    <p:sldLayoutId id="2147483664" r:id="rId4"/>
-    <p:sldLayoutId id="2147483665" r:id="rId5"/>
-    <p:sldLayoutId id="2147483666" r:id="rId6"/>
-    <p:sldLayoutId id="2147483667" r:id="rId7"/>
-    <p:sldLayoutId id="2147483668" r:id="rId8"/>
-    <p:sldLayoutId id="2147483669" r:id="rId9"/>
-    <p:sldLayoutId id="2147483670" r:id="rId10"/>
-    <p:sldLayoutId id="2147483671" r:id="rId11"/>
+    <p:sldLayoutId id="2147483673" r:id="rId1"/>
+    <p:sldLayoutId id="2147483674" r:id="rId2"/>
+    <p:sldLayoutId id="2147483675" r:id="rId3"/>
+    <p:sldLayoutId id="2147483676" r:id="rId4"/>
+    <p:sldLayoutId id="2147483677" r:id="rId5"/>
+    <p:sldLayoutId id="2147483678" r:id="rId6"/>
+    <p:sldLayoutId id="2147483679" r:id="rId7"/>
+    <p:sldLayoutId id="2147483680" r:id="rId8"/>
+    <p:sldLayoutId id="2147483681" r:id="rId9"/>
+    <p:sldLayoutId id="2147483682" r:id="rId10"/>
+    <p:sldLayoutId id="2147483683" r:id="rId11"/>
+    <p:sldLayoutId id="2147483684" r:id="rId12"/>
+    <p:sldLayoutId id="2147483685" r:id="rId13"/>
+    <p:sldLayoutId id="2147483686" r:id="rId14"/>
+    <p:sldLayoutId id="2147483687" r:id="rId15"/>
+    <p:sldLayoutId id="2147483688" r:id="rId16"/>
+    <p:sldLayoutId id="2147483689" r:id="rId17"/>
   </p:sldLayoutIdLst>
   <p:txStyles>
     <p:titleStyle>
-      <a:lvl1pPr algn="l" defTabSz="914400" rtl="0" eaLnBrk="1" latinLnBrk="0" hangingPunct="1">
+      <a:lvl1pPr algn="r" defTabSz="914400" rtl="0" eaLnBrk="1" latinLnBrk="0" hangingPunct="1">
         <a:lnSpc>
           <a:spcPct val="90000"/>
         </a:lnSpc>
@@ -3024,9 +5452,9 @@
           <a:spcPct val="0"/>
         </a:spcBef>
         <a:buNone/>
-        <a:defRPr sz="3600" kern="1200" spc="-60" baseline="0">
+        <a:defRPr sz="4000" kern="1200" cap="all" baseline="0">
           <a:solidFill>
-            <a:srgbClr val="FFFFFF"/>
+            <a:schemeClr val="tx1"/>
           </a:solidFill>
           <a:latin typeface="+mj-lt"/>
           <a:ea typeface="+mj-ea"/>
@@ -3035,132 +5463,90 @@
       </a:lvl1pPr>
     </p:titleStyle>
     <p:bodyStyle>
-      <a:lvl1pPr marL="182880" indent="-182880" algn="l" defTabSz="914400" rtl="0" eaLnBrk="1" latinLnBrk="0" hangingPunct="1">
+      <a:lvl1pPr marL="228600" indent="-228600" algn="l" defTabSz="914400" rtl="0" eaLnBrk="1" latinLnBrk="0" hangingPunct="1">
         <a:lnSpc>
           <a:spcPct val="90000"/>
         </a:lnSpc>
         <a:spcBef>
-          <a:spcPts val="1200"/>
+          <a:spcPts val="1000"/>
         </a:spcBef>
-        <a:buClr>
-          <a:schemeClr val="accent1"/>
-        </a:buClr>
-        <a:buFont typeface="Wingdings 2" pitchFamily="18" charset="2"/>
-        <a:buChar char=""/>
-        <a:defRPr sz="2000" kern="1200">
+        <a:buFont typeface="Arial" panose="020B0604020202020204" pitchFamily="34" charset="0"/>
+        <a:buChar char="•"/>
+        <a:defRPr sz="2200" kern="1200">
           <a:solidFill>
-            <a:schemeClr val="tx1">
-              <a:lumMod val="65000"/>
-              <a:lumOff val="35000"/>
-            </a:schemeClr>
+            <a:schemeClr val="tx1"/>
           </a:solidFill>
           <a:latin typeface="+mn-lt"/>
           <a:ea typeface="+mn-ea"/>
           <a:cs typeface="+mn-cs"/>
         </a:defRPr>
       </a:lvl1pPr>
-      <a:lvl2pPr marL="685800" indent="-182880" algn="l" defTabSz="914400" rtl="0" eaLnBrk="1" latinLnBrk="0" hangingPunct="1">
+      <a:lvl2pPr marL="685800" indent="-228600" algn="l" defTabSz="914400" rtl="0" eaLnBrk="1" latinLnBrk="0" hangingPunct="1">
         <a:lnSpc>
           <a:spcPct val="90000"/>
         </a:lnSpc>
         <a:spcBef>
-          <a:spcPts val="250"/>
+          <a:spcPts val="500"/>
         </a:spcBef>
-        <a:spcAft>
-          <a:spcPts val="250"/>
-        </a:spcAft>
-        <a:buClr>
-          <a:schemeClr val="accent1"/>
-        </a:buClr>
-        <a:buFont typeface="Wingdings 2" pitchFamily="18" charset="2"/>
-        <a:buChar char=""/>
-        <a:defRPr sz="1800" kern="1200">
+        <a:buFont typeface="Arial" panose="020B0604020202020204" pitchFamily="34" charset="0"/>
+        <a:buChar char="•"/>
+        <a:defRPr sz="2000" kern="1200">
           <a:solidFill>
-            <a:schemeClr val="tx1">
-              <a:lumMod val="65000"/>
-              <a:lumOff val="35000"/>
-            </a:schemeClr>
+            <a:schemeClr val="tx1"/>
           </a:solidFill>
           <a:latin typeface="+mn-lt"/>
           <a:ea typeface="+mn-ea"/>
           <a:cs typeface="+mn-cs"/>
         </a:defRPr>
       </a:lvl2pPr>
-      <a:lvl3pPr marL="1143000" indent="-182880" algn="l" defTabSz="914400" rtl="0" eaLnBrk="1" latinLnBrk="0" hangingPunct="1">
+      <a:lvl3pPr marL="1143000" indent="-228600" algn="l" defTabSz="914400" rtl="0" eaLnBrk="1" latinLnBrk="0" hangingPunct="1">
         <a:lnSpc>
           <a:spcPct val="90000"/>
         </a:lnSpc>
         <a:spcBef>
-          <a:spcPts val="250"/>
+          <a:spcPts val="500"/>
         </a:spcBef>
-        <a:spcAft>
-          <a:spcPts val="250"/>
-        </a:spcAft>
-        <a:buClr>
-          <a:schemeClr val="accent1"/>
-        </a:buClr>
-        <a:buFont typeface="Wingdings 2" pitchFamily="18" charset="2"/>
-        <a:buChar char=""/>
-        <a:defRPr sz="1600" kern="1200">
+        <a:buFont typeface="Arial" panose="020B0604020202020204" pitchFamily="34" charset="0"/>
+        <a:buChar char="•"/>
+        <a:defRPr sz="1800" kern="1200">
           <a:solidFill>
-            <a:schemeClr val="tx1">
-              <a:lumMod val="65000"/>
-              <a:lumOff val="35000"/>
-            </a:schemeClr>
+            <a:schemeClr val="tx1"/>
           </a:solidFill>
           <a:latin typeface="+mn-lt"/>
           <a:ea typeface="+mn-ea"/>
           <a:cs typeface="+mn-cs"/>
         </a:defRPr>
       </a:lvl3pPr>
-      <a:lvl4pPr marL="1600200" indent="-182880" algn="l" defTabSz="914400" rtl="0" eaLnBrk="1" latinLnBrk="0" hangingPunct="1">
+      <a:lvl4pPr marL="1600200" indent="-228600" algn="l" defTabSz="914400" rtl="0" eaLnBrk="1" latinLnBrk="0" hangingPunct="1">
         <a:lnSpc>
           <a:spcPct val="90000"/>
         </a:lnSpc>
         <a:spcBef>
-          <a:spcPts val="250"/>
+          <a:spcPts val="500"/>
         </a:spcBef>
-        <a:spcAft>
-          <a:spcPts val="250"/>
-        </a:spcAft>
-        <a:buClr>
-          <a:schemeClr val="accent1"/>
-        </a:buClr>
-        <a:buFont typeface="Wingdings 2" pitchFamily="18" charset="2"/>
-        <a:buChar char=""/>
-        <a:defRPr sz="1400" kern="1200">
+        <a:buFont typeface="Arial" panose="020B0604020202020204" pitchFamily="34" charset="0"/>
+        <a:buChar char="•"/>
+        <a:defRPr sz="1600" kern="1200">
           <a:solidFill>
-            <a:schemeClr val="tx1">
-              <a:lumMod val="65000"/>
-              <a:lumOff val="35000"/>
-            </a:schemeClr>
+            <a:schemeClr val="tx1"/>
           </a:solidFill>
           <a:latin typeface="+mn-lt"/>
           <a:ea typeface="+mn-ea"/>
           <a:cs typeface="+mn-cs"/>
         </a:defRPr>
       </a:lvl4pPr>
-      <a:lvl5pPr marL="2057400" indent="-182880" algn="l" defTabSz="914400" rtl="0" eaLnBrk="1" latinLnBrk="0" hangingPunct="1">
+      <a:lvl5pPr marL="2057400" indent="-228600" algn="l" defTabSz="914400" rtl="0" eaLnBrk="1" latinLnBrk="0" hangingPunct="1">
         <a:lnSpc>
           <a:spcPct val="90000"/>
         </a:lnSpc>
         <a:spcBef>
-          <a:spcPts val="250"/>
+          <a:spcPts val="500"/>
         </a:spcBef>
-        <a:spcAft>
-          <a:spcPts val="250"/>
-        </a:spcAft>
-        <a:buClr>
-          <a:schemeClr val="accent1"/>
-        </a:buClr>
-        <a:buFont typeface="Wingdings 2" pitchFamily="18" charset="2"/>
-        <a:buChar char=""/>
-        <a:defRPr sz="1400" kern="1200">
+        <a:buFont typeface="Arial" panose="020B0604020202020204" pitchFamily="34" charset="0"/>
+        <a:buChar char="•"/>
+        <a:defRPr sz="1600" kern="1200">
           <a:solidFill>
-            <a:schemeClr val="tx1">
-              <a:lumMod val="65000"/>
-              <a:lumOff val="35000"/>
-            </a:schemeClr>
+            <a:schemeClr val="tx1"/>
           </a:solidFill>
           <a:latin typeface="+mn-lt"/>
           <a:ea typeface="+mn-ea"/>
@@ -3172,22 +5558,13 @@
           <a:spcPct val="90000"/>
         </a:lnSpc>
         <a:spcBef>
-          <a:spcPts val="250"/>
+          <a:spcPts val="500"/>
         </a:spcBef>
-        <a:spcAft>
-          <a:spcPts val="250"/>
-        </a:spcAft>
-        <a:buClr>
-          <a:schemeClr val="accent1"/>
-        </a:buClr>
-        <a:buFont typeface="Wingdings 2" pitchFamily="18" charset="2"/>
-        <a:buChar char=""/>
-        <a:defRPr sz="1400" kern="1200">
+        <a:buFont typeface="Arial" panose="020B0604020202020204" pitchFamily="34" charset="0"/>
+        <a:buChar char="•"/>
+        <a:defRPr sz="1600" kern="1200">
           <a:solidFill>
-            <a:schemeClr val="tx1">
-              <a:lumMod val="65000"/>
-              <a:lumOff val="35000"/>
-            </a:schemeClr>
+            <a:schemeClr val="tx1"/>
           </a:solidFill>
           <a:latin typeface="+mn-lt"/>
           <a:ea typeface="+mn-ea"/>
@@ -3199,22 +5576,13 @@
           <a:spcPct val="90000"/>
         </a:lnSpc>
         <a:spcBef>
-          <a:spcPts val="250"/>
+          <a:spcPts val="500"/>
         </a:spcBef>
-        <a:spcAft>
-          <a:spcPts val="250"/>
-        </a:spcAft>
-        <a:buClr>
-          <a:schemeClr val="accent1"/>
-        </a:buClr>
-        <a:buFont typeface="Wingdings 2" pitchFamily="18" charset="2"/>
-        <a:buChar char=""/>
-        <a:defRPr sz="1400" kern="1200">
+        <a:buFont typeface="Arial" panose="020B0604020202020204" pitchFamily="34" charset="0"/>
+        <a:buChar char="•"/>
+        <a:defRPr sz="1600" kern="1200">
           <a:solidFill>
-            <a:schemeClr val="tx1">
-              <a:lumMod val="65000"/>
-              <a:lumOff val="35000"/>
-            </a:schemeClr>
+            <a:schemeClr val="tx1"/>
           </a:solidFill>
           <a:latin typeface="+mn-lt"/>
           <a:ea typeface="+mn-ea"/>
@@ -3226,22 +5594,13 @@
           <a:spcPct val="90000"/>
         </a:lnSpc>
         <a:spcBef>
-          <a:spcPts val="250"/>
+          <a:spcPts val="500"/>
         </a:spcBef>
-        <a:spcAft>
-          <a:spcPts val="250"/>
-        </a:spcAft>
-        <a:buClr>
-          <a:schemeClr val="accent1"/>
-        </a:buClr>
-        <a:buFont typeface="Wingdings 2" pitchFamily="18" charset="2"/>
-        <a:buChar char=""/>
-        <a:defRPr sz="1400" kern="1200">
+        <a:buFont typeface="Arial" panose="020B0604020202020204" pitchFamily="34" charset="0"/>
+        <a:buChar char="•"/>
+        <a:defRPr sz="1600" kern="1200">
           <a:solidFill>
-            <a:schemeClr val="tx1">
-              <a:lumMod val="65000"/>
-              <a:lumOff val="35000"/>
-            </a:schemeClr>
+            <a:schemeClr val="tx1"/>
           </a:solidFill>
           <a:latin typeface="+mn-lt"/>
           <a:ea typeface="+mn-ea"/>
@@ -3253,22 +5612,13 @@
           <a:spcPct val="90000"/>
         </a:lnSpc>
         <a:spcBef>
-          <a:spcPts val="250"/>
+          <a:spcPts val="500"/>
         </a:spcBef>
-        <a:spcAft>
-          <a:spcPts val="250"/>
-        </a:spcAft>
-        <a:buClr>
-          <a:schemeClr val="accent1"/>
-        </a:buClr>
-        <a:buFont typeface="Wingdings 2" pitchFamily="18" charset="2"/>
-        <a:buChar char=""/>
-        <a:defRPr sz="1400" kern="1200">
+        <a:buFont typeface="Arial" panose="020B0604020202020204" pitchFamily="34" charset="0"/>
+        <a:buChar char="•"/>
+        <a:defRPr sz="1600" kern="1200">
           <a:solidFill>
-            <a:schemeClr val="tx1">
-              <a:lumMod val="65000"/>
-              <a:lumOff val="35000"/>
-            </a:schemeClr>
+            <a:schemeClr val="tx1"/>
           </a:solidFill>
           <a:latin typeface="+mn-lt"/>
           <a:ea typeface="+mn-ea"/>
@@ -3410,12 +5760,14 @@
         </p:nvSpPr>
         <p:spPr>
           <a:xfrm>
-            <a:off x="252919" y="1123838"/>
+            <a:off x="252919" y="1647620"/>
             <a:ext cx="2947482" cy="1495076"/>
           </a:xfrm>
         </p:spPr>
         <p:txBody>
-          <a:bodyPr/>
+          <a:bodyPr>
+            <a:normAutofit fontScale="90000"/>
+          </a:bodyPr>
           <a:lstStyle/>
           <a:p>
             <a:pPr>
@@ -3424,15 +5776,15 @@
               </a:lnSpc>
             </a:pPr>
             <a:r>
-              <a:rPr lang="nl-NL" dirty="0"/>
+              <a:rPr lang="nl-NL" cap="none" dirty="0"/>
               <a:t>Wat is Data </a:t>
             </a:r>
             <a:r>
-              <a:rPr lang="nl-NL" dirty="0" err="1"/>
+              <a:rPr lang="nl-NL" cap="none" dirty="0" err="1"/>
               <a:t>Science</a:t>
             </a:r>
             <a:r>
-              <a:rPr lang="nl-NL" dirty="0"/>
+              <a:rPr lang="nl-NL" cap="none" dirty="0"/>
               <a:t>?</a:t>
             </a:r>
           </a:p>
@@ -3464,6 +5816,9 @@
           <a:bodyPr/>
           <a:lstStyle/>
           <a:p>
+            <a:endParaRPr lang="en-US" dirty="0"/>
+          </a:p>
+          <a:p>
             <a:r>
               <a:rPr lang="en-US" dirty="0"/>
               <a:t>Het </a:t>
@@ -3656,6 +6011,1092 @@
             <a:extLst>
               <a:ext uri="{FF2B5EF4-FFF2-40B4-BE49-F238E27FC236}">
                 <a16:creationId xmlns:a16="http://schemas.microsoft.com/office/drawing/2014/main" id="{449715B5-2658-4327-8CE4-F07105CAEE46}"/>
+              </a:ext>
+            </a:extLst>
+          </p:cNvPr>
+          <p:cNvPicPr>
+            <a:picLocks noChangeAspect="1"/>
+          </p:cNvPicPr>
+          <p:nvPr/>
+        </p:nvPicPr>
+        <p:blipFill>
+          <a:blip r:embed="rId2">
+            <a:extLst>
+              <a:ext uri="{BEBA8EAE-BF5A-486C-A8C5-ECC9F3942E4B}">
+                <a14:imgProps xmlns:a14="http://schemas.microsoft.com/office/drawing/2010/main">
+                  <a14:imgLayer r:embed="rId3">
+                    <a14:imgEffect>
+                      <a14:backgroundRemoval t="2622" b="92483" l="2865" r="89974">
+                        <a14:foregroundMark x1="46615" y1="26049" x2="45964" y2="24825"/>
+                        <a14:foregroundMark x1="46224" y1="17483" x2="46224" y2="17483"/>
+                        <a14:foregroundMark x1="37891" y1="10315" x2="23177" y2="20979"/>
+                        <a14:foregroundMark x1="23177" y1="20979" x2="22917" y2="23601"/>
+                        <a14:foregroundMark x1="37240" y1="11888" x2="53906" y2="20629"/>
+                        <a14:foregroundMark x1="53906" y1="20629" x2="59115" y2="28322"/>
+                        <a14:foregroundMark x1="46224" y1="11538" x2="29818" y2="7692"/>
+                        <a14:foregroundMark x1="29818" y1="7692" x2="26563" y2="12762"/>
+                        <a14:foregroundMark x1="7682" y1="52972" x2="8854" y2="73776"/>
+                        <a14:foregroundMark x1="11849" y1="78322" x2="25260" y2="89510"/>
+                        <a14:foregroundMark x1="59115" y1="74650" x2="63932" y2="51049"/>
+                        <a14:foregroundMark x1="63932" y1="51049" x2="63932" y2="50175"/>
+                        <a14:foregroundMark x1="66667" y1="75000" x2="45964" y2="92832"/>
+                        <a14:foregroundMark x1="2865" y1="69056" x2="2865" y2="64685"/>
+                        <a14:foregroundMark x1="36979" y1="2622" x2="36979" y2="2622"/>
+                      </a14:backgroundRemoval>
+                    </a14:imgEffect>
+                  </a14:imgLayer>
+                </a14:imgProps>
+              </a:ext>
+              <a:ext uri="{28A0092B-C50C-407E-A947-70E740481C1C}">
+                <a14:useLocalDpi xmlns:a14="http://schemas.microsoft.com/office/drawing/2010/main" val="0"/>
+              </a:ext>
+            </a:extLst>
+          </a:blip>
+          <a:stretch>
+            <a:fillRect/>
+          </a:stretch>
+        </p:blipFill>
+        <p:spPr>
+          <a:xfrm>
+            <a:off x="252919" y="3568824"/>
+            <a:ext cx="4605386" cy="3430054"/>
+          </a:xfrm>
+          <a:prstGeom prst="rect">
+            <a:avLst/>
+          </a:prstGeom>
+        </p:spPr>
+      </p:pic>
+    </p:spTree>
+    <p:extLst>
+      <p:ext uri="{BB962C8B-B14F-4D97-AF65-F5344CB8AC3E}">
+        <p14:creationId xmlns:p14="http://schemas.microsoft.com/office/powerpoint/2010/main" val="2837773161"/>
+      </p:ext>
+    </p:extLst>
+  </p:cSld>
+  <p:clrMapOvr>
+    <a:masterClrMapping/>
+  </p:clrMapOvr>
+</p:sld>
+</file>
+
+<file path=ppt/slides/slide2.xml><?xml version="1.0" encoding="utf-8"?>
+<p:sld xmlns:a="http://schemas.openxmlformats.org/drawingml/2006/main" xmlns:r="http://schemas.openxmlformats.org/officeDocument/2006/relationships" xmlns:p="http://schemas.openxmlformats.org/presentationml/2006/main">
+  <p:cSld>
+    <p:spTree>
+      <p:nvGrpSpPr>
+        <p:cNvPr id="1" name=""/>
+        <p:cNvGrpSpPr/>
+        <p:nvPr/>
+      </p:nvGrpSpPr>
+      <p:grpSpPr>
+        <a:xfrm>
+          <a:off x="0" y="0"/>
+          <a:ext cx="0" cy="0"/>
+          <a:chOff x="0" y="0"/>
+          <a:chExt cx="0" cy="0"/>
+        </a:xfrm>
+      </p:grpSpPr>
+      <p:sp>
+        <p:nvSpPr>
+          <p:cNvPr id="2" name="Titel 1">
+            <a:extLst>
+              <a:ext uri="{FF2B5EF4-FFF2-40B4-BE49-F238E27FC236}">
+                <a16:creationId xmlns:a16="http://schemas.microsoft.com/office/drawing/2014/main" id="{5F90858E-5DDF-4EE1-AE21-9831A8E06769}"/>
+              </a:ext>
+            </a:extLst>
+          </p:cNvPr>
+          <p:cNvSpPr>
+            <a:spLocks noGrp="1"/>
+          </p:cNvSpPr>
+          <p:nvPr>
+            <p:ph type="title"/>
+          </p:nvPr>
+        </p:nvSpPr>
+        <p:spPr/>
+        <p:txBody>
+          <a:bodyPr/>
+          <a:lstStyle/>
+          <a:p>
+            <a:r>
+              <a:rPr lang="nl-NL" cap="none" dirty="0"/>
+              <a:t>Wat doet een data </a:t>
+            </a:r>
+            <a:r>
+              <a:rPr lang="nl-NL" cap="none" dirty="0" err="1"/>
+              <a:t>scientist</a:t>
+            </a:r>
+            <a:r>
+              <a:rPr lang="nl-NL" cap="none" dirty="0"/>
+              <a:t>?</a:t>
+            </a:r>
+          </a:p>
+        </p:txBody>
+      </p:sp>
+      <p:sp>
+        <p:nvSpPr>
+          <p:cNvPr id="4" name="Rectangle 1">
+            <a:extLst>
+              <a:ext uri="{FF2B5EF4-FFF2-40B4-BE49-F238E27FC236}">
+                <a16:creationId xmlns:a16="http://schemas.microsoft.com/office/drawing/2014/main" id="{D355192F-0528-419C-8A04-919224460B1A}"/>
+              </a:ext>
+            </a:extLst>
+          </p:cNvPr>
+          <p:cNvSpPr>
+            <a:spLocks noGrp="1" noChangeArrowheads="1"/>
+          </p:cNvSpPr>
+          <p:nvPr>
+            <p:ph idx="1"/>
+          </p:nvPr>
+        </p:nvSpPr>
+        <p:spPr bwMode="auto">
+          <a:xfrm>
+            <a:off x="685800" y="2313799"/>
+            <a:ext cx="10214719" cy="3785652"/>
+          </a:xfrm>
+          <a:prstGeom prst="rect">
+            <a:avLst/>
+          </a:prstGeom>
+          <a:noFill/>
+          <a:ln>
+            <a:noFill/>
+          </a:ln>
+          <a:effectLst/>
+          <a:extLst>
+            <a:ext uri="{909E8E84-426E-40DD-AFC4-6F175D3DCCD1}">
+              <a14:hiddenFill xmlns:a14="http://schemas.microsoft.com/office/drawing/2010/main">
+                <a:solidFill>
+                  <a:schemeClr val="accent1"/>
+                </a:solidFill>
+              </a14:hiddenFill>
+            </a:ext>
+            <a:ext uri="{91240B29-F687-4F45-9708-019B960494DF}">
+              <a14:hiddenLine xmlns:a14="http://schemas.microsoft.com/office/drawing/2010/main" w="9525">
+                <a:solidFill>
+                  <a:schemeClr val="tx1"/>
+                </a:solidFill>
+                <a:miter lim="800000"/>
+                <a:headEnd/>
+                <a:tailEnd/>
+              </a14:hiddenLine>
+            </a:ext>
+            <a:ext uri="{AF507438-7753-43E0-B8FC-AC1667EBCBE1}">
+              <a14:hiddenEffects xmlns:a14="http://schemas.microsoft.com/office/drawing/2010/main">
+                <a:effectLst>
+                  <a:outerShdw dist="35921" dir="2700000" algn="ctr" rotWithShape="0">
+                    <a:schemeClr val="bg2"/>
+                  </a:outerShdw>
+                </a:effectLst>
+              </a14:hiddenEffects>
+            </a:ext>
+          </a:extLst>
+        </p:spPr>
+        <p:txBody>
+          <a:bodyPr vert="horz" wrap="none" lIns="91440" tIns="45720" rIns="91440" bIns="45720" numCol="1" anchor="ctr" anchorCtr="0" compatLnSpc="1">
+            <a:prstTxWarp prst="textNoShape">
+              <a:avLst/>
+            </a:prstTxWarp>
+            <a:spAutoFit/>
+          </a:bodyPr>
+          <a:lstStyle/>
+          <a:p>
+            <a:pPr marL="0" marR="0" lvl="0" indent="0" algn="l" defTabSz="914400" rtl="0" eaLnBrk="0" fontAlgn="base" latinLnBrk="0" hangingPunct="0">
+              <a:lnSpc>
+                <a:spcPct val="100000"/>
+              </a:lnSpc>
+              <a:spcBef>
+                <a:spcPct val="0"/>
+              </a:spcBef>
+              <a:spcAft>
+                <a:spcPct val="0"/>
+              </a:spcAft>
+              <a:buClrTx/>
+              <a:buSzTx/>
+              <a:buFontTx/>
+              <a:buChar char="•"/>
+              <a:tabLst/>
+            </a:pPr>
+            <a:r>
+              <a:rPr kumimoji="0" lang="nl-NL" altLang="nl-NL" sz="1600" b="0" i="0" u="none" strike="noStrike" cap="none" normalizeH="0" baseline="0" dirty="0">
+                <a:ln>
+                  <a:noFill/>
+                </a:ln>
+                <a:effectLst/>
+                <a:latin typeface="Segoe UI" panose="020B0502040204020203" pitchFamily="34" charset="0"/>
+                <a:cs typeface="Segoe UI" panose="020B0502040204020203" pitchFamily="34" charset="0"/>
+              </a:rPr>
+              <a:t> Zoeken naar kansen en mogelijkheden in een aanzienlijke hoeveelheid data</a:t>
+            </a:r>
+          </a:p>
+          <a:p>
+            <a:pPr marL="0" marR="0" lvl="0" indent="0" algn="l" defTabSz="914400" rtl="0" eaLnBrk="0" fontAlgn="base" latinLnBrk="0" hangingPunct="0">
+              <a:lnSpc>
+                <a:spcPct val="100000"/>
+              </a:lnSpc>
+              <a:spcBef>
+                <a:spcPct val="0"/>
+              </a:spcBef>
+              <a:spcAft>
+                <a:spcPct val="0"/>
+              </a:spcAft>
+              <a:buClrTx/>
+              <a:buSzTx/>
+              <a:buFontTx/>
+              <a:buChar char="•"/>
+              <a:tabLst/>
+            </a:pPr>
+            <a:r>
+              <a:rPr kumimoji="0" lang="nl-NL" altLang="nl-NL" sz="1600" b="0" i="0" u="none" strike="noStrike" cap="none" normalizeH="0" baseline="0" dirty="0">
+                <a:ln>
+                  <a:noFill/>
+                </a:ln>
+                <a:effectLst/>
+                <a:latin typeface="Segoe UI" panose="020B0502040204020203" pitchFamily="34" charset="0"/>
+                <a:cs typeface="Segoe UI" panose="020B0502040204020203" pitchFamily="34" charset="0"/>
+              </a:rPr>
+              <a:t> Opschonen en verwerken van ruwe data tot bruikbare data</a:t>
+            </a:r>
+          </a:p>
+          <a:p>
+            <a:pPr marL="0" marR="0" lvl="0" indent="0" algn="l" defTabSz="914400" rtl="0" eaLnBrk="0" fontAlgn="base" latinLnBrk="0" hangingPunct="0">
+              <a:lnSpc>
+                <a:spcPct val="100000"/>
+              </a:lnSpc>
+              <a:spcBef>
+                <a:spcPct val="0"/>
+              </a:spcBef>
+              <a:spcAft>
+                <a:spcPct val="0"/>
+              </a:spcAft>
+              <a:buClrTx/>
+              <a:buSzTx/>
+              <a:buFontTx/>
+              <a:buChar char="•"/>
+              <a:tabLst/>
+            </a:pPr>
+            <a:r>
+              <a:rPr kumimoji="0" lang="nl-NL" altLang="nl-NL" sz="1600" b="0" i="0" u="none" strike="noStrike" cap="none" normalizeH="0" baseline="0" dirty="0">
+                <a:ln>
+                  <a:noFill/>
+                </a:ln>
+                <a:effectLst/>
+                <a:latin typeface="Segoe UI" panose="020B0502040204020203" pitchFamily="34" charset="0"/>
+                <a:cs typeface="Segoe UI" panose="020B0502040204020203" pitchFamily="34" charset="0"/>
+              </a:rPr>
+              <a:t> Correleren van verschillende soorten data</a:t>
+            </a:r>
+          </a:p>
+          <a:p>
+            <a:pPr marL="0" marR="0" lvl="0" indent="0" algn="l" defTabSz="914400" rtl="0" eaLnBrk="0" fontAlgn="base" latinLnBrk="0" hangingPunct="0">
+              <a:lnSpc>
+                <a:spcPct val="100000"/>
+              </a:lnSpc>
+              <a:spcBef>
+                <a:spcPct val="0"/>
+              </a:spcBef>
+              <a:spcAft>
+                <a:spcPct val="0"/>
+              </a:spcAft>
+              <a:buClrTx/>
+              <a:buSzTx/>
+              <a:buFontTx/>
+              <a:buChar char="•"/>
+              <a:tabLst/>
+            </a:pPr>
+            <a:r>
+              <a:rPr kumimoji="0" lang="nl-NL" altLang="nl-NL" sz="1600" b="0" i="0" u="none" strike="noStrike" cap="none" normalizeH="0" baseline="0" dirty="0">
+                <a:ln>
+                  <a:noFill/>
+                </a:ln>
+                <a:effectLst/>
+                <a:latin typeface="Segoe UI" panose="020B0502040204020203" pitchFamily="34" charset="0"/>
+                <a:cs typeface="Segoe UI" panose="020B0502040204020203" pitchFamily="34" charset="0"/>
+              </a:rPr>
+              <a:t> Detecteren van onregelmatigheden in data</a:t>
+            </a:r>
+          </a:p>
+          <a:p>
+            <a:pPr marL="0" marR="0" lvl="0" indent="0" algn="l" defTabSz="914400" rtl="0" eaLnBrk="0" fontAlgn="base" latinLnBrk="0" hangingPunct="0">
+              <a:lnSpc>
+                <a:spcPct val="100000"/>
+              </a:lnSpc>
+              <a:spcBef>
+                <a:spcPct val="0"/>
+              </a:spcBef>
+              <a:spcAft>
+                <a:spcPct val="0"/>
+              </a:spcAft>
+              <a:buClrTx/>
+              <a:buSzTx/>
+              <a:buFontTx/>
+              <a:buChar char="•"/>
+              <a:tabLst/>
+            </a:pPr>
+            <a:r>
+              <a:rPr kumimoji="0" lang="nl-NL" altLang="nl-NL" sz="1600" b="0" i="0" u="none" strike="noStrike" cap="none" normalizeH="0" baseline="0" dirty="0">
+                <a:ln>
+                  <a:noFill/>
+                </a:ln>
+                <a:effectLst/>
+                <a:latin typeface="Segoe UI" panose="020B0502040204020203" pitchFamily="34" charset="0"/>
+                <a:cs typeface="Segoe UI" panose="020B0502040204020203" pitchFamily="34" charset="0"/>
+              </a:rPr>
+              <a:t> Identificeren van vragen vanuit de bedrijfsvoering</a:t>
+            </a:r>
+          </a:p>
+          <a:p>
+            <a:pPr marL="0" marR="0" lvl="0" indent="0" algn="l" defTabSz="914400" rtl="0" eaLnBrk="0" fontAlgn="base" latinLnBrk="0" hangingPunct="0">
+              <a:lnSpc>
+                <a:spcPct val="100000"/>
+              </a:lnSpc>
+              <a:spcBef>
+                <a:spcPct val="0"/>
+              </a:spcBef>
+              <a:spcAft>
+                <a:spcPct val="0"/>
+              </a:spcAft>
+              <a:buClrTx/>
+              <a:buSzTx/>
+              <a:buFontTx/>
+              <a:buChar char="•"/>
+              <a:tabLst/>
+            </a:pPr>
+            <a:r>
+              <a:rPr kumimoji="0" lang="nl-NL" altLang="nl-NL" sz="1600" b="0" i="0" u="none" strike="noStrike" cap="none" normalizeH="0" baseline="0" dirty="0">
+                <a:ln>
+                  <a:noFill/>
+                </a:ln>
+                <a:effectLst/>
+                <a:latin typeface="Segoe UI" panose="020B0502040204020203" pitchFamily="34" charset="0"/>
+                <a:cs typeface="Segoe UI" panose="020B0502040204020203" pitchFamily="34" charset="0"/>
+              </a:rPr>
+              <a:t> Herkennen van patronen in ‘big data’, om hiervoor een voorspellend algoritme </a:t>
+            </a:r>
+          </a:p>
+          <a:p>
+            <a:pPr marL="0" marR="0" lvl="0" indent="0" algn="l" defTabSz="914400" rtl="0" eaLnBrk="0" fontAlgn="base" latinLnBrk="0" hangingPunct="0">
+              <a:lnSpc>
+                <a:spcPct val="100000"/>
+              </a:lnSpc>
+              <a:spcBef>
+                <a:spcPct val="0"/>
+              </a:spcBef>
+              <a:spcAft>
+                <a:spcPct val="0"/>
+              </a:spcAft>
+              <a:buClrTx/>
+              <a:buSzTx/>
+              <a:buNone/>
+              <a:tabLst/>
+            </a:pPr>
+            <a:r>
+              <a:rPr kumimoji="0" lang="nl-NL" altLang="nl-NL" sz="1600" b="0" i="0" u="none" strike="noStrike" cap="none" normalizeH="0" baseline="0" dirty="0">
+                <a:ln>
+                  <a:noFill/>
+                </a:ln>
+                <a:effectLst/>
+                <a:latin typeface="Segoe UI" panose="020B0502040204020203" pitchFamily="34" charset="0"/>
+                <a:cs typeface="Segoe UI" panose="020B0502040204020203" pitchFamily="34" charset="0"/>
+              </a:rPr>
+              <a:t> (zelflerend wiskundig model) te ontwikkelen – ook wel ‘machine learning’ genoemd</a:t>
+            </a:r>
+          </a:p>
+          <a:p>
+            <a:pPr marL="0" marR="0" lvl="0" indent="0" algn="l" defTabSz="914400" rtl="0" eaLnBrk="0" fontAlgn="base" latinLnBrk="0" hangingPunct="0">
+              <a:lnSpc>
+                <a:spcPct val="100000"/>
+              </a:lnSpc>
+              <a:spcBef>
+                <a:spcPct val="0"/>
+              </a:spcBef>
+              <a:spcAft>
+                <a:spcPct val="0"/>
+              </a:spcAft>
+              <a:buClrTx/>
+              <a:buSzTx/>
+              <a:buFontTx/>
+              <a:buChar char="•"/>
+              <a:tabLst/>
+            </a:pPr>
+            <a:r>
+              <a:rPr kumimoji="0" lang="nl-NL" altLang="nl-NL" sz="1600" b="0" i="0" u="none" strike="noStrike" cap="none" normalizeH="0" baseline="0" dirty="0">
+                <a:ln>
+                  <a:noFill/>
+                </a:ln>
+                <a:effectLst/>
+                <a:latin typeface="Segoe UI" panose="020B0502040204020203" pitchFamily="34" charset="0"/>
+                <a:cs typeface="Segoe UI" panose="020B0502040204020203" pitchFamily="34" charset="0"/>
+              </a:rPr>
+              <a:t> Analyseren en selecteren van de beste statistische methodologie</a:t>
+            </a:r>
+          </a:p>
+          <a:p>
+            <a:pPr marL="0" marR="0" lvl="0" indent="0" algn="l" defTabSz="914400" rtl="0" eaLnBrk="0" fontAlgn="base" latinLnBrk="0" hangingPunct="0">
+              <a:lnSpc>
+                <a:spcPct val="100000"/>
+              </a:lnSpc>
+              <a:spcBef>
+                <a:spcPct val="0"/>
+              </a:spcBef>
+              <a:spcAft>
+                <a:spcPct val="0"/>
+              </a:spcAft>
+              <a:buClrTx/>
+              <a:buSzTx/>
+              <a:buNone/>
+              <a:tabLst/>
+            </a:pPr>
+            <a:r>
+              <a:rPr kumimoji="0" lang="nl-NL" altLang="nl-NL" sz="1600" b="0" i="0" u="none" strike="noStrike" cap="none" normalizeH="0" baseline="0" dirty="0">
+                <a:ln>
+                  <a:noFill/>
+                </a:ln>
+                <a:effectLst/>
+                <a:latin typeface="Segoe UI" panose="020B0502040204020203" pitchFamily="34" charset="0"/>
+                <a:cs typeface="Segoe UI" panose="020B0502040204020203" pitchFamily="34" charset="0"/>
+              </a:rPr>
+              <a:t> (bijvoorbeeld regressie, cluster analyse, </a:t>
+            </a:r>
+            <a:r>
+              <a:rPr kumimoji="0" lang="nl-NL" altLang="nl-NL" sz="1600" b="0" i="0" u="none" strike="noStrike" cap="none" normalizeH="0" baseline="0" dirty="0" err="1">
+                <a:ln>
+                  <a:noFill/>
+                </a:ln>
+                <a:effectLst/>
+                <a:latin typeface="Segoe UI" panose="020B0502040204020203" pitchFamily="34" charset="0"/>
+                <a:cs typeface="Segoe UI" panose="020B0502040204020203" pitchFamily="34" charset="0"/>
+              </a:rPr>
+              <a:t>decision</a:t>
+            </a:r>
+            <a:r>
+              <a:rPr kumimoji="0" lang="nl-NL" altLang="nl-NL" sz="1600" b="0" i="0" u="none" strike="noStrike" cap="none" normalizeH="0" baseline="0" dirty="0">
+                <a:ln>
+                  <a:noFill/>
+                </a:ln>
+                <a:effectLst/>
+                <a:latin typeface="Segoe UI" panose="020B0502040204020203" pitchFamily="34" charset="0"/>
+                <a:cs typeface="Segoe UI" panose="020B0502040204020203" pitchFamily="34" charset="0"/>
+              </a:rPr>
+              <a:t> trees) voor het oplossen van vragen vanuit de bedrijfsvoering</a:t>
+            </a:r>
+          </a:p>
+          <a:p>
+            <a:pPr marL="0" marR="0" lvl="0" indent="0" algn="l" defTabSz="914400" rtl="0" eaLnBrk="0" fontAlgn="base" latinLnBrk="0" hangingPunct="0">
+              <a:lnSpc>
+                <a:spcPct val="100000"/>
+              </a:lnSpc>
+              <a:spcBef>
+                <a:spcPct val="0"/>
+              </a:spcBef>
+              <a:spcAft>
+                <a:spcPct val="0"/>
+              </a:spcAft>
+              <a:buClrTx/>
+              <a:buSzTx/>
+              <a:buFontTx/>
+              <a:buChar char="•"/>
+              <a:tabLst/>
+            </a:pPr>
+            <a:r>
+              <a:rPr kumimoji="0" lang="nl-NL" altLang="nl-NL" sz="1600" b="0" i="0" u="none" strike="noStrike" cap="none" normalizeH="0" baseline="0" dirty="0">
+                <a:ln>
+                  <a:noFill/>
+                </a:ln>
+                <a:effectLst/>
+                <a:latin typeface="Segoe UI" panose="020B0502040204020203" pitchFamily="34" charset="0"/>
+                <a:cs typeface="Segoe UI" panose="020B0502040204020203" pitchFamily="34" charset="0"/>
+              </a:rPr>
+              <a:t> Inzetten van voorspellende algoritmes ten behoeve van de besluitvorming</a:t>
+            </a:r>
+          </a:p>
+          <a:p>
+            <a:pPr marL="0" marR="0" lvl="0" indent="0" algn="l" defTabSz="914400" rtl="0" eaLnBrk="0" fontAlgn="base" latinLnBrk="0" hangingPunct="0">
+              <a:lnSpc>
+                <a:spcPct val="100000"/>
+              </a:lnSpc>
+              <a:spcBef>
+                <a:spcPct val="0"/>
+              </a:spcBef>
+              <a:spcAft>
+                <a:spcPct val="0"/>
+              </a:spcAft>
+              <a:buClrTx/>
+              <a:buSzTx/>
+              <a:buFontTx/>
+              <a:buChar char="•"/>
+              <a:tabLst/>
+            </a:pPr>
+            <a:r>
+              <a:rPr kumimoji="0" lang="nl-NL" altLang="nl-NL" sz="1600" b="0" i="0" u="none" strike="noStrike" cap="none" normalizeH="0" baseline="0" dirty="0">
+                <a:ln>
+                  <a:noFill/>
+                </a:ln>
+                <a:effectLst/>
+                <a:latin typeface="Segoe UI" panose="020B0502040204020203" pitchFamily="34" charset="0"/>
+                <a:cs typeface="Segoe UI" panose="020B0502040204020203" pitchFamily="34" charset="0"/>
+              </a:rPr>
+              <a:t> Beschrijven en visualiseren van ontdekte inzichten en voorspellingen</a:t>
+            </a:r>
+          </a:p>
+          <a:p>
+            <a:pPr marL="0" marR="0" lvl="0" indent="0" algn="l" defTabSz="914400" rtl="0" eaLnBrk="0" fontAlgn="base" latinLnBrk="0" hangingPunct="0">
+              <a:lnSpc>
+                <a:spcPct val="100000"/>
+              </a:lnSpc>
+              <a:spcBef>
+                <a:spcPct val="0"/>
+              </a:spcBef>
+              <a:spcAft>
+                <a:spcPct val="0"/>
+              </a:spcAft>
+              <a:buClrTx/>
+              <a:buSzTx/>
+              <a:buFontTx/>
+              <a:buChar char="•"/>
+              <a:tabLst/>
+            </a:pPr>
+            <a:r>
+              <a:rPr kumimoji="0" lang="nl-NL" altLang="nl-NL" sz="1600" b="0" i="0" u="none" strike="noStrike" cap="none" normalizeH="0" baseline="0" dirty="0">
+                <a:ln>
+                  <a:noFill/>
+                </a:ln>
+                <a:effectLst/>
+                <a:latin typeface="Segoe UI" panose="020B0502040204020203" pitchFamily="34" charset="0"/>
+                <a:cs typeface="Segoe UI" panose="020B0502040204020203" pitchFamily="34" charset="0"/>
+              </a:rPr>
+              <a:t> Rapporteren en delen van gegenereerde inzichten en kennis met het management en andere betrokkenen</a:t>
+            </a:r>
+          </a:p>
+          <a:p>
+            <a:pPr marL="0" marR="0" lvl="0" indent="0" algn="l" defTabSz="914400" rtl="0" eaLnBrk="0" fontAlgn="base" latinLnBrk="0" hangingPunct="0">
+              <a:lnSpc>
+                <a:spcPct val="100000"/>
+              </a:lnSpc>
+              <a:spcBef>
+                <a:spcPct val="0"/>
+              </a:spcBef>
+              <a:spcAft>
+                <a:spcPct val="0"/>
+              </a:spcAft>
+              <a:buClrTx/>
+              <a:buSzTx/>
+              <a:buFontTx/>
+              <a:buChar char="•"/>
+              <a:tabLst/>
+            </a:pPr>
+            <a:r>
+              <a:rPr kumimoji="0" lang="nl-NL" altLang="nl-NL" sz="1600" b="0" i="0" u="none" strike="noStrike" cap="none" normalizeH="0" baseline="0" dirty="0">
+                <a:ln>
+                  <a:noFill/>
+                </a:ln>
+                <a:effectLst/>
+                <a:latin typeface="Segoe UI" panose="020B0502040204020203" pitchFamily="34" charset="0"/>
+                <a:cs typeface="Segoe UI" panose="020B0502040204020203" pitchFamily="34" charset="0"/>
+              </a:rPr>
+              <a:t> Onderzoeken en ontwikkelen van mogelijkheden om nog meer uit bestaande data te halen</a:t>
+            </a:r>
+          </a:p>
+          <a:p>
+            <a:pPr marL="0" marR="0" lvl="0" indent="0" algn="l" defTabSz="914400" rtl="0" eaLnBrk="0" fontAlgn="base" latinLnBrk="0" hangingPunct="0">
+              <a:lnSpc>
+                <a:spcPct val="100000"/>
+              </a:lnSpc>
+              <a:spcBef>
+                <a:spcPct val="0"/>
+              </a:spcBef>
+              <a:spcAft>
+                <a:spcPct val="0"/>
+              </a:spcAft>
+              <a:buClrTx/>
+              <a:buSzTx/>
+              <a:buFontTx/>
+              <a:buChar char="•"/>
+              <a:tabLst/>
+            </a:pPr>
+            <a:r>
+              <a:rPr kumimoji="0" lang="nl-NL" altLang="nl-NL" sz="1600" b="0" i="0" u="none" strike="noStrike" cap="none" normalizeH="0" baseline="0" dirty="0">
+                <a:ln>
+                  <a:noFill/>
+                </a:ln>
+                <a:effectLst/>
+                <a:latin typeface="Segoe UI" panose="020B0502040204020203" pitchFamily="34" charset="0"/>
+                <a:cs typeface="Segoe UI" panose="020B0502040204020203" pitchFamily="34" charset="0"/>
+              </a:rPr>
+              <a:t> Beheren en optimaliseren van datastromen en data-analyses</a:t>
+            </a:r>
+          </a:p>
+          <a:p>
+            <a:pPr marL="0" marR="0" lvl="0" indent="0" algn="l" defTabSz="914400" rtl="0" eaLnBrk="0" fontAlgn="base" latinLnBrk="0" hangingPunct="0">
+              <a:lnSpc>
+                <a:spcPct val="100000"/>
+              </a:lnSpc>
+              <a:spcBef>
+                <a:spcPct val="0"/>
+              </a:spcBef>
+              <a:spcAft>
+                <a:spcPct val="0"/>
+              </a:spcAft>
+              <a:buClrTx/>
+              <a:buSzTx/>
+              <a:buFontTx/>
+              <a:buChar char="•"/>
+              <a:tabLst/>
+            </a:pPr>
+            <a:r>
+              <a:rPr kumimoji="0" lang="nl-NL" altLang="nl-NL" sz="1600" b="0" i="0" u="none" strike="noStrike" cap="none" normalizeH="0" baseline="0" dirty="0">
+                <a:ln>
+                  <a:noFill/>
+                </a:ln>
+                <a:effectLst/>
+                <a:latin typeface="Segoe UI" panose="020B0502040204020203" pitchFamily="34" charset="0"/>
+                <a:cs typeface="Segoe UI" panose="020B0502040204020203" pitchFamily="34" charset="0"/>
+              </a:rPr>
+              <a:t> Opstellen, aansturen en/of trainen van een data </a:t>
+            </a:r>
+            <a:r>
+              <a:rPr kumimoji="0" lang="nl-NL" altLang="nl-NL" sz="1600" b="0" i="0" u="none" strike="noStrike" cap="none" normalizeH="0" baseline="0" dirty="0" err="1">
+                <a:ln>
+                  <a:noFill/>
+                </a:ln>
+                <a:effectLst/>
+                <a:latin typeface="Segoe UI" panose="020B0502040204020203" pitchFamily="34" charset="0"/>
+                <a:cs typeface="Segoe UI" panose="020B0502040204020203" pitchFamily="34" charset="0"/>
+              </a:rPr>
+              <a:t>science</a:t>
+            </a:r>
+            <a:r>
+              <a:rPr kumimoji="0" lang="nl-NL" altLang="nl-NL" sz="1600" b="0" i="0" u="none" strike="noStrike" cap="none" normalizeH="0" baseline="0" dirty="0">
+                <a:ln>
+                  <a:noFill/>
+                </a:ln>
+                <a:effectLst/>
+                <a:latin typeface="Segoe UI" panose="020B0502040204020203" pitchFamily="34" charset="0"/>
+                <a:cs typeface="Segoe UI" panose="020B0502040204020203" pitchFamily="34" charset="0"/>
+              </a:rPr>
+              <a:t> team</a:t>
+            </a:r>
+            <a:endParaRPr kumimoji="0" lang="nl-NL" altLang="nl-NL" sz="3600" b="0" i="0" u="none" strike="noStrike" cap="none" normalizeH="0" baseline="0" dirty="0">
+              <a:ln>
+                <a:noFill/>
+              </a:ln>
+              <a:effectLst/>
+              <a:latin typeface="Arial" panose="020B0604020202020204" pitchFamily="34" charset="0"/>
+            </a:endParaRPr>
+          </a:p>
+        </p:txBody>
+      </p:sp>
+    </p:spTree>
+    <p:extLst>
+      <p:ext uri="{BB962C8B-B14F-4D97-AF65-F5344CB8AC3E}">
+        <p14:creationId xmlns:p14="http://schemas.microsoft.com/office/powerpoint/2010/main" val="4029141300"/>
+      </p:ext>
+    </p:extLst>
+  </p:cSld>
+  <p:clrMapOvr>
+    <a:masterClrMapping/>
+  </p:clrMapOvr>
+</p:sld>
+</file>
+
+<file path=ppt/slides/slide3.xml><?xml version="1.0" encoding="utf-8"?>
+<p:sld xmlns:a="http://schemas.openxmlformats.org/drawingml/2006/main" xmlns:r="http://schemas.openxmlformats.org/officeDocument/2006/relationships" xmlns:p="http://schemas.openxmlformats.org/presentationml/2006/main">
+  <p:cSld>
+    <p:spTree>
+      <p:nvGrpSpPr>
+        <p:cNvPr id="1" name=""/>
+        <p:cNvGrpSpPr/>
+        <p:nvPr/>
+      </p:nvGrpSpPr>
+      <p:grpSpPr>
+        <a:xfrm>
+          <a:off x="0" y="0"/>
+          <a:ext cx="0" cy="0"/>
+          <a:chOff x="0" y="0"/>
+          <a:chExt cx="0" cy="0"/>
+        </a:xfrm>
+      </p:grpSpPr>
+      <p:sp>
+        <p:nvSpPr>
+          <p:cNvPr id="2" name="Titel 1">
+            <a:extLst>
+              <a:ext uri="{FF2B5EF4-FFF2-40B4-BE49-F238E27FC236}">
+                <a16:creationId xmlns:a16="http://schemas.microsoft.com/office/drawing/2014/main" id="{E3199A40-62B2-454C-8235-198B78181E22}"/>
+              </a:ext>
+            </a:extLst>
+          </p:cNvPr>
+          <p:cNvSpPr>
+            <a:spLocks noGrp="1"/>
+          </p:cNvSpPr>
+          <p:nvPr>
+            <p:ph type="title"/>
+          </p:nvPr>
+        </p:nvSpPr>
+        <p:spPr>
+          <a:xfrm>
+            <a:off x="2895600" y="1042165"/>
+            <a:ext cx="8610600" cy="1293028"/>
+          </a:xfrm>
+        </p:spPr>
+        <p:txBody>
+          <a:bodyPr/>
+          <a:lstStyle/>
+          <a:p>
+            <a:r>
+              <a:rPr lang="nl-NL" cap="none" dirty="0"/>
+              <a:t>Wat zijn de meest gebruikte tools voor data </a:t>
+            </a:r>
+            <a:r>
+              <a:rPr lang="nl-NL" cap="none" dirty="0" err="1"/>
+              <a:t>science</a:t>
+            </a:r>
+            <a:r>
+              <a:rPr lang="nl-NL" cap="none" dirty="0"/>
+              <a:t>?</a:t>
+            </a:r>
+          </a:p>
+        </p:txBody>
+      </p:sp>
+      <p:sp>
+        <p:nvSpPr>
+          <p:cNvPr id="3" name="Tijdelijke aanduiding voor inhoud 2">
+            <a:extLst>
+              <a:ext uri="{FF2B5EF4-FFF2-40B4-BE49-F238E27FC236}">
+                <a16:creationId xmlns:a16="http://schemas.microsoft.com/office/drawing/2014/main" id="{F467434C-4E30-4C08-8E0E-E2FCCA72C767}"/>
+              </a:ext>
+            </a:extLst>
+          </p:cNvPr>
+          <p:cNvSpPr>
+            <a:spLocks noGrp="1"/>
+          </p:cNvSpPr>
+          <p:nvPr>
+            <p:ph idx="1"/>
+          </p:nvPr>
+        </p:nvSpPr>
+        <p:spPr>
+          <a:xfrm>
+            <a:off x="685800" y="2789499"/>
+            <a:ext cx="10820400" cy="3487060"/>
+          </a:xfrm>
+        </p:spPr>
+        <p:txBody>
+          <a:bodyPr>
+            <a:normAutofit lnSpcReduction="10000"/>
+          </a:bodyPr>
+          <a:lstStyle/>
+          <a:p>
+            <a:r>
+              <a:rPr lang="en-US" b="1" dirty="0">
+                <a:solidFill>
+                  <a:srgbClr val="FF0000"/>
+                </a:solidFill>
+              </a:rPr>
+              <a:t>Apache Spark </a:t>
+            </a:r>
+            <a:r>
+              <a:rPr lang="en-US" dirty="0"/>
+              <a:t>– all-in tool </a:t>
+            </a:r>
+            <a:r>
+              <a:rPr lang="en-US" dirty="0" err="1"/>
+              <a:t>voor</a:t>
+            </a:r>
+            <a:r>
+              <a:rPr lang="en-US" dirty="0"/>
+              <a:t> stream </a:t>
+            </a:r>
+            <a:r>
+              <a:rPr lang="en-US" dirty="0" err="1"/>
+              <a:t>en</a:t>
+            </a:r>
+            <a:r>
+              <a:rPr lang="en-US" dirty="0"/>
+              <a:t> batch processing</a:t>
+            </a:r>
+          </a:p>
+          <a:p>
+            <a:r>
+              <a:rPr lang="en-US" b="1" dirty="0">
+                <a:solidFill>
+                  <a:schemeClr val="accent2"/>
+                </a:solidFill>
+              </a:rPr>
+              <a:t>MATLAB</a:t>
+            </a:r>
+            <a:r>
+              <a:rPr lang="en-US" dirty="0"/>
+              <a:t> – </a:t>
+            </a:r>
+            <a:r>
+              <a:rPr lang="en-US" dirty="0" err="1"/>
+              <a:t>neurale</a:t>
+            </a:r>
+            <a:r>
+              <a:rPr lang="en-US" dirty="0"/>
+              <a:t> </a:t>
+            </a:r>
+            <a:r>
+              <a:rPr lang="en-US" dirty="0" err="1"/>
+              <a:t>netwerken</a:t>
+            </a:r>
+            <a:r>
+              <a:rPr lang="en-US" dirty="0"/>
+              <a:t> </a:t>
+            </a:r>
+            <a:r>
+              <a:rPr lang="en-US" dirty="0" err="1"/>
+              <a:t>en</a:t>
+            </a:r>
+            <a:r>
+              <a:rPr lang="en-US" dirty="0"/>
+              <a:t> </a:t>
+            </a:r>
+            <a:r>
+              <a:rPr lang="en-US" dirty="0" err="1"/>
+              <a:t>wazige</a:t>
+            </a:r>
+            <a:r>
+              <a:rPr lang="en-US" dirty="0"/>
+              <a:t> </a:t>
+            </a:r>
+            <a:r>
+              <a:rPr lang="en-US" dirty="0" err="1"/>
+              <a:t>logica</a:t>
+            </a:r>
+            <a:r>
+              <a:rPr lang="en-US" dirty="0"/>
+              <a:t> </a:t>
+            </a:r>
+            <a:r>
+              <a:rPr lang="en-US" dirty="0" err="1"/>
+              <a:t>simuleren</a:t>
+            </a:r>
+            <a:r>
+              <a:rPr lang="en-US" dirty="0"/>
+              <a:t>. Je </a:t>
+            </a:r>
+            <a:r>
+              <a:rPr lang="en-US" dirty="0" err="1"/>
+              <a:t>kan</a:t>
+            </a:r>
+            <a:r>
+              <a:rPr lang="en-US" dirty="0"/>
+              <a:t> de graphics library </a:t>
+            </a:r>
+            <a:r>
+              <a:rPr lang="en-US" dirty="0" err="1"/>
+              <a:t>gebruiken</a:t>
+            </a:r>
+            <a:r>
+              <a:rPr lang="en-US" dirty="0"/>
+              <a:t> om </a:t>
+            </a:r>
+            <a:r>
+              <a:rPr lang="en-US" dirty="0" err="1"/>
+              <a:t>krachtige</a:t>
+            </a:r>
+            <a:r>
+              <a:rPr lang="en-US" dirty="0"/>
+              <a:t> </a:t>
+            </a:r>
+            <a:r>
+              <a:rPr lang="en-US" dirty="0" err="1"/>
+              <a:t>visualisaties</a:t>
+            </a:r>
+            <a:r>
+              <a:rPr lang="en-US" dirty="0"/>
+              <a:t> </a:t>
+            </a:r>
+            <a:r>
+              <a:rPr lang="en-US" dirty="0" err="1"/>
+              <a:t>te</a:t>
+            </a:r>
+            <a:r>
+              <a:rPr lang="en-US" dirty="0"/>
+              <a:t> </a:t>
+            </a:r>
+            <a:r>
+              <a:rPr lang="en-US" dirty="0" err="1"/>
+              <a:t>creëeren</a:t>
+            </a:r>
+            <a:endParaRPr lang="en-US" dirty="0"/>
+          </a:p>
+          <a:p>
+            <a:r>
+              <a:rPr lang="nl-NL" b="1" dirty="0" err="1">
+                <a:solidFill>
+                  <a:srgbClr val="FFFF00"/>
+                </a:solidFill>
+              </a:rPr>
+              <a:t>BigML</a:t>
+            </a:r>
+            <a:r>
+              <a:rPr lang="nl-NL" dirty="0"/>
+              <a:t> - Cloud-</a:t>
+            </a:r>
+            <a:r>
+              <a:rPr lang="nl-NL" dirty="0" err="1"/>
+              <a:t>based</a:t>
+            </a:r>
+            <a:r>
+              <a:rPr lang="nl-NL" dirty="0"/>
+              <a:t> ontwikkel omgeving voor het verwerken van Machine Learning Algoritme</a:t>
+            </a:r>
+            <a:endParaRPr lang="en-US" dirty="0"/>
+          </a:p>
+          <a:p>
+            <a:pPr fontAlgn="base"/>
+            <a:r>
+              <a:rPr lang="en-US" b="1" dirty="0">
+                <a:solidFill>
+                  <a:srgbClr val="00B050"/>
+                </a:solidFill>
+              </a:rPr>
+              <a:t>Excel</a:t>
+            </a:r>
+            <a:r>
+              <a:rPr lang="en-US" dirty="0"/>
+              <a:t> – </a:t>
+            </a:r>
+            <a:r>
+              <a:rPr lang="en-US" dirty="0" err="1"/>
+              <a:t>voor</a:t>
+            </a:r>
+            <a:r>
+              <a:rPr lang="en-US" dirty="0"/>
+              <a:t> om data </a:t>
+            </a:r>
+            <a:r>
+              <a:rPr lang="en-US" dirty="0" err="1"/>
+              <a:t>te</a:t>
+            </a:r>
+            <a:r>
+              <a:rPr lang="en-US" dirty="0"/>
+              <a:t> </a:t>
+            </a:r>
+            <a:r>
+              <a:rPr lang="en-US" dirty="0" err="1"/>
+              <a:t>processeren</a:t>
+            </a:r>
+            <a:r>
+              <a:rPr lang="en-US" dirty="0"/>
+              <a:t>, </a:t>
+            </a:r>
+            <a:r>
+              <a:rPr lang="en-US" dirty="0" err="1"/>
+              <a:t>visualiseren</a:t>
+            </a:r>
+            <a:r>
+              <a:rPr lang="en-US" dirty="0"/>
+              <a:t> </a:t>
+            </a:r>
+            <a:r>
+              <a:rPr lang="en-US" dirty="0" err="1"/>
+              <a:t>en</a:t>
+            </a:r>
+            <a:r>
+              <a:rPr lang="en-US" dirty="0"/>
+              <a:t> </a:t>
+            </a:r>
+            <a:r>
+              <a:rPr lang="en-US" dirty="0" err="1"/>
+              <a:t>complexe</a:t>
+            </a:r>
+            <a:r>
+              <a:rPr lang="en-US" dirty="0"/>
+              <a:t> </a:t>
+            </a:r>
+            <a:r>
+              <a:rPr lang="en-US" dirty="0" err="1"/>
+              <a:t>calculaties</a:t>
+            </a:r>
+            <a:r>
+              <a:rPr lang="en-US" dirty="0"/>
+              <a:t> </a:t>
+            </a:r>
+            <a:r>
+              <a:rPr lang="en-US" dirty="0" err="1"/>
+              <a:t>te</a:t>
+            </a:r>
+            <a:r>
+              <a:rPr lang="en-US" dirty="0"/>
+              <a:t> </a:t>
+            </a:r>
+            <a:r>
+              <a:rPr lang="en-US" dirty="0" err="1"/>
+              <a:t>kunnen</a:t>
+            </a:r>
+            <a:r>
+              <a:rPr lang="en-US" dirty="0"/>
+              <a:t> </a:t>
+            </a:r>
+            <a:r>
+              <a:rPr lang="en-US" dirty="0" err="1"/>
+              <a:t>uitberekenen</a:t>
+            </a:r>
+            <a:endParaRPr lang="en-US" dirty="0"/>
+          </a:p>
+          <a:p>
+            <a:pPr fontAlgn="base"/>
+            <a:r>
+              <a:rPr lang="nl-NL" b="1" dirty="0" err="1">
+                <a:solidFill>
+                  <a:srgbClr val="00B0F0"/>
+                </a:solidFill>
+              </a:rPr>
+              <a:t>RapidMiner</a:t>
+            </a:r>
+            <a:r>
+              <a:rPr lang="nl-NL" b="1" dirty="0"/>
+              <a:t> </a:t>
+            </a:r>
+            <a:r>
+              <a:rPr lang="nl-NL" dirty="0"/>
+              <a:t>- een data </a:t>
+            </a:r>
+            <a:r>
+              <a:rPr lang="nl-NL" dirty="0" err="1"/>
+              <a:t>science</a:t>
+            </a:r>
+            <a:r>
+              <a:rPr lang="nl-NL" dirty="0"/>
+              <a:t> software platform dat een geïntegreerde omgeving biedt voor data voorbereiding, machine learning, </a:t>
+            </a:r>
+            <a:r>
+              <a:rPr lang="nl-NL" dirty="0" err="1"/>
+              <a:t>deep</a:t>
+            </a:r>
+            <a:r>
+              <a:rPr lang="nl-NL" dirty="0"/>
+              <a:t> learning, </a:t>
+            </a:r>
+            <a:r>
+              <a:rPr lang="nl-NL" dirty="0" err="1"/>
+              <a:t>text</a:t>
+            </a:r>
+            <a:r>
+              <a:rPr lang="nl-NL" dirty="0"/>
+              <a:t> </a:t>
+            </a:r>
+            <a:r>
+              <a:rPr lang="nl-NL" dirty="0" err="1"/>
+              <a:t>mining</a:t>
+            </a:r>
+            <a:r>
+              <a:rPr lang="nl-NL" dirty="0"/>
+              <a:t> en voorspellende statistiek.</a:t>
+            </a:r>
+          </a:p>
+          <a:p>
+            <a:pPr fontAlgn="base"/>
+            <a:endParaRPr lang="en-US" dirty="0"/>
+          </a:p>
+        </p:txBody>
+      </p:sp>
+      <p:pic>
+        <p:nvPicPr>
+          <p:cNvPr id="5" name="Afbeelding 4">
+            <a:extLst>
+              <a:ext uri="{FF2B5EF4-FFF2-40B4-BE49-F238E27FC236}">
+                <a16:creationId xmlns:a16="http://schemas.microsoft.com/office/drawing/2014/main" id="{0D162797-520C-4CE2-ABAB-201199B529DD}"/>
               </a:ext>
             </a:extLst>
           </p:cNvPr>
@@ -3678,18 +7119,112 @@
         </p:blipFill>
         <p:spPr>
           <a:xfrm>
-            <a:off x="252919" y="2986149"/>
-            <a:ext cx="2963631" cy="2207288"/>
+            <a:off x="2145497" y="282130"/>
+            <a:ext cx="1293028" cy="1293028"/>
           </a:xfrm>
           <a:prstGeom prst="rect">
             <a:avLst/>
           </a:prstGeom>
+        </p:spPr>
+      </p:pic>
+      <p:pic>
+        <p:nvPicPr>
+          <p:cNvPr id="2050" name="Picture 2">
+            <a:extLst>
+              <a:ext uri="{FF2B5EF4-FFF2-40B4-BE49-F238E27FC236}">
+                <a16:creationId xmlns:a16="http://schemas.microsoft.com/office/drawing/2014/main" id="{212500E8-FB2A-455E-B6CE-EB51AD1AA084}"/>
+              </a:ext>
+            </a:extLst>
+          </p:cNvPr>
+          <p:cNvPicPr>
+            <a:picLocks noChangeAspect="1" noChangeArrowheads="1"/>
+          </p:cNvPicPr>
+          <p:nvPr/>
+        </p:nvPicPr>
+        <p:blipFill>
+          <a:blip r:embed="rId3">
+            <a:extLst>
+              <a:ext uri="{28A0092B-C50C-407E-A947-70E740481C1C}">
+                <a14:useLocalDpi xmlns:a14="http://schemas.microsoft.com/office/drawing/2010/main" val="0"/>
+              </a:ext>
+            </a:extLst>
+          </a:blip>
+          <a:srcRect/>
+          <a:stretch>
+            <a:fillRect/>
+          </a:stretch>
+        </p:blipFill>
+        <p:spPr bwMode="auto">
+          <a:xfrm>
+            <a:off x="1070741" y="1244966"/>
+            <a:ext cx="1263681" cy="1135043"/>
+          </a:xfrm>
+          <a:prstGeom prst="rect">
+            <a:avLst/>
+          </a:prstGeom>
+          <a:noFill/>
+          <a:extLst>
+            <a:ext uri="{909E8E84-426E-40DD-AFC4-6F175D3DCCD1}">
+              <a14:hiddenFill xmlns:a14="http://schemas.microsoft.com/office/drawing/2010/main">
+                <a:solidFill>
+                  <a:srgbClr val="FFFFFF"/>
+                </a:solidFill>
+              </a14:hiddenFill>
+            </a:ext>
+          </a:extLst>
+        </p:spPr>
+      </p:pic>
+      <p:pic>
+        <p:nvPicPr>
+          <p:cNvPr id="2052" name="Picture 4">
+            <a:extLst>
+              <a:ext uri="{FF2B5EF4-FFF2-40B4-BE49-F238E27FC236}">
+                <a16:creationId xmlns:a16="http://schemas.microsoft.com/office/drawing/2014/main" id="{385B76E5-EE72-4AE0-92F2-CDB9671C0BF2}"/>
+              </a:ext>
+            </a:extLst>
+          </p:cNvPr>
+          <p:cNvPicPr>
+            <a:picLocks noChangeAspect="1" noChangeArrowheads="1"/>
+          </p:cNvPicPr>
+          <p:nvPr/>
+        </p:nvPicPr>
+        <p:blipFill>
+          <a:blip r:embed="rId4">
+            <a:extLst>
+              <a:ext uri="{28A0092B-C50C-407E-A947-70E740481C1C}">
+                <a14:useLocalDpi xmlns:a14="http://schemas.microsoft.com/office/drawing/2010/main" val="0"/>
+              </a:ext>
+            </a:extLst>
+          </a:blip>
+          <a:srcRect/>
+          <a:stretch>
+            <a:fillRect/>
+          </a:stretch>
+        </p:blipFill>
+        <p:spPr bwMode="auto">
+          <a:xfrm>
+            <a:off x="130957" y="427230"/>
+            <a:ext cx="1571625" cy="817736"/>
+          </a:xfrm>
+          <a:prstGeom prst="rect">
+            <a:avLst/>
+          </a:prstGeom>
+          <a:noFill/>
+          <a:extLst>
+            <a:ext uri="{909E8E84-426E-40DD-AFC4-6F175D3DCCD1}">
+              <a14:hiddenFill xmlns:a14="http://schemas.microsoft.com/office/drawing/2010/main">
+                <a:solidFill>
+                  <a:srgbClr val="FFFFFF"/>
+                </a:solidFill>
+              </a14:hiddenFill>
+            </a:ext>
+          </a:extLst>
         </p:spPr>
       </p:pic>
     </p:spTree>
     <p:extLst>
       <p:ext uri="{BB962C8B-B14F-4D97-AF65-F5344CB8AC3E}">
-        <p14:creationId xmlns:p14="http://schemas.microsoft.com/office/powerpoint/2010/main" val="2837773161"/>
+        <p14:creationId xmlns:p14="http://schemas.microsoft.com/office/powerpoint/2010/main" val="4282792942"/>
       </p:ext>
     </p:extLst>
   </p:cSld>
@@ -3700,58 +7235,93 @@
 </file>
 
 <file path=ppt/theme/theme1.xml><?xml version="1.0" encoding="utf-8"?>
-<a:theme xmlns:a="http://schemas.openxmlformats.org/drawingml/2006/main" name="Frame">
+<a:theme xmlns:a="http://schemas.openxmlformats.org/drawingml/2006/main" name="Condensspoor">
   <a:themeElements>
-    <a:clrScheme name="Frame">
+    <a:clrScheme name="Condensspoor">
       <a:dk1>
-        <a:srgbClr val="000000"/>
+        <a:sysClr val="windowText" lastClr="000000"/>
       </a:dk1>
       <a:lt1>
-        <a:srgbClr val="FFFFFF"/>
+        <a:sysClr val="window" lastClr="FFFFFF"/>
       </a:lt1>
       <a:dk2>
-        <a:srgbClr val="545454"/>
+        <a:srgbClr val="454545"/>
       </a:dk2>
       <a:lt2>
-        <a:srgbClr val="BFBFBF"/>
+        <a:srgbClr val="DADADA"/>
       </a:lt2>
       <a:accent1>
-        <a:srgbClr val="40BAD2"/>
+        <a:srgbClr val="DF2E28"/>
       </a:accent1>
       <a:accent2>
-        <a:srgbClr val="FAB900"/>
+        <a:srgbClr val="FE801A"/>
       </a:accent2>
       <a:accent3>
-        <a:srgbClr val="90BB23"/>
+        <a:srgbClr val="E9BF35"/>
       </a:accent3>
       <a:accent4>
-        <a:srgbClr val="EE7008"/>
+        <a:srgbClr val="81BB42"/>
       </a:accent4>
       <a:accent5>
-        <a:srgbClr val="1AB39F"/>
+        <a:srgbClr val="32C7A9"/>
       </a:accent5>
       <a:accent6>
-        <a:srgbClr val="D5393D"/>
+        <a:srgbClr val="4A9BDC"/>
       </a:accent6>
       <a:hlink>
-        <a:srgbClr val="90BB23"/>
+        <a:srgbClr val="F0532B"/>
       </a:hlink>
       <a:folHlink>
-        <a:srgbClr val="EE7008"/>
+        <a:srgbClr val="F38B53"/>
       </a:folHlink>
     </a:clrScheme>
-    <a:fontScheme name="Frame">
+    <a:fontScheme name="Condensspoor">
       <a:majorFont>
-        <a:latin typeface="Corbel" panose="020B0503020204020204"/>
+        <a:latin typeface="Century Gothic" panose="020B0502020202020204"/>
         <a:ea typeface=""/>
         <a:cs typeface=""/>
-        <a:font script="Jpan" typeface="ＭＳ ゴシック"/>
-        <a:font script="Hang" typeface="HY중고딕"/>
-        <a:font script="Hans" typeface="幼圆"/>
-        <a:font script="Hant" typeface="微軟正黑體"/>
-        <a:font script="Arab" typeface="Tahoma"/>
-        <a:font script="Hebr" typeface="Gisha"/>
-        <a:font script="Thai" typeface="DilleniaUPC"/>
+        <a:font script="Jpan" typeface="ＭＳ Ｐゴシック"/>
+        <a:font script="Hang" typeface="맑은 고딕"/>
+        <a:font script="Hans" typeface="宋体"/>
+        <a:font script="Hant" typeface="新細明體"/>
+        <a:font script="Arab" typeface="Times New Roman"/>
+        <a:font script="Hebr" typeface="Times New Roman"/>
+        <a:font script="Thai" typeface="Angsana New"/>
+        <a:font script="Ethi" typeface="Nyala"/>
+        <a:font script="Beng" typeface="Vrinda"/>
+        <a:font script="Gujr" typeface="Shruti"/>
+        <a:font script="Khmr" typeface="MoolBoran"/>
+        <a:font script="Knda" typeface="Tunga"/>
+        <a:font script="Guru" typeface="Raavi"/>
+        <a:font script="Cans" typeface="Euphemia"/>
+        <a:font script="Cher" typeface="Plantagenet Cherokee"/>
+        <a:font script="Yiii" typeface="Microsoft Yi Baiti"/>
+        <a:font script="Tibt" typeface="Microsoft Himalaya"/>
+        <a:font script="Thaa" typeface="MV Boli"/>
+        <a:font script="Deva" typeface="Mangal"/>
+        <a:font script="Telu" typeface="Gautami"/>
+        <a:font script="Taml" typeface="Latha"/>
+        <a:font script="Syrc" typeface="Estrangelo Edessa"/>
+        <a:font script="Orya" typeface="Kalinga"/>
+        <a:font script="Mlym" typeface="Kartika"/>
+        <a:font script="Laoo" typeface="DokChampa"/>
+        <a:font script="Sinh" typeface="Iskoola Pota"/>
+        <a:font script="Mong" typeface="Mongolian Baiti"/>
+        <a:font script="Viet" typeface="Times New Roman"/>
+        <a:font script="Uigh" typeface="Microsoft Uighur"/>
+        <a:font script="Geor" typeface="Sylfaen"/>
+      </a:majorFont>
+      <a:minorFont>
+        <a:latin typeface="Century Gothic" panose="020B0502020202020204"/>
+        <a:ea typeface=""/>
+        <a:cs typeface=""/>
+        <a:font script="Jpan" typeface="ＭＳ Ｐゴシック"/>
+        <a:font script="Hang" typeface="맑은 고딕"/>
+        <a:font script="Hans" typeface="宋体"/>
+        <a:font script="Hant" typeface="新細明體"/>
+        <a:font script="Arab" typeface="Arial"/>
+        <a:font script="Hebr" typeface="Arial"/>
+        <a:font script="Thai" typeface="Cordia New"/>
         <a:font script="Ethi" typeface="Nyala"/>
         <a:font script="Beng" typeface="Vrinda"/>
         <a:font script="Gujr" typeface="Shruti"/>
@@ -3772,62 +7342,62 @@
         <a:font script="Laoo" typeface="DokChampa"/>
         <a:font script="Sinh" typeface="Iskoola Pota"/>
         <a:font script="Mong" typeface="Mongolian Baiti"/>
-        <a:font script="Viet" typeface="Tahoma"/>
-        <a:font script="Uigh" typeface="Microsoft Uighur"/>
-        <a:font script="Geor" typeface="Sylfaen"/>
-      </a:majorFont>
-      <a:minorFont>
-        <a:latin typeface="Corbel" panose="020B0503020204020204"/>
-        <a:ea typeface=""/>
-        <a:cs typeface=""/>
-        <a:font script="Jpan" typeface="ＭＳ ゴシック"/>
-        <a:font script="Hang" typeface="HY중고딕"/>
-        <a:font script="Hans" typeface="幼圆"/>
-        <a:font script="Hant" typeface="微軟正黑體"/>
-        <a:font script="Arab" typeface="Tahoma"/>
-        <a:font script="Hebr" typeface="Gisha"/>
-        <a:font script="Thai" typeface="DilleniaUPC"/>
-        <a:font script="Ethi" typeface="Nyala"/>
-        <a:font script="Beng" typeface="Vrinda"/>
-        <a:font script="Gujr" typeface="Shruti"/>
-        <a:font script="Khmr" typeface="DaunPenh"/>
-        <a:font script="Knda" typeface="Tunga"/>
-        <a:font script="Guru" typeface="Raavi"/>
-        <a:font script="Cans" typeface="Euphemia"/>
-        <a:font script="Cher" typeface="Plantagenet Cherokee"/>
-        <a:font script="Yiii" typeface="Microsoft Yi Baiti"/>
-        <a:font script="Tibt" typeface="Microsoft Himalaya"/>
-        <a:font script="Thaa" typeface="MV Boli"/>
-        <a:font script="Deva" typeface="Mangal"/>
-        <a:font script="Telu" typeface="Gautami"/>
-        <a:font script="Taml" typeface="Latha"/>
-        <a:font script="Syrc" typeface="Estrangelo Edessa"/>
-        <a:font script="Orya" typeface="Kalinga"/>
-        <a:font script="Mlym" typeface="Kartika"/>
-        <a:font script="Laoo" typeface="DokChampa"/>
-        <a:font script="Sinh" typeface="Iskoola Pota"/>
-        <a:font script="Mong" typeface="Mongolian Baiti"/>
-        <a:font script="Viet" typeface="Verdana"/>
+        <a:font script="Viet" typeface="Arial"/>
         <a:font script="Uigh" typeface="Microsoft Uighur"/>
         <a:font script="Geor" typeface="Sylfaen"/>
       </a:minorFont>
     </a:fontScheme>
-    <a:fmtScheme name="Frame">
+    <a:fmtScheme name="Condensspoor">
       <a:fillStyleLst>
         <a:solidFill>
           <a:schemeClr val="phClr"/>
         </a:solidFill>
-        <a:solidFill>
-          <a:schemeClr val="phClr">
-            <a:tint val="65000"/>
-          </a:schemeClr>
-        </a:solidFill>
-        <a:solidFill>
-          <a:schemeClr val="phClr">
-            <a:shade val="80000"/>
-            <a:satMod val="150000"/>
-          </a:schemeClr>
-        </a:solidFill>
+        <a:gradFill rotWithShape="1">
+          <a:gsLst>
+            <a:gs pos="0">
+              <a:schemeClr val="phClr">
+                <a:tint val="69000"/>
+                <a:alpha val="100000"/>
+                <a:satMod val="109000"/>
+                <a:lumMod val="110000"/>
+              </a:schemeClr>
+            </a:gs>
+            <a:gs pos="52000">
+              <a:schemeClr val="phClr">
+                <a:tint val="74000"/>
+                <a:satMod val="100000"/>
+                <a:lumMod val="104000"/>
+              </a:schemeClr>
+            </a:gs>
+            <a:gs pos="100000">
+              <a:schemeClr val="phClr">
+                <a:tint val="78000"/>
+                <a:satMod val="100000"/>
+                <a:lumMod val="100000"/>
+              </a:schemeClr>
+            </a:gs>
+          </a:gsLst>
+          <a:lin ang="5400000" scaled="0"/>
+        </a:gradFill>
+        <a:gradFill rotWithShape="1">
+          <a:gsLst>
+            <a:gs pos="0">
+              <a:schemeClr val="phClr">
+                <a:tint val="96000"/>
+                <a:satMod val="100000"/>
+                <a:lumMod val="104000"/>
+              </a:schemeClr>
+            </a:gs>
+            <a:gs pos="78000">
+              <a:schemeClr val="phClr">
+                <a:shade val="100000"/>
+                <a:satMod val="110000"/>
+                <a:lumMod val="100000"/>
+              </a:schemeClr>
+            </a:gs>
+          </a:gsLst>
+          <a:lin ang="5400000" scaled="0"/>
+        </a:gradFill>
       </a:fillStyleLst>
       <a:lnStyleLst>
         <a:ln w="9525" cap="flat" cmpd="sng" algn="ctr">
@@ -3836,19 +7406,15 @@
           </a:solidFill>
           <a:prstDash val="solid"/>
         </a:ln>
-        <a:ln w="10795" cap="flat" cmpd="sng" algn="ctr">
+        <a:ln w="12700" cap="flat" cmpd="sng" algn="ctr">
           <a:solidFill>
             <a:schemeClr val="phClr"/>
           </a:solidFill>
           <a:prstDash val="solid"/>
         </a:ln>
-        <a:ln w="17145" cap="flat" cmpd="sng" algn="ctr">
+        <a:ln w="19050" cap="flat" cmpd="sng" algn="ctr">
           <a:solidFill>
-            <a:schemeClr val="phClr">
-              <a:shade val="95000"/>
-              <a:alpha val="50000"/>
-              <a:satMod val="150000"/>
-            </a:schemeClr>
+            <a:schemeClr val="phClr"/>
           </a:solidFill>
           <a:prstDash val="solid"/>
         </a:ln>
@@ -3859,12 +7425,21 @@
         </a:effectStyle>
         <a:effectStyle>
           <a:effectLst/>
+          <a:scene3d>
+            <a:camera prst="orthographicFront">
+              <a:rot lat="0" lon="0" rev="0"/>
+            </a:camera>
+            <a:lightRig rig="threePt" dir="t"/>
+          </a:scene3d>
+          <a:sp3d>
+            <a:bevelT w="25400" h="12700"/>
+          </a:sp3d>
         </a:effectStyle>
         <a:effectStyle>
           <a:effectLst>
-            <a:outerShdw blurRad="44450" dist="13970" dir="5400000" algn="ctr" rotWithShape="0">
+            <a:outerShdw blurRad="57150" dist="19050" dir="5400000" algn="ctr" rotWithShape="0">
               <a:srgbClr val="000000">
-                <a:alpha val="45000"/>
+                <a:alpha val="48000"/>
               </a:srgbClr>
             </a:outerShdw>
           </a:effectLst>
@@ -3872,10 +7447,10 @@
             <a:camera prst="orthographicFront">
               <a:rot lat="0" lon="0" rev="0"/>
             </a:camera>
-            <a:lightRig rig="twoPt" dir="tl"/>
+            <a:lightRig rig="threePt" dir="t"/>
           </a:scene3d>
-          <a:sp3d prstMaterial="flat">
-            <a:bevelT w="12700" h="25400" prst="coolSlant"/>
+          <a:sp3d>
+            <a:bevelT w="50800" h="25400"/>
           </a:sp3d>
         </a:effectStyle>
       </a:effectStyleLst>
@@ -3895,23 +7470,22 @@
               <a:schemeClr val="phClr">
                 <a:tint val="93000"/>
                 <a:shade val="98000"/>
-                <a:satMod val="120000"/>
+                <a:satMod val="150000"/>
                 <a:lumMod val="102000"/>
               </a:schemeClr>
             </a:gs>
-            <a:gs pos="48000">
+            <a:gs pos="50000">
               <a:schemeClr val="phClr">
                 <a:tint val="98000"/>
                 <a:shade val="90000"/>
-                <a:satMod val="110000"/>
+                <a:satMod val="130000"/>
                 <a:lumMod val="103000"/>
               </a:schemeClr>
             </a:gs>
             <a:gs pos="100000">
               <a:schemeClr val="phClr">
-                <a:tint val="98000"/>
-                <a:shade val="80000"/>
-                <a:satMod val="100000"/>
+                <a:shade val="63000"/>
+                <a:satMod val="120000"/>
               </a:schemeClr>
             </a:gs>
           </a:gsLst>
@@ -3924,7 +7498,7 @@
   <a:extraClrSchemeLst/>
   <a:extLst>
     <a:ext uri="{05A4C25C-085E-4340-85A3-A5531E510DB2}">
-      <thm15:themeFamily xmlns:thm15="http://schemas.microsoft.com/office/thememl/2012/main" name="Frame" id="{F226E7A2-7162-461C-9490-D27D9DC04E43}" vid="{629A0216-3BBD-45C0-B63F-2683BEA18F60}"/>
+      <thm15:themeFamily xmlns:thm15="http://schemas.microsoft.com/office/thememl/2012/main" name="Vapor Trail" id="{4FDF2955-7D9C-493C-B9F9-C205151B46CD}" vid="{8F31A783-2159-4870-BC29-2BA7D038EA44}"/>
     </a:ext>
   </a:extLst>
 </a:theme>

--- a/Les1/Wat is Data Science.pptx
+++ b/Les1/Wat is Data Science.pptx
@@ -8,6 +8,7 @@
     <p:sldId id="257" r:id="rId2"/>
     <p:sldId id="259" r:id="rId3"/>
     <p:sldId id="258" r:id="rId4"/>
+    <p:sldId id="260" r:id="rId5"/>
   </p:sldIdLst>
   <p:sldSz cx="12192000" cy="6858000"/>
   <p:notesSz cx="6858000" cy="9144000"/>
@@ -7234,6 +7235,128 @@
 </p:sld>
 </file>
 
+<file path=ppt/slides/slide4.xml><?xml version="1.0" encoding="utf-8"?>
+<p:sld xmlns:a="http://schemas.openxmlformats.org/drawingml/2006/main" xmlns:r="http://schemas.openxmlformats.org/officeDocument/2006/relationships" xmlns:p="http://schemas.openxmlformats.org/presentationml/2006/main">
+  <p:cSld>
+    <p:spTree>
+      <p:nvGrpSpPr>
+        <p:cNvPr id="1" name=""/>
+        <p:cNvGrpSpPr/>
+        <p:nvPr/>
+      </p:nvGrpSpPr>
+      <p:grpSpPr>
+        <a:xfrm>
+          <a:off x="0" y="0"/>
+          <a:ext cx="0" cy="0"/>
+          <a:chOff x="0" y="0"/>
+          <a:chExt cx="0" cy="0"/>
+        </a:xfrm>
+      </p:grpSpPr>
+      <p:sp>
+        <p:nvSpPr>
+          <p:cNvPr id="2" name="Titel 1">
+            <a:extLst>
+              <a:ext uri="{FF2B5EF4-FFF2-40B4-BE49-F238E27FC236}">
+                <a16:creationId xmlns:a16="http://schemas.microsoft.com/office/drawing/2014/main" id="{5FCB4818-441C-42AE-A800-6BA5EEB5038F}"/>
+              </a:ext>
+            </a:extLst>
+          </p:cNvPr>
+          <p:cNvSpPr>
+            <a:spLocks noGrp="1"/>
+          </p:cNvSpPr>
+          <p:nvPr>
+            <p:ph type="title"/>
+          </p:nvPr>
+        </p:nvSpPr>
+        <p:spPr/>
+        <p:txBody>
+          <a:bodyPr/>
+          <a:lstStyle/>
+          <a:p>
+            <a:r>
+              <a:rPr lang="nl-NL" cap="none" dirty="0"/>
+              <a:t>Waarom een bepaalde tool gebruiken?</a:t>
+            </a:r>
+          </a:p>
+        </p:txBody>
+      </p:sp>
+      <p:sp>
+        <p:nvSpPr>
+          <p:cNvPr id="3" name="Tijdelijke aanduiding voor inhoud 2">
+            <a:extLst>
+              <a:ext uri="{FF2B5EF4-FFF2-40B4-BE49-F238E27FC236}">
+                <a16:creationId xmlns:a16="http://schemas.microsoft.com/office/drawing/2014/main" id="{6A03D460-C911-4E7F-B42B-FDA72B3D8E14}"/>
+              </a:ext>
+            </a:extLst>
+          </p:cNvPr>
+          <p:cNvSpPr>
+            <a:spLocks noGrp="1"/>
+          </p:cNvSpPr>
+          <p:nvPr>
+            <p:ph idx="1"/>
+          </p:nvPr>
+        </p:nvSpPr>
+        <p:spPr/>
+        <p:txBody>
+          <a:bodyPr/>
+          <a:lstStyle/>
+          <a:p>
+            <a:r>
+              <a:rPr lang="nl-NL" dirty="0"/>
+              <a:t>Open-source</a:t>
+            </a:r>
+          </a:p>
+          <a:p>
+            <a:r>
+              <a:rPr lang="nl-NL" dirty="0"/>
+              <a:t>Gebruiksvriendelijke User Interface</a:t>
+            </a:r>
+          </a:p>
+          <a:p>
+            <a:r>
+              <a:rPr lang="nl-NL" dirty="0"/>
+              <a:t>Kostenefficiënt</a:t>
+            </a:r>
+          </a:p>
+          <a:p>
+            <a:r>
+              <a:rPr lang="nl-NL" dirty="0"/>
+              <a:t>Support</a:t>
+            </a:r>
+          </a:p>
+          <a:p>
+            <a:r>
+              <a:rPr lang="nl-NL" dirty="0"/>
+              <a:t>Actieve update </a:t>
+            </a:r>
+            <a:r>
+              <a:rPr lang="nl-NL" dirty="0" err="1"/>
+              <a:t>cycle</a:t>
+            </a:r>
+            <a:endParaRPr lang="nl-NL" dirty="0"/>
+          </a:p>
+          <a:p>
+            <a:r>
+              <a:rPr lang="nl-NL"/>
+              <a:t> </a:t>
+            </a:r>
+            <a:endParaRPr lang="nl-NL" dirty="0"/>
+          </a:p>
+        </p:txBody>
+      </p:sp>
+    </p:spTree>
+    <p:extLst>
+      <p:ext uri="{BB962C8B-B14F-4D97-AF65-F5344CB8AC3E}">
+        <p14:creationId xmlns:p14="http://schemas.microsoft.com/office/powerpoint/2010/main" val="3378637087"/>
+      </p:ext>
+    </p:extLst>
+  </p:cSld>
+  <p:clrMapOvr>
+    <a:masterClrMapping/>
+  </p:clrMapOvr>
+</p:sld>
+</file>
+
 <file path=ppt/theme/theme1.xml><?xml version="1.0" encoding="utf-8"?>
 <a:theme xmlns:a="http://schemas.openxmlformats.org/drawingml/2006/main" name="Condensspoor">
   <a:themeElements>
